--- a/PA4/PA4.pptx
+++ b/PA4/PA4.pptx
@@ -227,7 +227,7 @@
             <a:fld id="{85C6EAC6-2598-478F-AD12-64310331A9A8}" type="datetimeFigureOut">
               <a:rPr lang="en-US" smtClean="0"/>
               <a:pPr/>
-              <a:t>3/26/2019</a:t>
+              <a:t>4/21/2019</a:t>
             </a:fld>
             <a:endParaRPr lang="en-US"/>
           </a:p>
@@ -291,38 +291,37 @@
           <a:p>
             <a:pPr lvl="0"/>
             <a:r>
-              <a:rPr lang="en-US" smtClean="0"/>
+              <a:rPr lang="en-US"/>
               <a:t>Click to edit Master text styles</a:t>
             </a:r>
           </a:p>
           <a:p>
             <a:pPr lvl="1"/>
             <a:r>
-              <a:rPr lang="en-US" smtClean="0"/>
+              <a:rPr lang="en-US"/>
               <a:t>Second level</a:t>
             </a:r>
           </a:p>
           <a:p>
             <a:pPr lvl="2"/>
             <a:r>
-              <a:rPr lang="en-US" smtClean="0"/>
+              <a:rPr lang="en-US"/>
               <a:t>Third level</a:t>
             </a:r>
           </a:p>
           <a:p>
             <a:pPr lvl="3"/>
             <a:r>
-              <a:rPr lang="en-US" smtClean="0"/>
+              <a:rPr lang="en-US"/>
               <a:t>Fourth level</a:t>
             </a:r>
           </a:p>
           <a:p>
             <a:pPr lvl="4"/>
             <a:r>
-              <a:rPr lang="en-US" smtClean="0"/>
+              <a:rPr lang="en-US"/>
               <a:t>Fifth level</a:t>
             </a:r>
-            <a:endParaRPr lang="en-US"/>
           </a:p>
         </p:txBody>
       </p:sp>
@@ -796,10 +795,9 @@
           <a:lstStyle/>
           <a:p>
             <a:r>
-              <a:rPr lang="en-US" dirty="0" smtClean="0"/>
+              <a:rPr lang="en-US" dirty="0"/>
               <a:t>instead of</a:t>
             </a:r>
-            <a:endParaRPr lang="en-US" dirty="0"/>
           </a:p>
         </p:txBody>
       </p:sp>
@@ -885,19 +883,19 @@
           <a:lstStyle/>
           <a:p>
             <a:r>
-              <a:rPr lang="en-US" dirty="0" smtClean="0"/>
+              <a:rPr lang="en-US" dirty="0"/>
               <a:t>Server</a:t>
             </a:r>
             <a:r>
-              <a:rPr lang="en-US" baseline="0" dirty="0" smtClean="0"/>
+              <a:rPr lang="en-US" baseline="0" dirty="0"/>
               <a:t> Side also has a control channel. Since it uses the same name, “control”, it can communicate with a client side</a:t>
             </a:r>
           </a:p>
           <a:p>
-            <a:endParaRPr lang="en-US" baseline="0" dirty="0" smtClean="0"/>
-          </a:p>
-          <a:p>
-            <a:endParaRPr lang="en-US" baseline="0" dirty="0" smtClean="0"/>
+            <a:endParaRPr lang="en-US" baseline="0" dirty="0"/>
+          </a:p>
+          <a:p>
+            <a:endParaRPr lang="en-US" baseline="0" dirty="0"/>
           </a:p>
           <a:p>
             <a:endParaRPr lang="en-US" dirty="0"/>
@@ -985,7 +983,7 @@
           </a:lstStyle>
           <a:p>
             <a:r>
-              <a:rPr lang="en-US" smtClean="0"/>
+              <a:rPr lang="en-US"/>
               <a:t>Click to edit Master title style</a:t>
             </a:r>
             <a:endParaRPr lang="en-US" dirty="0"/>
@@ -1104,7 +1102,7 @@
           </a:lstStyle>
           <a:p>
             <a:r>
-              <a:rPr lang="en-US" smtClean="0"/>
+              <a:rPr lang="en-US"/>
               <a:t>Click to edit Master subtitle style</a:t>
             </a:r>
             <a:endParaRPr lang="en-US" dirty="0"/>
@@ -1129,7 +1127,7 @@
             <a:fld id="{4B61ADED-2821-4C1B-9DB9-F47C98B7748E}" type="datetimeFigureOut">
               <a:rPr lang="en-US" smtClean="0"/>
               <a:pPr/>
-              <a:t>3/26/2019</a:t>
+              <a:t>4/21/2019</a:t>
             </a:fld>
             <a:endParaRPr lang="en-US"/>
           </a:p>
@@ -1311,13 +1309,6 @@
   <p:clrMapOvr>
     <a:masterClrMapping/>
   </p:clrMapOvr>
-  <p:timing>
-    <p:tnLst>
-      <p:par>
-        <p:cTn id="1" dur="indefinite" restart="never" nodeType="tmRoot"/>
-      </p:par>
-    </p:tnLst>
-  </p:timing>
 </p:sldLayout>
 </file>
 
@@ -1354,10 +1345,9 @@
           <a:lstStyle/>
           <a:p>
             <a:r>
-              <a:rPr lang="en-US" smtClean="0"/>
+              <a:rPr lang="en-US"/>
               <a:t>Click to edit Master title style</a:t>
             </a:r>
-            <a:endParaRPr lang="en-US"/>
           </a:p>
         </p:txBody>
       </p:sp>
@@ -1378,38 +1368,37 @@
           <a:p>
             <a:pPr lvl="0"/>
             <a:r>
-              <a:rPr lang="en-US" smtClean="0"/>
+              <a:rPr lang="en-US"/>
               <a:t>Click to edit Master text styles</a:t>
             </a:r>
           </a:p>
           <a:p>
             <a:pPr lvl="1"/>
             <a:r>
-              <a:rPr lang="en-US" smtClean="0"/>
+              <a:rPr lang="en-US"/>
               <a:t>Second level</a:t>
             </a:r>
           </a:p>
           <a:p>
             <a:pPr lvl="2"/>
             <a:r>
-              <a:rPr lang="en-US" smtClean="0"/>
+              <a:rPr lang="en-US"/>
               <a:t>Third level</a:t>
             </a:r>
           </a:p>
           <a:p>
             <a:pPr lvl="3"/>
             <a:r>
-              <a:rPr lang="en-US" smtClean="0"/>
+              <a:rPr lang="en-US"/>
               <a:t>Fourth level</a:t>
             </a:r>
           </a:p>
           <a:p>
             <a:pPr lvl="4"/>
             <a:r>
-              <a:rPr lang="en-US" smtClean="0"/>
+              <a:rPr lang="en-US"/>
               <a:t>Fifth level</a:t>
             </a:r>
-            <a:endParaRPr lang="en-US"/>
           </a:p>
         </p:txBody>
       </p:sp>
@@ -1431,7 +1420,7 @@
             <a:fld id="{4B61ADED-2821-4C1B-9DB9-F47C98B7748E}" type="datetimeFigureOut">
               <a:rPr lang="en-US" smtClean="0"/>
               <a:pPr/>
-              <a:t>3/26/2019</a:t>
+              <a:t>4/21/2019</a:t>
             </a:fld>
             <a:endParaRPr lang="en-US"/>
           </a:p>
@@ -1531,10 +1520,9 @@
           <a:lstStyle/>
           <a:p>
             <a:r>
-              <a:rPr lang="en-US" smtClean="0"/>
+              <a:rPr lang="en-US"/>
               <a:t>Click to edit Master title style</a:t>
             </a:r>
-            <a:endParaRPr lang="en-US"/>
           </a:p>
         </p:txBody>
       </p:sp>
@@ -1560,38 +1548,37 @@
           <a:p>
             <a:pPr lvl="0"/>
             <a:r>
-              <a:rPr lang="en-US" smtClean="0"/>
+              <a:rPr lang="en-US"/>
               <a:t>Click to edit Master text styles</a:t>
             </a:r>
           </a:p>
           <a:p>
             <a:pPr lvl="1"/>
             <a:r>
-              <a:rPr lang="en-US" smtClean="0"/>
+              <a:rPr lang="en-US"/>
               <a:t>Second level</a:t>
             </a:r>
           </a:p>
           <a:p>
             <a:pPr lvl="2"/>
             <a:r>
-              <a:rPr lang="en-US" smtClean="0"/>
+              <a:rPr lang="en-US"/>
               <a:t>Third level</a:t>
             </a:r>
           </a:p>
           <a:p>
             <a:pPr lvl="3"/>
             <a:r>
-              <a:rPr lang="en-US" smtClean="0"/>
+              <a:rPr lang="en-US"/>
               <a:t>Fourth level</a:t>
             </a:r>
           </a:p>
           <a:p>
             <a:pPr lvl="4"/>
             <a:r>
-              <a:rPr lang="en-US" smtClean="0"/>
+              <a:rPr lang="en-US"/>
               <a:t>Fifth level</a:t>
             </a:r>
-            <a:endParaRPr lang="en-US"/>
           </a:p>
         </p:txBody>
       </p:sp>
@@ -1613,7 +1600,7 @@
             <a:fld id="{4B61ADED-2821-4C1B-9DB9-F47C98B7748E}" type="datetimeFigureOut">
               <a:rPr lang="en-US" smtClean="0"/>
               <a:pPr/>
-              <a:t>3/26/2019</a:t>
+              <a:t>4/21/2019</a:t>
             </a:fld>
             <a:endParaRPr lang="en-US"/>
           </a:p>
@@ -1787,7 +1774,7 @@
           </a:lstStyle>
           <a:p>
             <a:r>
-              <a:rPr kumimoji="0" lang="en-US" altLang="zh-CN" smtClean="0"/>
+              <a:rPr kumimoji="0" lang="en-US" altLang="zh-CN"/>
               <a:t>Click to edit Master title style</a:t>
             </a:r>
             <a:endParaRPr kumimoji="0" lang="en-US"/>
@@ -1853,7 +1840,7 @@
           <a:p>
             <a:pPr lvl="0" eaLnBrk="1" latinLnBrk="0" hangingPunct="1"/>
             <a:r>
-              <a:rPr kumimoji="0" lang="en-US" altLang="zh-CN" smtClean="0"/>
+              <a:rPr kumimoji="0" lang="en-US" altLang="zh-CN"/>
               <a:t>Click to edit Master text styles</a:t>
             </a:r>
           </a:p>
@@ -1885,7 +1872,7 @@
             <a:fld id="{4B61ADED-2821-4C1B-9DB9-F47C98B7748E}" type="datetimeFigureOut">
               <a:rPr lang="en-US" smtClean="0"/>
               <a:pPr/>
-              <a:t>3/26/2019</a:t>
+              <a:t>4/21/2019</a:t>
             </a:fld>
             <a:endParaRPr lang="en-US"/>
           </a:p>
@@ -2096,38 +2083,37 @@
           <a:p>
             <a:pPr lvl="0"/>
             <a:r>
-              <a:rPr lang="en-US" dirty="0" smtClean="0"/>
+              <a:rPr lang="en-US" dirty="0"/>
               <a:t>Click to edit Master text styles</a:t>
             </a:r>
           </a:p>
           <a:p>
             <a:pPr lvl="1"/>
             <a:r>
-              <a:rPr lang="en-US" dirty="0" smtClean="0"/>
+              <a:rPr lang="en-US" dirty="0"/>
               <a:t>Second level</a:t>
             </a:r>
           </a:p>
           <a:p>
             <a:pPr lvl="2"/>
             <a:r>
-              <a:rPr lang="en-US" dirty="0" smtClean="0"/>
+              <a:rPr lang="en-US" dirty="0"/>
               <a:t>Third level</a:t>
             </a:r>
           </a:p>
           <a:p>
             <a:pPr lvl="3"/>
             <a:r>
-              <a:rPr lang="en-US" dirty="0" smtClean="0"/>
+              <a:rPr lang="en-US" dirty="0"/>
               <a:t>Fourth level</a:t>
             </a:r>
           </a:p>
           <a:p>
             <a:pPr lvl="4"/>
             <a:r>
-              <a:rPr lang="en-US" dirty="0" smtClean="0"/>
+              <a:rPr lang="en-US" dirty="0"/>
               <a:t>Fifth level</a:t>
             </a:r>
-            <a:endParaRPr lang="en-US" dirty="0"/>
           </a:p>
         </p:txBody>
       </p:sp>
@@ -2149,7 +2135,7 @@
             <a:fld id="{4B61ADED-2821-4C1B-9DB9-F47C98B7748E}" type="datetimeFigureOut">
               <a:rPr lang="en-US" smtClean="0"/>
               <a:pPr/>
-              <a:t>3/26/2019</a:t>
+              <a:t>4/21/2019</a:t>
             </a:fld>
             <a:endParaRPr lang="en-US"/>
           </a:p>
@@ -2352,7 +2338,7 @@
           </a:lstStyle>
           <a:p>
             <a:r>
-              <a:rPr lang="en-US" smtClean="0"/>
+              <a:rPr lang="en-US"/>
               <a:t>Click to edit Master title style</a:t>
             </a:r>
             <a:endParaRPr lang="en-US" dirty="0"/>
@@ -2369,13 +2355,6 @@
   <p:clrMapOvr>
     <a:masterClrMapping/>
   </p:clrMapOvr>
-  <p:timing>
-    <p:tnLst>
-      <p:par>
-        <p:cTn id="1" dur="indefinite" restart="never" nodeType="tmRoot"/>
-      </p:par>
-    </p:tnLst>
-  </p:timing>
 </p:sldLayout>
 </file>
 
@@ -2421,10 +2400,9 @@
           </a:lstStyle>
           <a:p>
             <a:r>
-              <a:rPr lang="en-US" smtClean="0"/>
+              <a:rPr lang="en-US"/>
               <a:t>Click to edit Master title style</a:t>
             </a:r>
-            <a:endParaRPr lang="en-US"/>
           </a:p>
         </p:txBody>
       </p:sp>
@@ -2541,7 +2519,7 @@
           <a:p>
             <a:pPr lvl="0"/>
             <a:r>
-              <a:rPr lang="en-US" smtClean="0"/>
+              <a:rPr lang="en-US"/>
               <a:t>Click to edit Master text styles</a:t>
             </a:r>
           </a:p>
@@ -2565,7 +2543,7 @@
             <a:fld id="{4B61ADED-2821-4C1B-9DB9-F47C98B7748E}" type="datetimeFigureOut">
               <a:rPr lang="en-US" smtClean="0"/>
               <a:pPr/>
-              <a:t>3/26/2019</a:t>
+              <a:t>4/21/2019</a:t>
             </a:fld>
             <a:endParaRPr lang="en-US"/>
           </a:p>
@@ -2624,13 +2602,6 @@
   <p:clrMapOvr>
     <a:masterClrMapping/>
   </p:clrMapOvr>
-  <p:timing>
-    <p:tnLst>
-      <p:par>
-        <p:cTn id="1" dur="indefinite" restart="never" nodeType="tmRoot"/>
-      </p:par>
-    </p:tnLst>
-  </p:timing>
 </p:sldLayout>
 </file>
 
@@ -2667,10 +2638,9 @@
           <a:lstStyle/>
           <a:p>
             <a:r>
-              <a:rPr lang="en-US" smtClean="0"/>
+              <a:rPr lang="en-US"/>
               <a:t>Click to edit Master title style</a:t>
             </a:r>
-            <a:endParaRPr lang="en-US"/>
           </a:p>
         </p:txBody>
       </p:sp>
@@ -2724,38 +2694,37 @@
           <a:p>
             <a:pPr lvl="0"/>
             <a:r>
-              <a:rPr lang="en-US" smtClean="0"/>
+              <a:rPr lang="en-US"/>
               <a:t>Click to edit Master text styles</a:t>
             </a:r>
           </a:p>
           <a:p>
             <a:pPr lvl="1"/>
             <a:r>
-              <a:rPr lang="en-US" smtClean="0"/>
+              <a:rPr lang="en-US"/>
               <a:t>Second level</a:t>
             </a:r>
           </a:p>
           <a:p>
             <a:pPr lvl="2"/>
             <a:r>
-              <a:rPr lang="en-US" smtClean="0"/>
+              <a:rPr lang="en-US"/>
               <a:t>Third level</a:t>
             </a:r>
           </a:p>
           <a:p>
             <a:pPr lvl="3"/>
             <a:r>
-              <a:rPr lang="en-US" smtClean="0"/>
+              <a:rPr lang="en-US"/>
               <a:t>Fourth level</a:t>
             </a:r>
           </a:p>
           <a:p>
             <a:pPr lvl="4"/>
             <a:r>
-              <a:rPr lang="en-US" smtClean="0"/>
+              <a:rPr lang="en-US"/>
               <a:t>Fifth level</a:t>
             </a:r>
-            <a:endParaRPr lang="en-US"/>
           </a:p>
         </p:txBody>
       </p:sp>
@@ -2809,38 +2778,37 @@
           <a:p>
             <a:pPr lvl="0"/>
             <a:r>
-              <a:rPr lang="en-US" smtClean="0"/>
+              <a:rPr lang="en-US"/>
               <a:t>Click to edit Master text styles</a:t>
             </a:r>
           </a:p>
           <a:p>
             <a:pPr lvl="1"/>
             <a:r>
-              <a:rPr lang="en-US" smtClean="0"/>
+              <a:rPr lang="en-US"/>
               <a:t>Second level</a:t>
             </a:r>
           </a:p>
           <a:p>
             <a:pPr lvl="2"/>
             <a:r>
-              <a:rPr lang="en-US" smtClean="0"/>
+              <a:rPr lang="en-US"/>
               <a:t>Third level</a:t>
             </a:r>
           </a:p>
           <a:p>
             <a:pPr lvl="3"/>
             <a:r>
-              <a:rPr lang="en-US" smtClean="0"/>
+              <a:rPr lang="en-US"/>
               <a:t>Fourth level</a:t>
             </a:r>
           </a:p>
           <a:p>
             <a:pPr lvl="4"/>
             <a:r>
-              <a:rPr lang="en-US" smtClean="0"/>
+              <a:rPr lang="en-US"/>
               <a:t>Fifth level</a:t>
             </a:r>
-            <a:endParaRPr lang="en-US"/>
           </a:p>
         </p:txBody>
       </p:sp>
@@ -2862,7 +2830,7 @@
             <a:fld id="{4B61ADED-2821-4C1B-9DB9-F47C98B7748E}" type="datetimeFigureOut">
               <a:rPr lang="en-US" smtClean="0"/>
               <a:pPr/>
-              <a:t>3/26/2019</a:t>
+              <a:t>4/21/2019</a:t>
             </a:fld>
             <a:endParaRPr lang="en-US"/>
           </a:p>
@@ -2921,13 +2889,6 @@
   <p:clrMapOvr>
     <a:masterClrMapping/>
   </p:clrMapOvr>
-  <p:timing>
-    <p:tnLst>
-      <p:par>
-        <p:cTn id="1" dur="indefinite" restart="never" nodeType="tmRoot"/>
-      </p:par>
-    </p:tnLst>
-  </p:timing>
 </p:sldLayout>
 </file>
 
@@ -2968,10 +2929,9 @@
           </a:lstStyle>
           <a:p>
             <a:r>
-              <a:rPr lang="en-US" smtClean="0"/>
+              <a:rPr lang="en-US"/>
               <a:t>Click to edit Master title style</a:t>
             </a:r>
-            <a:endParaRPr lang="en-US"/>
           </a:p>
         </p:txBody>
       </p:sp>
@@ -3034,7 +2994,7 @@
           <a:p>
             <a:pPr lvl="0"/>
             <a:r>
-              <a:rPr lang="en-US" smtClean="0"/>
+              <a:rPr lang="en-US"/>
               <a:t>Click to edit Master text styles</a:t>
             </a:r>
           </a:p>
@@ -3090,38 +3050,37 @@
           <a:p>
             <a:pPr lvl="0"/>
             <a:r>
-              <a:rPr lang="en-US" smtClean="0"/>
+              <a:rPr lang="en-US"/>
               <a:t>Click to edit Master text styles</a:t>
             </a:r>
           </a:p>
           <a:p>
             <a:pPr lvl="1"/>
             <a:r>
-              <a:rPr lang="en-US" smtClean="0"/>
+              <a:rPr lang="en-US"/>
               <a:t>Second level</a:t>
             </a:r>
           </a:p>
           <a:p>
             <a:pPr lvl="2"/>
             <a:r>
-              <a:rPr lang="en-US" smtClean="0"/>
+              <a:rPr lang="en-US"/>
               <a:t>Third level</a:t>
             </a:r>
           </a:p>
           <a:p>
             <a:pPr lvl="3"/>
             <a:r>
-              <a:rPr lang="en-US" smtClean="0"/>
+              <a:rPr lang="en-US"/>
               <a:t>Fourth level</a:t>
             </a:r>
           </a:p>
           <a:p>
             <a:pPr lvl="4"/>
             <a:r>
-              <a:rPr lang="en-US" smtClean="0"/>
+              <a:rPr lang="en-US"/>
               <a:t>Fifth level</a:t>
             </a:r>
-            <a:endParaRPr lang="en-US"/>
           </a:p>
         </p:txBody>
       </p:sp>
@@ -3184,7 +3143,7 @@
           <a:p>
             <a:pPr lvl="0"/>
             <a:r>
-              <a:rPr lang="en-US" smtClean="0"/>
+              <a:rPr lang="en-US"/>
               <a:t>Click to edit Master text styles</a:t>
             </a:r>
           </a:p>
@@ -3240,38 +3199,37 @@
           <a:p>
             <a:pPr lvl="0"/>
             <a:r>
-              <a:rPr lang="en-US" smtClean="0"/>
+              <a:rPr lang="en-US"/>
               <a:t>Click to edit Master text styles</a:t>
             </a:r>
           </a:p>
           <a:p>
             <a:pPr lvl="1"/>
             <a:r>
-              <a:rPr lang="en-US" smtClean="0"/>
+              <a:rPr lang="en-US"/>
               <a:t>Second level</a:t>
             </a:r>
           </a:p>
           <a:p>
             <a:pPr lvl="2"/>
             <a:r>
-              <a:rPr lang="en-US" smtClean="0"/>
+              <a:rPr lang="en-US"/>
               <a:t>Third level</a:t>
             </a:r>
           </a:p>
           <a:p>
             <a:pPr lvl="3"/>
             <a:r>
-              <a:rPr lang="en-US" smtClean="0"/>
+              <a:rPr lang="en-US"/>
               <a:t>Fourth level</a:t>
             </a:r>
           </a:p>
           <a:p>
             <a:pPr lvl="4"/>
             <a:r>
-              <a:rPr lang="en-US" smtClean="0"/>
+              <a:rPr lang="en-US"/>
               <a:t>Fifth level</a:t>
             </a:r>
-            <a:endParaRPr lang="en-US"/>
           </a:p>
         </p:txBody>
       </p:sp>
@@ -3293,7 +3251,7 @@
             <a:fld id="{4B61ADED-2821-4C1B-9DB9-F47C98B7748E}" type="datetimeFigureOut">
               <a:rPr lang="en-US" smtClean="0"/>
               <a:pPr/>
-              <a:t>3/26/2019</a:t>
+              <a:t>4/21/2019</a:t>
             </a:fld>
             <a:endParaRPr lang="en-US"/>
           </a:p>
@@ -3352,13 +3310,6 @@
   <p:clrMapOvr>
     <a:masterClrMapping/>
   </p:clrMapOvr>
-  <p:timing>
-    <p:tnLst>
-      <p:par>
-        <p:cTn id="1" dur="indefinite" restart="never" nodeType="tmRoot"/>
-      </p:par>
-    </p:tnLst>
-  </p:timing>
 </p:sldLayout>
 </file>
 
@@ -3395,10 +3346,9 @@
           <a:lstStyle/>
           <a:p>
             <a:r>
-              <a:rPr lang="en-US" smtClean="0"/>
+              <a:rPr lang="en-US"/>
               <a:t>Click to edit Master title style</a:t>
             </a:r>
-            <a:endParaRPr lang="en-US"/>
           </a:p>
         </p:txBody>
       </p:sp>
@@ -3420,7 +3370,7 @@
             <a:fld id="{4B61ADED-2821-4C1B-9DB9-F47C98B7748E}" type="datetimeFigureOut">
               <a:rPr lang="en-US" smtClean="0"/>
               <a:pPr/>
-              <a:t>3/26/2019</a:t>
+              <a:t>4/21/2019</a:t>
             </a:fld>
             <a:endParaRPr lang="en-US"/>
           </a:p>
@@ -3517,7 +3467,7 @@
             <a:fld id="{4B61ADED-2821-4C1B-9DB9-F47C98B7748E}" type="datetimeFigureOut">
               <a:rPr lang="en-US" smtClean="0"/>
               <a:pPr/>
-              <a:t>3/26/2019</a:t>
+              <a:t>4/21/2019</a:t>
             </a:fld>
             <a:endParaRPr lang="en-US"/>
           </a:p>
@@ -3621,10 +3571,9 @@
           </a:lstStyle>
           <a:p>
             <a:r>
-              <a:rPr lang="en-US" smtClean="0"/>
+              <a:rPr lang="en-US"/>
               <a:t>Click to edit Master title style</a:t>
             </a:r>
-            <a:endParaRPr lang="en-US"/>
           </a:p>
         </p:txBody>
       </p:sp>
@@ -3678,38 +3627,37 @@
           <a:p>
             <a:pPr lvl="0"/>
             <a:r>
-              <a:rPr lang="en-US" smtClean="0"/>
+              <a:rPr lang="en-US"/>
               <a:t>Click to edit Master text styles</a:t>
             </a:r>
           </a:p>
           <a:p>
             <a:pPr lvl="1"/>
             <a:r>
-              <a:rPr lang="en-US" smtClean="0"/>
+              <a:rPr lang="en-US"/>
               <a:t>Second level</a:t>
             </a:r>
           </a:p>
           <a:p>
             <a:pPr lvl="2"/>
             <a:r>
-              <a:rPr lang="en-US" smtClean="0"/>
+              <a:rPr lang="en-US"/>
               <a:t>Third level</a:t>
             </a:r>
           </a:p>
           <a:p>
             <a:pPr lvl="3"/>
             <a:r>
-              <a:rPr lang="en-US" smtClean="0"/>
+              <a:rPr lang="en-US"/>
               <a:t>Fourth level</a:t>
             </a:r>
           </a:p>
           <a:p>
             <a:pPr lvl="4"/>
             <a:r>
-              <a:rPr lang="en-US" smtClean="0"/>
+              <a:rPr lang="en-US"/>
               <a:t>Fifth level</a:t>
             </a:r>
-            <a:endParaRPr lang="en-US"/>
           </a:p>
         </p:txBody>
       </p:sp>
@@ -3772,7 +3720,7 @@
           <a:p>
             <a:pPr lvl="0"/>
             <a:r>
-              <a:rPr lang="en-US" smtClean="0"/>
+              <a:rPr lang="en-US"/>
               <a:t>Click to edit Master text styles</a:t>
             </a:r>
           </a:p>
@@ -3796,7 +3744,7 @@
             <a:fld id="{4B61ADED-2821-4C1B-9DB9-F47C98B7748E}" type="datetimeFigureOut">
               <a:rPr lang="en-US" smtClean="0"/>
               <a:pPr/>
-              <a:t>3/26/2019</a:t>
+              <a:t>4/21/2019</a:t>
             </a:fld>
             <a:endParaRPr lang="en-US"/>
           </a:p>
@@ -3900,10 +3848,9 @@
           </a:lstStyle>
           <a:p>
             <a:r>
-              <a:rPr lang="en-US" smtClean="0"/>
+              <a:rPr lang="en-US"/>
               <a:t>Click to edit Master title style</a:t>
             </a:r>
-            <a:endParaRPr lang="en-US"/>
           </a:p>
         </p:txBody>
       </p:sp>
@@ -3965,10 +3912,9 @@
           </a:lstStyle>
           <a:p>
             <a:r>
-              <a:rPr lang="en-US" smtClean="0"/>
+              <a:rPr lang="en-US"/>
               <a:t>Click icon to add picture</a:t>
             </a:r>
-            <a:endParaRPr lang="en-US"/>
           </a:p>
         </p:txBody>
       </p:sp>
@@ -4031,7 +3977,7 @@
           <a:p>
             <a:pPr lvl="0"/>
             <a:r>
-              <a:rPr lang="en-US" smtClean="0"/>
+              <a:rPr lang="en-US"/>
               <a:t>Click to edit Master text styles</a:t>
             </a:r>
           </a:p>
@@ -4055,7 +4001,7 @@
             <a:fld id="{4B61ADED-2821-4C1B-9DB9-F47C98B7748E}" type="datetimeFigureOut">
               <a:rPr lang="en-US" smtClean="0"/>
               <a:pPr/>
-              <a:t>3/26/2019</a:t>
+              <a:t>4/21/2019</a:t>
             </a:fld>
             <a:endParaRPr lang="en-US"/>
           </a:p>
@@ -4165,10 +4111,9 @@
           <a:lstStyle/>
           <a:p>
             <a:r>
-              <a:rPr lang="en-US" smtClean="0"/>
+              <a:rPr lang="en-US"/>
               <a:t>Click to edit Master title style</a:t>
             </a:r>
-            <a:endParaRPr lang="en-US"/>
           </a:p>
         </p:txBody>
       </p:sp>
@@ -4199,38 +4144,37 @@
           <a:p>
             <a:pPr lvl="0"/>
             <a:r>
-              <a:rPr lang="en-US" smtClean="0"/>
+              <a:rPr lang="en-US"/>
               <a:t>Click to edit Master text styles</a:t>
             </a:r>
           </a:p>
           <a:p>
             <a:pPr lvl="1"/>
             <a:r>
-              <a:rPr lang="en-US" smtClean="0"/>
+              <a:rPr lang="en-US"/>
               <a:t>Second level</a:t>
             </a:r>
           </a:p>
           <a:p>
             <a:pPr lvl="2"/>
             <a:r>
-              <a:rPr lang="en-US" smtClean="0"/>
+              <a:rPr lang="en-US"/>
               <a:t>Third level</a:t>
             </a:r>
           </a:p>
           <a:p>
             <a:pPr lvl="3"/>
             <a:r>
-              <a:rPr lang="en-US" smtClean="0"/>
+              <a:rPr lang="en-US"/>
               <a:t>Fourth level</a:t>
             </a:r>
           </a:p>
           <a:p>
             <a:pPr lvl="4"/>
             <a:r>
-              <a:rPr lang="en-US" smtClean="0"/>
+              <a:rPr lang="en-US"/>
               <a:t>Fifth level</a:t>
             </a:r>
-            <a:endParaRPr lang="en-US"/>
           </a:p>
         </p:txBody>
       </p:sp>
@@ -4270,7 +4214,7 @@
             <a:fld id="{4B61ADED-2821-4C1B-9DB9-F47C98B7748E}" type="datetimeFigureOut">
               <a:rPr lang="en-US" smtClean="0"/>
               <a:pPr/>
-              <a:t>3/26/2019</a:t>
+              <a:t>4/21/2019</a:t>
             </a:fld>
             <a:endParaRPr lang="en-US"/>
           </a:p>
@@ -4377,13 +4321,6 @@
     <p:sldLayoutId id="2147483671" r:id="rId11"/>
     <p:sldLayoutId id="2147483672" r:id="rId12"/>
   </p:sldLayoutIdLst>
-  <p:timing>
-    <p:tnLst>
-      <p:par>
-        <p:cTn id="1" dur="indefinite" restart="never" nodeType="tmRoot"/>
-      </p:par>
-    </p:tnLst>
-  </p:timing>
   <p:txStyles>
     <p:titleStyle>
       <a:lvl1pPr algn="ctr" defTabSz="685800" rtl="0" eaLnBrk="1" latinLnBrk="0" hangingPunct="1">
@@ -4677,42 +4614,22 @@
           <a:lstStyle/>
           <a:p>
             <a:r>
-              <a:rPr lang="en-US" sz="6600" dirty="0" smtClean="0"/>
+              <a:rPr lang="en-US" sz="6600" dirty="0"/>
               <a:t>CSCE 313</a:t>
             </a:r>
             <a:br>
-              <a:rPr lang="en-US" sz="6600" dirty="0" smtClean="0"/>
+              <a:rPr lang="en-US" sz="6600" dirty="0"/>
             </a:br>
             <a:r>
               <a:rPr lang="en-US" dirty="0"/>
               <a:t>Threading and Synchronization</a:t>
             </a:r>
-            <a:r>
-              <a:rPr lang="en-US" dirty="0" smtClean="0"/>
-              <a:t/>
-            </a:r>
             <a:br>
-              <a:rPr lang="en-US" dirty="0" smtClean="0"/>
+              <a:rPr lang="en-US" dirty="0"/>
             </a:br>
             <a:r>
-              <a:rPr lang="en-US" sz="2800" dirty="0" smtClean="0"/>
-              <a:t>(Due</a:t>
-            </a:r>
-            <a:r>
               <a:rPr lang="en-US" sz="2800" dirty="0"/>
-              <a:t>: </a:t>
-            </a:r>
-            <a:r>
-              <a:rPr lang="en-US" sz="2800" dirty="0" smtClean="0"/>
-              <a:t>3/31/19 Sunday </a:t>
-            </a:r>
-            <a:r>
-              <a:rPr lang="en-US" sz="2800" dirty="0"/>
-              <a:t>at </a:t>
-            </a:r>
-            <a:r>
-              <a:rPr lang="en-US" sz="2800" dirty="0" smtClean="0"/>
-              <a:t>11:59pm)</a:t>
+              <a:t>(Due: 3/31/19 Sunday at 11:59pm)</a:t>
             </a:r>
             <a:endParaRPr lang="en-US" sz="4800" dirty="0"/>
           </a:p>
@@ -4736,10 +4653,9 @@
           <a:lstStyle/>
           <a:p>
             <a:r>
-              <a:rPr lang="en-US" sz="2800" dirty="0" smtClean="0"/>
+              <a:rPr lang="en-US" sz="2800" dirty="0"/>
               <a:t>Wei Zhang</a:t>
             </a:r>
-            <a:endParaRPr lang="en-US" sz="2800" dirty="0"/>
           </a:p>
         </p:txBody>
       </p:sp>
@@ -4753,13 +4669,6 @@
   <p:clrMapOvr>
     <a:masterClrMapping/>
   </p:clrMapOvr>
-  <p:timing>
-    <p:tnLst>
-      <p:par>
-        <p:cTn id="1" dur="indefinite" restart="never" nodeType="tmRoot"/>
-      </p:par>
-    </p:tnLst>
-  </p:timing>
 </p:sld>
 </file>
 
@@ -4796,55 +4705,43 @@
           <a:lstStyle/>
           <a:p>
             <a:r>
-              <a:rPr lang="en-US" dirty="0" smtClean="0"/>
+              <a:rPr lang="en-US" dirty="0"/>
               <a:t>Bidirectional inter-process communication</a:t>
             </a:r>
           </a:p>
           <a:p>
             <a:r>
-              <a:rPr lang="en-US" dirty="0" smtClean="0"/>
+              <a:rPr lang="en-US" dirty="0"/>
               <a:t>Not a standard concept, implemented with two unidirectional pipes</a:t>
             </a:r>
           </a:p>
           <a:p>
-            <a:endParaRPr lang="en-US" dirty="0" smtClean="0"/>
-          </a:p>
-          <a:p>
-            <a:endParaRPr lang="en-US" dirty="0" smtClean="0"/>
-          </a:p>
-          <a:p>
-            <a:endParaRPr lang="en-US" dirty="0" smtClean="0"/>
-          </a:p>
-          <a:p>
-            <a:endParaRPr lang="en-US" dirty="0" smtClean="0"/>
-          </a:p>
-          <a:p>
-            <a:endParaRPr lang="en-US" dirty="0" smtClean="0"/>
-          </a:p>
-          <a:p>
-            <a:r>
-              <a:rPr lang="en-US" dirty="0" smtClean="0"/>
+            <a:endParaRPr lang="en-US" dirty="0"/>
+          </a:p>
+          <a:p>
+            <a:endParaRPr lang="en-US" dirty="0"/>
+          </a:p>
+          <a:p>
+            <a:endParaRPr lang="en-US" dirty="0"/>
+          </a:p>
+          <a:p>
+            <a:endParaRPr lang="en-US" dirty="0"/>
+          </a:p>
+          <a:p>
+            <a:endParaRPr lang="en-US" dirty="0"/>
+          </a:p>
+          <a:p>
+            <a:r>
+              <a:rPr lang="en-US" dirty="0"/>
               <a:t>See </a:t>
             </a:r>
             <a:r>
               <a:rPr lang="en-US" dirty="0" err="1"/>
-              <a:t>FIFORequestChannel</a:t>
-            </a:r>
-            <a:r>
-              <a:rPr lang="en-US" dirty="0" err="1" smtClean="0"/>
-              <a:t>.h</a:t>
-            </a:r>
-            <a:r>
-              <a:rPr lang="en-US" dirty="0" smtClean="0"/>
-              <a:t> and </a:t>
+              <a:t>FIFORequestChannel.h</a:t>
             </a:r>
             <a:r>
               <a:rPr lang="en-US" dirty="0"/>
-              <a:t>FIFORequestChannel</a:t>
-            </a:r>
-            <a:r>
-              <a:rPr lang="en-US" dirty="0" smtClean="0"/>
-              <a:t>.cpp for detail</a:t>
+              <a:t> and FIFORequestChannel.cpp for detail</a:t>
             </a:r>
           </a:p>
         </p:txBody>
@@ -4865,10 +4762,9 @@
           <a:lstStyle/>
           <a:p>
             <a:r>
-              <a:rPr lang="en-US" dirty="0" smtClean="0"/>
+              <a:rPr lang="en-US" dirty="0"/>
               <a:t>Channel</a:t>
             </a:r>
-            <a:endParaRPr lang="en-US" dirty="0"/>
           </a:p>
         </p:txBody>
       </p:sp>
@@ -5121,10 +5017,9 @@
             <a:lstStyle/>
             <a:p>
               <a:r>
-                <a:rPr lang="en-US" dirty="0" smtClean="0"/>
+                <a:rPr lang="en-US" dirty="0"/>
                 <a:t>write</a:t>
               </a:r>
-              <a:endParaRPr lang="en-US" dirty="0"/>
             </a:p>
           </p:txBody>
         </p:sp>
@@ -5151,10 +5046,9 @@
             <a:lstStyle/>
             <a:p>
               <a:r>
-                <a:rPr lang="en-US" dirty="0" smtClean="0"/>
+                <a:rPr lang="en-US" dirty="0"/>
                 <a:t>write</a:t>
               </a:r>
-              <a:endParaRPr lang="en-US" dirty="0"/>
             </a:p>
           </p:txBody>
         </p:sp>
@@ -5181,10 +5075,9 @@
             <a:lstStyle/>
             <a:p>
               <a:r>
-                <a:rPr lang="en-US" dirty="0" smtClean="0"/>
+                <a:rPr lang="en-US" dirty="0"/>
                 <a:t>read</a:t>
               </a:r>
-              <a:endParaRPr lang="en-US" dirty="0"/>
             </a:p>
           </p:txBody>
         </p:sp>
@@ -5211,10 +5104,9 @@
             <a:lstStyle/>
             <a:p>
               <a:r>
-                <a:rPr lang="en-US" dirty="0" smtClean="0"/>
+                <a:rPr lang="en-US" dirty="0"/>
                 <a:t>read</a:t>
               </a:r>
-              <a:endParaRPr lang="en-US" dirty="0"/>
             </a:p>
           </p:txBody>
         </p:sp>
@@ -5255,10 +5147,9 @@
             <a:p>
               <a:pPr algn="ctr"/>
               <a:r>
-                <a:rPr lang="en-US" dirty="0" smtClean="0"/>
+                <a:rPr lang="en-US" dirty="0"/>
                 <a:t>A</a:t>
               </a:r>
-              <a:endParaRPr lang="en-US" dirty="0"/>
             </a:p>
           </p:txBody>
         </p:sp>
@@ -5299,10 +5190,9 @@
             <a:p>
               <a:pPr algn="ctr"/>
               <a:r>
-                <a:rPr lang="en-US" dirty="0" smtClean="0"/>
+                <a:rPr lang="en-US" dirty="0"/>
                 <a:t>B</a:t>
               </a:r>
-              <a:endParaRPr lang="en-US" dirty="0"/>
             </a:p>
           </p:txBody>
         </p:sp>
@@ -5469,13 +5359,6 @@
   <p:clrMapOvr>
     <a:masterClrMapping/>
   </p:clrMapOvr>
-  <p:timing>
-    <p:tnLst>
-      <p:par>
-        <p:cTn id="1" dur="indefinite" restart="never" nodeType="tmRoot"/>
-      </p:par>
-    </p:tnLst>
-  </p:timing>
 </p:sld>
 </file>
 
@@ -5512,20 +5395,20 @@
           <a:lstStyle/>
           <a:p>
             <a:r>
-              <a:rPr lang="en-US" sz="2400" dirty="0" smtClean="0"/>
+              <a:rPr lang="en-US" sz="2400" dirty="0"/>
               <a:t>We first need a single control channel (Done in PA2)</a:t>
             </a:r>
           </a:p>
           <a:p>
-            <a:endParaRPr lang="en-US" dirty="0" smtClean="0"/>
-          </a:p>
-          <a:p>
-            <a:r>
-              <a:rPr lang="en-US" sz="2400" dirty="0" smtClean="0"/>
+            <a:endParaRPr lang="en-US" dirty="0"/>
+          </a:p>
+          <a:p>
+            <a:r>
+              <a:rPr lang="en-US" sz="2400" dirty="0"/>
               <a:t>Then, we can create multiple </a:t>
             </a:r>
             <a:r>
-              <a:rPr lang="en-US" sz="2400" b="1" dirty="0" smtClean="0">
+              <a:rPr lang="en-US" sz="2400" b="1" dirty="0">
                 <a:solidFill>
                   <a:srgbClr val="00B050"/>
                 </a:solidFill>
@@ -5533,31 +5416,31 @@
               <a:t>data channels </a:t>
             </a:r>
             <a:r>
-              <a:rPr lang="en-US" sz="2400" dirty="0" smtClean="0"/>
+              <a:rPr lang="en-US" sz="2400" dirty="0"/>
               <a:t>by sending new thread commands to control channel</a:t>
             </a:r>
           </a:p>
           <a:p>
             <a:pPr lvl="1"/>
             <a:r>
-              <a:rPr lang="en-US" sz="2000" dirty="0" smtClean="0"/>
+              <a:rPr lang="en-US" sz="2000" dirty="0"/>
               <a:t>One data channel per worker thread</a:t>
             </a:r>
           </a:p>
           <a:p>
             <a:pPr lvl="1"/>
-            <a:endParaRPr lang="en-US" dirty="0" smtClean="0"/>
+            <a:endParaRPr lang="en-US" dirty="0"/>
           </a:p>
           <a:p>
             <a:pPr lvl="1"/>
-            <a:endParaRPr lang="en-US" dirty="0" smtClean="0"/>
-          </a:p>
-          <a:p>
-            <a:endParaRPr lang="en-US" dirty="0" smtClean="0"/>
-          </a:p>
-          <a:p>
-            <a:r>
-              <a:rPr lang="en-US" dirty="0" smtClean="0"/>
+            <a:endParaRPr lang="en-US" dirty="0"/>
+          </a:p>
+          <a:p>
+            <a:endParaRPr lang="en-US" dirty="0"/>
+          </a:p>
+          <a:p>
+            <a:r>
+              <a:rPr lang="en-US" dirty="0"/>
               <a:t>See client.cpp for detail</a:t>
             </a:r>
           </a:p>
@@ -5579,10 +5462,9 @@
           <a:lstStyle/>
           <a:p>
             <a:r>
-              <a:rPr lang="en-US" dirty="0" smtClean="0"/>
+              <a:rPr lang="en-US" dirty="0"/>
               <a:t>Data Channel</a:t>
             </a:r>
-            <a:endParaRPr lang="en-US" dirty="0"/>
           </a:p>
         </p:txBody>
       </p:sp>
@@ -5614,37 +5496,32 @@
             </a:r>
             <a:r>
               <a:rPr lang="en-US" sz="1600" dirty="0"/>
-              <a:t> </a:t>
-            </a:r>
-            <a:r>
-              <a:rPr lang="en-US" sz="1600" dirty="0" smtClean="0"/>
-              <a:t>*</a:t>
-            </a:r>
-            <a:r>
-              <a:rPr lang="en-US" sz="1600" dirty="0" err="1" smtClean="0"/>
+              <a:t> *</a:t>
+            </a:r>
+            <a:r>
+              <a:rPr lang="en-US" sz="1600" dirty="0" err="1"/>
               <a:t>chan</a:t>
             </a:r>
             <a:r>
-              <a:rPr lang="en-US" sz="1600" dirty="0" smtClean="0"/>
+              <a:rPr lang="en-US" sz="1600" dirty="0"/>
               <a:t> = new </a:t>
-            </a:r>
-            <a:r>
-              <a:rPr lang="en-US" sz="1600" dirty="0" err="1" smtClean="0"/>
-              <a:t>FIFORequestChannel</a:t>
-            </a:r>
-            <a:r>
-              <a:rPr lang="en-US" sz="1600" dirty="0" smtClean="0"/>
-              <a:t>("control", </a:t>
             </a:r>
             <a:r>
               <a:rPr lang="en-US" sz="1600" dirty="0" err="1"/>
               <a:t>FIFORequestChannel</a:t>
             </a:r>
             <a:r>
-              <a:rPr lang="en-US" sz="1600" dirty="0" smtClean="0"/>
+              <a:rPr lang="en-US" sz="1600" dirty="0"/>
+              <a:t>("control", </a:t>
+            </a:r>
+            <a:r>
+              <a:rPr lang="en-US" sz="1600" dirty="0" err="1"/>
+              <a:t>FIFORequestChannel</a:t>
+            </a:r>
+            <a:r>
+              <a:rPr lang="en-US" sz="1600" dirty="0"/>
               <a:t>::CLIENT_SIDE);</a:t>
             </a:r>
-            <a:endParaRPr lang="en-US" sz="1600" dirty="0"/>
           </a:p>
         </p:txBody>
       </p:sp>
@@ -5671,31 +5548,31 @@
           <a:lstStyle/>
           <a:p>
             <a:r>
-              <a:rPr lang="en-US" sz="1600" dirty="0" smtClean="0"/>
+              <a:rPr lang="en-US" sz="1600" dirty="0"/>
               <a:t>std::string s = </a:t>
             </a:r>
             <a:r>
-              <a:rPr lang="en-US" sz="1600" dirty="0" err="1" smtClean="0"/>
+              <a:rPr lang="en-US" sz="1600" dirty="0" err="1"/>
               <a:t>chan</a:t>
             </a:r>
             <a:r>
-              <a:rPr lang="en-US" sz="1600" dirty="0" smtClean="0"/>
+              <a:rPr lang="en-US" sz="1600" dirty="0"/>
               <a:t>-&gt;</a:t>
             </a:r>
             <a:r>
-              <a:rPr lang="en-US" sz="1600" dirty="0" err="1" smtClean="0"/>
+              <a:rPr lang="en-US" sz="1600" dirty="0" err="1"/>
               <a:t>send_request</a:t>
             </a:r>
             <a:r>
-              <a:rPr lang="en-US" sz="1600" dirty="0" smtClean="0"/>
+              <a:rPr lang="en-US" sz="1600" dirty="0"/>
               <a:t>("</a:t>
             </a:r>
             <a:r>
-              <a:rPr lang="en-US" sz="1600" dirty="0" err="1" smtClean="0"/>
+              <a:rPr lang="en-US" sz="1600" dirty="0" err="1"/>
               <a:t>newchannel</a:t>
             </a:r>
             <a:r>
-              <a:rPr lang="en-US" sz="1600" dirty="0" smtClean="0"/>
+              <a:rPr lang="en-US" sz="1600" dirty="0"/>
               <a:t>");</a:t>
             </a:r>
           </a:p>
@@ -5704,20 +5581,15 @@
               <a:rPr lang="en-US" sz="1600" dirty="0"/>
               <a:t>MESSAGE_TYPE m = NEWCHANNEL_MSG;    </a:t>
             </a:r>
-            <a:endParaRPr lang="en-US" sz="1600" dirty="0" smtClean="0"/>
-          </a:p>
-          <a:p>
-            <a:r>
-              <a:rPr lang="en-US" sz="1600" dirty="0" err="1" smtClean="0"/>
+          </a:p>
+          <a:p>
+            <a:r>
+              <a:rPr lang="en-US" sz="1600" dirty="0" err="1"/>
               <a:t>chan</a:t>
             </a:r>
             <a:r>
-              <a:rPr lang="en-US" sz="1600" dirty="0" smtClean="0"/>
-              <a:t>-</a:t>
-            </a:r>
-            <a:r>
               <a:rPr lang="en-US" sz="1600" dirty="0"/>
-              <a:t>&gt;</a:t>
+              <a:t>-&gt;</a:t>
             </a:r>
             <a:r>
               <a:rPr lang="en-US" sz="1600" dirty="0" err="1"/>
@@ -5733,11 +5605,7 @@
             </a:r>
             <a:r>
               <a:rPr lang="en-US" sz="1600" dirty="0"/>
-              <a:t>(MESSAGE_TYPE</a:t>
-            </a:r>
-            <a:r>
-              <a:rPr lang="en-US" sz="1600" dirty="0" smtClean="0"/>
-              <a:t>));</a:t>
+              <a:t>(MESSAGE_TYPE));</a:t>
             </a:r>
           </a:p>
           <a:p>
@@ -5758,37 +5626,33 @@
               <a:t>cread</a:t>
             </a:r>
             <a:r>
-              <a:rPr lang="en-US" sz="1600" dirty="0" smtClean="0"/>
+              <a:rPr lang="en-US" sz="1600" dirty="0"/>
               <a:t>();</a:t>
             </a:r>
           </a:p>
           <a:p>
-            <a:r>
-              <a:rPr lang="en-US" sz="1600" dirty="0" err="1" smtClean="0"/>
-              <a:t>FIFORequestChannel</a:t>
-            </a:r>
-            <a:r>
-              <a:rPr lang="en-US" sz="1600" dirty="0" smtClean="0"/>
-              <a:t> *</a:t>
-            </a:r>
-            <a:r>
-              <a:rPr lang="en-US" sz="1600" dirty="0" err="1" smtClean="0"/>
-              <a:t>workerChannel</a:t>
-            </a:r>
-            <a:r>
-              <a:rPr lang="en-US" sz="1600" dirty="0" smtClean="0"/>
-              <a:t> </a:t>
-            </a:r>
-            <a:r>
-              <a:rPr lang="en-US" sz="1600" dirty="0"/>
-              <a:t>= new </a:t>
-            </a:r>
             <a:r>
               <a:rPr lang="en-US" sz="1600" dirty="0" err="1"/>
               <a:t>FIFORequestChannel</a:t>
             </a:r>
             <a:r>
               <a:rPr lang="en-US" sz="1600" dirty="0"/>
+              <a:t> *</a:t>
+            </a:r>
+            <a:r>
+              <a:rPr lang="en-US" sz="1600" dirty="0" err="1"/>
+              <a:t>workerChannel</a:t>
+            </a:r>
+            <a:r>
+              <a:rPr lang="en-US" sz="1600" dirty="0"/>
+              <a:t> = new </a:t>
+            </a:r>
+            <a:r>
+              <a:rPr lang="en-US" sz="1600" dirty="0" err="1"/>
+              <a:t>FIFORequestChannel</a:t>
+            </a:r>
+            <a:r>
+              <a:rPr lang="en-US" sz="1600" dirty="0"/>
               <a:t>(s, </a:t>
             </a:r>
             <a:r>
@@ -5797,11 +5661,7 @@
             </a:r>
             <a:r>
               <a:rPr lang="en-US" sz="1600" dirty="0"/>
-              <a:t>::CLIENT_SIDE</a:t>
-            </a:r>
-            <a:r>
-              <a:rPr lang="en-US" sz="1600" dirty="0" smtClean="0"/>
-              <a:t>);</a:t>
+              <a:t>::CLIENT_SIDE);</a:t>
             </a:r>
           </a:p>
         </p:txBody>
@@ -5842,13 +5702,6 @@
   <p:clrMapOvr>
     <a:masterClrMapping/>
   </p:clrMapOvr>
-  <p:timing>
-    <p:tnLst>
-      <p:par>
-        <p:cTn id="1" dur="indefinite" restart="never" nodeType="tmRoot"/>
-      </p:par>
-    </p:tnLst>
-  </p:timing>
 </p:sld>
 </file>
 
@@ -5938,14 +5791,11 @@
                     <a:p>
                       <a:pPr algn="ctr"/>
                       <a:r>
-                        <a:rPr lang="en-US" sz="2400" dirty="0" smtClean="0">
+                        <a:rPr lang="en-US" sz="2400" dirty="0">
                           <a:latin typeface="Tw Cen MT" panose="020B0602020104020603" pitchFamily="34" charset="0"/>
                         </a:rPr>
                         <a:t>PA2</a:t>
                       </a:r>
-                      <a:endParaRPr lang="en-US" sz="2400" dirty="0">
-                        <a:latin typeface="Tw Cen MT" panose="020B0602020104020603" pitchFamily="34" charset="0"/>
-                      </a:endParaRPr>
                     </a:p>
                   </a:txBody>
                   <a:tcPr/>
@@ -5957,14 +5807,11 @@
                     <a:p>
                       <a:pPr algn="ctr"/>
                       <a:r>
-                        <a:rPr lang="en-US" sz="2400" dirty="0" smtClean="0">
+                        <a:rPr lang="en-US" sz="2400" dirty="0">
                           <a:latin typeface="Tw Cen MT" panose="020B0602020104020603" pitchFamily="34" charset="0"/>
                         </a:rPr>
                         <a:t>PA4</a:t>
                       </a:r>
-                      <a:endParaRPr lang="en-US" sz="2400" dirty="0">
-                        <a:latin typeface="Tw Cen MT" panose="020B0602020104020603" pitchFamily="34" charset="0"/>
-                      </a:endParaRPr>
                     </a:p>
                   </a:txBody>
                   <a:tcPr/>
@@ -5983,14 +5830,11 @@
                     <a:p>
                       <a:pPr algn="ctr"/>
                       <a:r>
-                        <a:rPr lang="en-US" sz="2400" dirty="0" smtClean="0">
+                        <a:rPr lang="en-US" sz="2400" dirty="0">
                           <a:latin typeface="Tw Cen MT" panose="020B0602020104020603" pitchFamily="34" charset="0"/>
                         </a:rPr>
                         <a:t>Multi-Threading</a:t>
                       </a:r>
-                      <a:endParaRPr lang="en-US" sz="2400" dirty="0">
-                        <a:latin typeface="Tw Cen MT" panose="020B0602020104020603" pitchFamily="34" charset="0"/>
-                      </a:endParaRPr>
                     </a:p>
                   </a:txBody>
                   <a:tcPr/>
@@ -6002,14 +5846,11 @@
                     <a:p>
                       <a:pPr algn="ctr"/>
                       <a:r>
-                        <a:rPr lang="en-US" sz="2400" dirty="0" smtClean="0">
+                        <a:rPr lang="en-US" sz="2400" dirty="0">
                           <a:latin typeface="Tw Cen MT" panose="020B0602020104020603" pitchFamily="34" charset="0"/>
                         </a:rPr>
                         <a:t>No</a:t>
                       </a:r>
-                      <a:endParaRPr lang="en-US" sz="2400" dirty="0">
-                        <a:latin typeface="Tw Cen MT" panose="020B0602020104020603" pitchFamily="34" charset="0"/>
-                      </a:endParaRPr>
                     </a:p>
                   </a:txBody>
                   <a:tcPr/>
@@ -6021,14 +5862,11 @@
                     <a:p>
                       <a:pPr algn="ctr"/>
                       <a:r>
-                        <a:rPr lang="en-US" sz="2400" dirty="0" smtClean="0">
+                        <a:rPr lang="en-US" sz="2400" dirty="0">
                           <a:latin typeface="Tw Cen MT" panose="020B0602020104020603" pitchFamily="34" charset="0"/>
                         </a:rPr>
                         <a:t>Yes</a:t>
                       </a:r>
-                      <a:endParaRPr lang="en-US" sz="2400" dirty="0">
-                        <a:latin typeface="Tw Cen MT" panose="020B0602020104020603" pitchFamily="34" charset="0"/>
-                      </a:endParaRPr>
                     </a:p>
                   </a:txBody>
                   <a:tcPr/>
@@ -6047,13 +5885,13 @@
                     <a:p>
                       <a:pPr algn="ctr"/>
                       <a:r>
-                        <a:rPr lang="en-US" sz="2400" dirty="0" smtClean="0">
+                        <a:rPr lang="en-US" sz="2400" dirty="0">
                           <a:latin typeface="Tw Cen MT" panose="020B0602020104020603" pitchFamily="34" charset="0"/>
                         </a:rPr>
                         <a:t>Control</a:t>
                       </a:r>
                       <a:r>
-                        <a:rPr lang="en-US" sz="2400" baseline="0" dirty="0" smtClean="0">
+                        <a:rPr lang="en-US" sz="2400" baseline="0" dirty="0">
                           <a:latin typeface="Tw Cen MT" panose="020B0602020104020603" pitchFamily="34" charset="0"/>
                         </a:rPr>
                         <a:t> Channel</a:t>
@@ -6072,14 +5910,11 @@
                     <a:p>
                       <a:pPr algn="ctr"/>
                       <a:r>
-                        <a:rPr lang="en-US" sz="2400" dirty="0" smtClean="0">
+                        <a:rPr lang="en-US" sz="2400" dirty="0">
                           <a:latin typeface="Tw Cen MT" panose="020B0602020104020603" pitchFamily="34" charset="0"/>
                         </a:rPr>
                         <a:t>Yes</a:t>
                       </a:r>
-                      <a:endParaRPr lang="en-US" sz="2400" dirty="0">
-                        <a:latin typeface="Tw Cen MT" panose="020B0602020104020603" pitchFamily="34" charset="0"/>
-                      </a:endParaRPr>
                     </a:p>
                   </a:txBody>
                   <a:tcPr/>
@@ -6107,14 +5942,11 @@
                         <a:defRPr/>
                       </a:pPr>
                       <a:r>
-                        <a:rPr lang="en-US" sz="2400" dirty="0" smtClean="0">
+                        <a:rPr lang="en-US" sz="2400" dirty="0">
                           <a:latin typeface="Tw Cen MT" panose="020B0602020104020603" pitchFamily="34" charset="0"/>
                         </a:rPr>
                         <a:t>Yes</a:t>
                       </a:r>
-                      <a:endParaRPr lang="en-US" sz="2400" dirty="0">
-                        <a:latin typeface="Tw Cen MT" panose="020B0602020104020603" pitchFamily="34" charset="0"/>
-                      </a:endParaRPr>
                     </a:p>
                   </a:txBody>
                   <a:tcPr/>
@@ -6133,13 +5965,13 @@
                     <a:p>
                       <a:pPr algn="ctr"/>
                       <a:r>
-                        <a:rPr lang="en-US" sz="2400" dirty="0" smtClean="0">
+                        <a:rPr lang="en-US" sz="2400" dirty="0">
                           <a:latin typeface="Tw Cen MT" panose="020B0602020104020603" pitchFamily="34" charset="0"/>
                         </a:rPr>
                         <a:t>Data Channel</a:t>
                       </a:r>
                       <a:r>
-                        <a:rPr lang="en-US" sz="2400" baseline="0" dirty="0" smtClean="0">
+                        <a:rPr lang="en-US" sz="2400" baseline="0" dirty="0">
                           <a:latin typeface="Tw Cen MT" panose="020B0602020104020603" pitchFamily="34" charset="0"/>
                         </a:rPr>
                         <a:t> per worker thread</a:t>
@@ -6158,14 +5990,11 @@
                     <a:p>
                       <a:pPr algn="ctr"/>
                       <a:r>
-                        <a:rPr lang="en-US" sz="2400" dirty="0" smtClean="0">
+                        <a:rPr lang="en-US" sz="2400" dirty="0">
                           <a:latin typeface="Tw Cen MT" panose="020B0602020104020603" pitchFamily="34" charset="0"/>
                         </a:rPr>
                         <a:t>No</a:t>
                       </a:r>
-                      <a:endParaRPr lang="en-US" sz="2400" dirty="0">
-                        <a:latin typeface="Tw Cen MT" panose="020B0602020104020603" pitchFamily="34" charset="0"/>
-                      </a:endParaRPr>
                     </a:p>
                   </a:txBody>
                   <a:tcPr/>
@@ -6177,14 +6006,11 @@
                     <a:p>
                       <a:pPr algn="ctr"/>
                       <a:r>
-                        <a:rPr lang="en-US" sz="2400" dirty="0" smtClean="0">
+                        <a:rPr lang="en-US" sz="2400" dirty="0">
                           <a:latin typeface="Tw Cen MT" panose="020B0602020104020603" pitchFamily="34" charset="0"/>
                         </a:rPr>
                         <a:t>Yes</a:t>
                       </a:r>
-                      <a:endParaRPr lang="en-US" sz="2400" dirty="0">
-                        <a:latin typeface="Tw Cen MT" panose="020B0602020104020603" pitchFamily="34" charset="0"/>
-                      </a:endParaRPr>
                     </a:p>
                   </a:txBody>
                   <a:tcPr/>
@@ -6203,14 +6029,11 @@
                     <a:p>
                       <a:pPr algn="ctr"/>
                       <a:r>
-                        <a:rPr lang="en-US" sz="2400" dirty="0" smtClean="0">
+                        <a:rPr lang="en-US" sz="2400" dirty="0">
                           <a:latin typeface="Tw Cen MT" panose="020B0602020104020603" pitchFamily="34" charset="0"/>
                         </a:rPr>
                         <a:t>Thread-Safe Bounded Buffer</a:t>
                       </a:r>
-                      <a:endParaRPr lang="en-US" sz="2400" dirty="0">
-                        <a:latin typeface="Tw Cen MT" panose="020B0602020104020603" pitchFamily="34" charset="0"/>
-                      </a:endParaRPr>
                     </a:p>
                   </a:txBody>
                   <a:tcPr/>
@@ -6222,14 +6045,11 @@
                     <a:p>
                       <a:pPr algn="ctr"/>
                       <a:r>
-                        <a:rPr lang="en-US" sz="2400" dirty="0" smtClean="0">
+                        <a:rPr lang="en-US" sz="2400" dirty="0">
                           <a:latin typeface="Tw Cen MT" panose="020B0602020104020603" pitchFamily="34" charset="0"/>
                         </a:rPr>
                         <a:t>No</a:t>
                       </a:r>
-                      <a:endParaRPr lang="en-US" sz="2400" dirty="0">
-                        <a:latin typeface="Tw Cen MT" panose="020B0602020104020603" pitchFamily="34" charset="0"/>
-                      </a:endParaRPr>
                     </a:p>
                   </a:txBody>
                   <a:tcPr/>
@@ -6241,14 +6061,11 @@
                     <a:p>
                       <a:pPr algn="ctr"/>
                       <a:r>
-                        <a:rPr lang="en-US" sz="2400" dirty="0" smtClean="0">
+                        <a:rPr lang="en-US" sz="2400" dirty="0">
                           <a:latin typeface="Tw Cen MT" panose="020B0602020104020603" pitchFamily="34" charset="0"/>
                         </a:rPr>
                         <a:t>Yes</a:t>
                       </a:r>
-                      <a:endParaRPr lang="en-US" sz="2400" dirty="0">
-                        <a:latin typeface="Tw Cen MT" panose="020B0602020104020603" pitchFamily="34" charset="0"/>
-                      </a:endParaRPr>
                     </a:p>
                   </a:txBody>
                   <a:tcPr/>
@@ -6279,10 +6096,9 @@
           <a:lstStyle/>
           <a:p>
             <a:r>
-              <a:rPr lang="en-US" dirty="0" smtClean="0"/>
+              <a:rPr lang="en-US" dirty="0"/>
               <a:t>PA2 vs PA4</a:t>
             </a:r>
-            <a:endParaRPr lang="en-US" dirty="0"/>
           </a:p>
         </p:txBody>
       </p:sp>
@@ -6296,13 +6112,6 @@
   <p:clrMapOvr>
     <a:masterClrMapping/>
   </p:clrMapOvr>
-  <p:timing>
-    <p:tnLst>
-      <p:par>
-        <p:cTn id="1" dur="indefinite" restart="never" nodeType="tmRoot"/>
-      </p:par>
-    </p:tnLst>
-  </p:timing>
 </p:sld>
 </file>
 
@@ -6339,37 +6148,37 @@
           <a:lstStyle/>
           <a:p>
             <a:r>
-              <a:rPr lang="en-US" dirty="0" smtClean="0"/>
+              <a:rPr lang="en-US" dirty="0"/>
               <a:t>How to implement multiple threads?</a:t>
             </a:r>
           </a:p>
           <a:p>
             <a:pPr lvl="1"/>
             <a:r>
-              <a:rPr lang="en-US" dirty="0" smtClean="0"/>
+              <a:rPr lang="en-US" dirty="0"/>
               <a:t>Use </a:t>
             </a:r>
             <a:r>
-              <a:rPr lang="en-US" dirty="0" err="1" smtClean="0"/>
+              <a:rPr lang="en-US" dirty="0" err="1"/>
               <a:t>Posix</a:t>
             </a:r>
             <a:r>
-              <a:rPr lang="en-US" dirty="0" smtClean="0"/>
+              <a:rPr lang="en-US" dirty="0"/>
               <a:t> library</a:t>
             </a:r>
           </a:p>
           <a:p>
             <a:pPr lvl="1"/>
             <a:r>
-              <a:rPr lang="en-US" dirty="0" err="1" smtClean="0"/>
+              <a:rPr lang="en-US" dirty="0" err="1"/>
               <a:t>pthread_create</a:t>
             </a:r>
             <a:r>
-              <a:rPr lang="en-US" dirty="0" smtClean="0"/>
+              <a:rPr lang="en-US" dirty="0"/>
               <a:t>/</a:t>
             </a:r>
             <a:r>
-              <a:rPr lang="en-US" dirty="0" err="1" smtClean="0"/>
+              <a:rPr lang="en-US" dirty="0" err="1"/>
               <a:t>pthread_join</a:t>
             </a:r>
             <a:endParaRPr lang="en-US" dirty="0"/>
@@ -6377,47 +6186,47 @@
           <a:p>
             <a:pPr lvl="1"/>
             <a:r>
-              <a:rPr lang="en-US" dirty="0" smtClean="0"/>
+              <a:rPr lang="en-US" dirty="0"/>
               <a:t>Use a compound type (e.g. class) to pass some necessary information to each thread</a:t>
             </a:r>
           </a:p>
           <a:p>
             <a:pPr lvl="2"/>
             <a:r>
-              <a:rPr lang="en-US" dirty="0" smtClean="0"/>
+              <a:rPr lang="en-US" dirty="0"/>
               <a:t>E.g. Worker threads needs to use a </a:t>
             </a:r>
             <a:r>
-              <a:rPr lang="en-US" dirty="0" err="1" smtClean="0"/>
+              <a:rPr lang="en-US" dirty="0" err="1"/>
               <a:t>BoundedBuffer</a:t>
             </a:r>
             <a:r>
-              <a:rPr lang="en-US" dirty="0" smtClean="0"/>
+              <a:rPr lang="en-US" dirty="0"/>
               <a:t> pointer and a </a:t>
             </a:r>
             <a:r>
-              <a:rPr lang="en-US" dirty="0" err="1" smtClean="0"/>
+              <a:rPr lang="en-US" dirty="0" err="1"/>
               <a:t>FIFORequestChannel</a:t>
             </a:r>
             <a:r>
-              <a:rPr lang="en-US" dirty="0" smtClean="0"/>
+              <a:rPr lang="en-US" dirty="0"/>
               <a:t> pointer</a:t>
             </a:r>
           </a:p>
           <a:p>
             <a:r>
-              <a:rPr lang="en-US" dirty="0" smtClean="0"/>
+              <a:rPr lang="en-US" dirty="0"/>
               <a:t>How to implement thread-safe bounded buffer?</a:t>
             </a:r>
           </a:p>
           <a:p>
             <a:pPr lvl="1"/>
             <a:r>
-              <a:rPr lang="en-US" dirty="0" smtClean="0"/>
+              <a:rPr lang="en-US" dirty="0"/>
               <a:t>Use a </a:t>
             </a:r>
             <a:r>
-              <a:rPr lang="en-US" b="1" dirty="0" smtClean="0">
+              <a:rPr lang="en-US" b="1" dirty="0">
                 <a:solidFill>
                   <a:srgbClr val="C00000"/>
                 </a:solidFill>
@@ -6425,18 +6234,18 @@
               <a:t>lock</a:t>
             </a:r>
             <a:r>
-              <a:rPr lang="en-US" dirty="0" smtClean="0"/>
+              <a:rPr lang="en-US" dirty="0"/>
               <a:t> to support the thread-safe buffer</a:t>
             </a:r>
           </a:p>
           <a:p>
             <a:pPr lvl="1"/>
             <a:r>
-              <a:rPr lang="en-US" dirty="0" smtClean="0"/>
+              <a:rPr lang="en-US" dirty="0"/>
               <a:t>Use a </a:t>
             </a:r>
             <a:r>
-              <a:rPr lang="en-US" b="1" dirty="0" smtClean="0">
+              <a:rPr lang="en-US" b="1" dirty="0">
                 <a:solidFill>
                   <a:srgbClr val="C00000"/>
                 </a:solidFill>
@@ -6444,11 +6253,11 @@
               <a:t>lock</a:t>
             </a:r>
             <a:r>
-              <a:rPr lang="en-US" dirty="0" smtClean="0"/>
+              <a:rPr lang="en-US" dirty="0"/>
               <a:t> and </a:t>
             </a:r>
             <a:r>
-              <a:rPr lang="en-US" b="1" dirty="0" smtClean="0">
+              <a:rPr lang="en-US" b="1" dirty="0">
                 <a:solidFill>
                   <a:srgbClr val="C00000"/>
                 </a:solidFill>
@@ -6456,18 +6265,18 @@
               <a:t>condition variables </a:t>
             </a:r>
             <a:r>
-              <a:rPr lang="en-US" dirty="0" smtClean="0"/>
+              <a:rPr lang="en-US" dirty="0"/>
               <a:t>for bounded buffer</a:t>
             </a:r>
           </a:p>
           <a:p>
             <a:r>
-              <a:rPr lang="en-US" dirty="0" smtClean="0"/>
+              <a:rPr lang="en-US" dirty="0"/>
               <a:t>Refer to a lecture note, L11. Synchronization</a:t>
             </a:r>
           </a:p>
           <a:p>
-            <a:endParaRPr lang="en-US" dirty="0" smtClean="0"/>
+            <a:endParaRPr lang="en-US" dirty="0"/>
           </a:p>
         </p:txBody>
       </p:sp>
@@ -6487,10 +6296,9 @@
           <a:lstStyle/>
           <a:p>
             <a:r>
-              <a:rPr lang="en-US" dirty="0" smtClean="0"/>
+              <a:rPr lang="en-US" dirty="0"/>
               <a:t>Implementation Issues</a:t>
             </a:r>
-            <a:endParaRPr lang="en-US" dirty="0"/>
           </a:p>
         </p:txBody>
       </p:sp>
@@ -6504,13 +6312,6 @@
   <p:clrMapOvr>
     <a:masterClrMapping/>
   </p:clrMapOvr>
-  <p:timing>
-    <p:tnLst>
-      <p:par>
-        <p:cTn id="1" dur="indefinite" restart="never" nodeType="tmRoot"/>
-      </p:par>
-    </p:tnLst>
-  </p:timing>
 </p:sld>
 </file>
 
@@ -6547,28 +6348,28 @@
           <a:lstStyle/>
           <a:p>
             <a:r>
-              <a:rPr lang="en-US" dirty="0" smtClean="0"/>
+              <a:rPr lang="en-US" dirty="0"/>
               <a:t>Thread safe</a:t>
             </a:r>
           </a:p>
           <a:p>
             <a:pPr lvl="1"/>
             <a:r>
-              <a:rPr lang="en-US" dirty="0" smtClean="0"/>
+              <a:rPr lang="en-US" dirty="0"/>
               <a:t>Multiple threads can work on the buffer</a:t>
             </a:r>
           </a:p>
           <a:p>
             <a:pPr lvl="1"/>
             <a:r>
-              <a:rPr lang="en-US" dirty="0" smtClean="0"/>
+              <a:rPr lang="en-US" dirty="0"/>
               <a:t>Use a lock to control concurrency</a:t>
             </a:r>
           </a:p>
           <a:p>
             <a:pPr lvl="1"/>
             <a:r>
-              <a:rPr lang="en-US" dirty="0" smtClean="0"/>
+              <a:rPr lang="en-US" dirty="0"/>
               <a:t>Only one thread can work on the queue at a time</a:t>
             </a:r>
           </a:p>
@@ -6590,10 +6391,9 @@
           <a:lstStyle/>
           <a:p>
             <a:r>
-              <a:rPr lang="en-US" dirty="0" smtClean="0"/>
+              <a:rPr lang="en-US" dirty="0"/>
               <a:t>Thread-Safe Buffer</a:t>
             </a:r>
-            <a:endParaRPr lang="en-US" dirty="0"/>
           </a:p>
         </p:txBody>
       </p:sp>
@@ -6620,46 +6420,45 @@
           <a:lstStyle/>
           <a:p>
             <a:r>
-              <a:rPr lang="en-US" sz="2400" dirty="0" err="1" smtClean="0"/>
+              <a:rPr lang="en-US" sz="2400" dirty="0" err="1"/>
               <a:t>SafeBuffer</a:t>
             </a:r>
             <a:r>
-              <a:rPr lang="en-US" sz="2400" dirty="0" smtClean="0"/>
+              <a:rPr lang="en-US" sz="2400" dirty="0"/>
               <a:t>::push(data) {</a:t>
             </a:r>
           </a:p>
           <a:p>
             <a:r>
-              <a:rPr lang="en-US" sz="2400" dirty="0" smtClean="0"/>
+              <a:rPr lang="en-US" sz="2400" dirty="0"/>
               <a:t>    lock</a:t>
             </a:r>
           </a:p>
           <a:p>
             <a:r>
-              <a:rPr lang="en-US" sz="2400" dirty="0" smtClean="0"/>
+              <a:rPr lang="en-US" sz="2400" dirty="0"/>
               <a:t>    </a:t>
             </a:r>
             <a:r>
-              <a:rPr lang="en-US" sz="2400" dirty="0" err="1" smtClean="0"/>
+              <a:rPr lang="en-US" sz="2400" dirty="0" err="1"/>
               <a:t>Q.push</a:t>
             </a:r>
             <a:r>
-              <a:rPr lang="en-US" sz="2400" dirty="0" smtClean="0"/>
+              <a:rPr lang="en-US" sz="2400" dirty="0"/>
               <a:t>(data);</a:t>
             </a:r>
           </a:p>
           <a:p>
             <a:r>
-              <a:rPr lang="en-US" sz="2400" dirty="0" smtClean="0"/>
+              <a:rPr lang="en-US" sz="2400" dirty="0"/>
               <a:t>    unlock</a:t>
             </a:r>
           </a:p>
           <a:p>
             <a:r>
-              <a:rPr lang="en-US" sz="2400" dirty="0" smtClean="0"/>
+              <a:rPr lang="en-US" sz="2400" dirty="0"/>
               <a:t>}</a:t>
             </a:r>
-            <a:endParaRPr lang="en-US" sz="2400" dirty="0"/>
           </a:p>
         </p:txBody>
       </p:sp>
@@ -6686,44 +6485,43 @@
           <a:lstStyle/>
           <a:p>
             <a:r>
-              <a:rPr lang="en-US" sz="2400" dirty="0" err="1" smtClean="0"/>
+              <a:rPr lang="en-US" sz="2400" dirty="0" err="1"/>
               <a:t>SafeBuffer</a:t>
             </a:r>
             <a:r>
-              <a:rPr lang="en-US" sz="2400" dirty="0" smtClean="0"/>
+              <a:rPr lang="en-US" sz="2400" dirty="0"/>
               <a:t>::pop() {</a:t>
             </a:r>
           </a:p>
           <a:p>
             <a:r>
-              <a:rPr lang="en-US" sz="2400" dirty="0" smtClean="0"/>
+              <a:rPr lang="en-US" sz="2400" dirty="0"/>
               <a:t>    lock</a:t>
             </a:r>
           </a:p>
           <a:p>
             <a:r>
-              <a:rPr lang="en-US" sz="2400" dirty="0" smtClean="0"/>
+              <a:rPr lang="en-US" sz="2400" dirty="0"/>
               <a:t>    data = Q.pop();</a:t>
             </a:r>
           </a:p>
           <a:p>
             <a:r>
-              <a:rPr lang="en-US" sz="2400" dirty="0" smtClean="0"/>
+              <a:rPr lang="en-US" sz="2400" dirty="0"/>
               <a:t>    unlock</a:t>
             </a:r>
           </a:p>
           <a:p>
             <a:r>
-              <a:rPr lang="en-US" sz="2400" dirty="0" smtClean="0"/>
+              <a:rPr lang="en-US" sz="2400" dirty="0"/>
               <a:t>    return data;</a:t>
             </a:r>
           </a:p>
           <a:p>
             <a:r>
-              <a:rPr lang="en-US" sz="2400" dirty="0" smtClean="0"/>
+              <a:rPr lang="en-US" sz="2400" dirty="0"/>
               <a:t>}</a:t>
             </a:r>
-            <a:endParaRPr lang="en-US" sz="2400" dirty="0"/>
           </a:p>
         </p:txBody>
       </p:sp>
@@ -6737,13 +6535,6 @@
   <p:clrMapOvr>
     <a:masterClrMapping/>
   </p:clrMapOvr>
-  <p:timing>
-    <p:tnLst>
-      <p:par>
-        <p:cTn id="1" dur="indefinite" restart="never" nodeType="tmRoot"/>
-      </p:par>
-    </p:tnLst>
-  </p:timing>
 </p:sld>
 </file>
 
@@ -6787,13 +6578,13 @@
           <a:lstStyle/>
           <a:p>
             <a:r>
-              <a:rPr lang="en-US" dirty="0" smtClean="0"/>
+              <a:rPr lang="en-US" dirty="0"/>
               <a:t>Extension from Thread-safe buffer. (See your lecture note)</a:t>
             </a:r>
           </a:p>
           <a:p>
             <a:r>
-              <a:rPr lang="en-US" dirty="0" smtClean="0"/>
+              <a:rPr lang="en-US" dirty="0"/>
               <a:t>Idea:</a:t>
             </a:r>
           </a:p>
@@ -6803,40 +6594,19 @@
               <a:rPr lang="en-US" dirty="0"/>
               <a:t>The queue size S is bounded by K. </a:t>
             </a:r>
-            <a:endParaRPr lang="en-US" dirty="0" smtClean="0"/>
           </a:p>
           <a:p>
             <a:pPr lvl="1"/>
             <a:r>
-              <a:rPr lang="en-US" dirty="0" smtClean="0"/>
-              <a:t>When </a:t>
-            </a:r>
-            <a:r>
               <a:rPr lang="en-US" dirty="0"/>
-              <a:t>S = K, producers </a:t>
-            </a:r>
-            <a:r>
-              <a:rPr lang="en-US" dirty="0" smtClean="0"/>
-              <a:t>(i.e. thread calling push function) must </a:t>
-            </a:r>
+              <a:t>When S = K, producers (i.e. thread calling push function) must wait for consumers (i.e. thread calling pop function)</a:t>
+            </a:r>
+          </a:p>
+          <a:p>
+            <a:pPr lvl="1"/>
             <a:r>
               <a:rPr lang="en-US" dirty="0"/>
-              <a:t>wait for </a:t>
-            </a:r>
-            <a:r>
-              <a:rPr lang="en-US" dirty="0" smtClean="0"/>
-              <a:t>consumers (i.e. thread calling pop function)</a:t>
-            </a:r>
-          </a:p>
-          <a:p>
-            <a:pPr lvl="1"/>
-            <a:r>
-              <a:rPr lang="en-US" dirty="0" smtClean="0"/>
-              <a:t>when </a:t>
-            </a:r>
-            <a:r>
-              <a:rPr lang="en-US" dirty="0"/>
-              <a:t>S = 0, consumers must wait for producers</a:t>
+              <a:t>when S = 0, consumers must wait for producers</a:t>
             </a:r>
           </a:p>
           <a:p>
@@ -6885,10 +6655,9 @@
           <a:lstStyle/>
           <a:p>
             <a:r>
-              <a:rPr lang="en-US" dirty="0" smtClean="0"/>
+              <a:rPr lang="en-US" dirty="0"/>
               <a:t>Bounded Buffer</a:t>
             </a:r>
-            <a:endParaRPr lang="en-US" dirty="0"/>
           </a:p>
         </p:txBody>
       </p:sp>
@@ -6969,25 +6738,34 @@
                 </a:solidFill>
                 <a:latin typeface="Courier New" panose="02070309020205020404" pitchFamily="49" charset="0"/>
               </a:rPr>
-              <a:t> </a:t>
-            </a:r>
-            <a:r>
-              <a:rPr lang="en-US" sz="1400" b="1" dirty="0" smtClean="0">
+              <a:t>   </a:t>
+            </a:r>
+            <a:r>
+              <a:rPr lang="en-US" sz="1400" dirty="0" err="1">
                 <a:solidFill>
                   <a:srgbClr val="000000"/>
                 </a:solidFill>
                 <a:latin typeface="Courier New" panose="02070309020205020404" pitchFamily="49" charset="0"/>
               </a:rPr>
-              <a:t>  </a:t>
-            </a:r>
-            <a:r>
-              <a:rPr lang="en-US" sz="1400" dirty="0" err="1" smtClean="0">
+              <a:t>pthread_mutex_lock</a:t>
+            </a:r>
+            <a:r>
+              <a:rPr lang="en-US" sz="1400" dirty="0">
                 <a:solidFill>
                   <a:srgbClr val="000000"/>
                 </a:solidFill>
                 <a:latin typeface="Courier New" panose="02070309020205020404" pitchFamily="49" charset="0"/>
               </a:rPr>
-              <a:t>pthread_mutex_lock</a:t>
+              <a:t>(&amp;</a:t>
+            </a:r>
+            <a:r>
+              <a:rPr lang="en-US" sz="1400" dirty="0" err="1">
+                <a:solidFill>
+                  <a:srgbClr val="000000"/>
+                </a:solidFill>
+                <a:latin typeface="Courier New" panose="02070309020205020404" pitchFamily="49" charset="0"/>
+              </a:rPr>
+              <a:t>mtx</a:t>
             </a:r>
             <a:r>
               <a:rPr lang="en-US" sz="1400" dirty="0">
@@ -6996,23 +6774,110 @@
                 </a:solidFill>
                 <a:latin typeface="Courier New" panose="02070309020205020404" pitchFamily="49" charset="0"/>
               </a:rPr>
+              <a:t>);</a:t>
+            </a:r>
+          </a:p>
+          <a:p>
+            <a:r>
+              <a:rPr lang="en-US" sz="1400" b="1" dirty="0">
+                <a:solidFill>
+                  <a:srgbClr val="000000"/>
+                </a:solidFill>
+                <a:latin typeface="Courier New" panose="02070309020205020404" pitchFamily="49" charset="0"/>
+              </a:rPr>
+              <a:t>   </a:t>
+            </a:r>
+          </a:p>
+          <a:p>
+            <a:r>
+              <a:rPr lang="en-US" sz="1400" b="1" dirty="0">
+                <a:solidFill>
+                  <a:srgbClr val="000000"/>
+                </a:solidFill>
+                <a:latin typeface="Tw Cen MT" panose="020B0602020104020603" pitchFamily="34" charset="0"/>
+              </a:rPr>
+              <a:t>      while(</a:t>
+            </a:r>
+            <a:r>
+              <a:rPr lang="en-US" sz="1400" b="1" dirty="0" err="1">
+                <a:solidFill>
+                  <a:srgbClr val="000000"/>
+                </a:solidFill>
+                <a:latin typeface="Tw Cen MT" panose="020B0602020104020603" pitchFamily="34" charset="0"/>
+              </a:rPr>
+              <a:t>buffer.size</a:t>
+            </a:r>
+            <a:r>
+              <a:rPr lang="en-US" sz="1400" b="1" dirty="0">
+                <a:solidFill>
+                  <a:srgbClr val="000000"/>
+                </a:solidFill>
+                <a:latin typeface="Tw Cen MT" panose="020B0602020104020603" pitchFamily="34" charset="0"/>
+              </a:rPr>
+              <a:t>()==0){</a:t>
+            </a:r>
+          </a:p>
+          <a:p>
+            <a:r>
+              <a:rPr lang="en-US" sz="1400" b="1" dirty="0">
+                <a:solidFill>
+                  <a:srgbClr val="000000"/>
+                </a:solidFill>
+                <a:latin typeface="Tw Cen MT" panose="020B0602020104020603" pitchFamily="34" charset="0"/>
+              </a:rPr>
+              <a:t>         </a:t>
+            </a:r>
+            <a:r>
+              <a:rPr lang="en-US" sz="1400" b="1" dirty="0" err="1">
+                <a:solidFill>
+                  <a:srgbClr val="FF0000"/>
+                </a:solidFill>
+                <a:latin typeface="Tw Cen MT" panose="020B0602020104020603" pitchFamily="34" charset="0"/>
+              </a:rPr>
+              <a:t>pthread_cond_wait</a:t>
+            </a:r>
+            <a:r>
+              <a:rPr lang="en-US" sz="1400" b="1" dirty="0">
+                <a:solidFill>
+                  <a:srgbClr val="000000"/>
+                </a:solidFill>
+                <a:latin typeface="Tw Cen MT" panose="020B0602020104020603" pitchFamily="34" charset="0"/>
+              </a:rPr>
               <a:t>(&amp;</a:t>
             </a:r>
             <a:r>
-              <a:rPr lang="en-US" sz="1400" dirty="0" err="1">
-                <a:solidFill>
-                  <a:srgbClr val="000000"/>
-                </a:solidFill>
-                <a:latin typeface="Courier New" panose="02070309020205020404" pitchFamily="49" charset="0"/>
+              <a:rPr lang="en-US" sz="1400" b="1" dirty="0" err="1">
+                <a:solidFill>
+                  <a:srgbClr val="000000"/>
+                </a:solidFill>
+                <a:latin typeface="Tw Cen MT" panose="020B0602020104020603" pitchFamily="34" charset="0"/>
+              </a:rPr>
+              <a:t>cond</a:t>
+            </a:r>
+            <a:r>
+              <a:rPr lang="en-US" sz="1400" b="1" dirty="0">
+                <a:solidFill>
+                  <a:srgbClr val="000000"/>
+                </a:solidFill>
+                <a:latin typeface="Tw Cen MT" panose="020B0602020104020603" pitchFamily="34" charset="0"/>
+              </a:rPr>
+              <a:t>,&amp;</a:t>
+            </a:r>
+            <a:r>
+              <a:rPr lang="en-US" sz="1400" b="1" dirty="0" err="1">
+                <a:solidFill>
+                  <a:srgbClr val="000000"/>
+                </a:solidFill>
+                <a:latin typeface="Tw Cen MT" panose="020B0602020104020603" pitchFamily="34" charset="0"/>
               </a:rPr>
               <a:t>mtx</a:t>
             </a:r>
             <a:r>
-              <a:rPr lang="en-US" sz="1400" dirty="0">
-                <a:solidFill>
-                  <a:srgbClr val="000000"/>
-                </a:solidFill>
-                <a:latin typeface="Courier New" panose="02070309020205020404" pitchFamily="49" charset="0"/>
+              <a:rPr lang="en-US" sz="1400" b="1" dirty="0">
+                <a:solidFill>
+                  <a:srgbClr val="000000"/>
+                </a:solidFill>
+                <a:latin typeface="Tw Cen MT" panose="020B0602020104020603" pitchFamily="34" charset="0"/>
               </a:rPr>
               <a:t>);</a:t>
             </a:r>
@@ -7023,18 +6888,9 @@
                 <a:solidFill>
                   <a:srgbClr val="000000"/>
                 </a:solidFill>
-                <a:latin typeface="Courier New" panose="02070309020205020404" pitchFamily="49" charset="0"/>
-              </a:rPr>
-              <a:t> </a:t>
-            </a:r>
-            <a:r>
-              <a:rPr lang="en-US" sz="1400" b="1" dirty="0" smtClean="0">
-                <a:solidFill>
-                  <a:srgbClr val="000000"/>
-                </a:solidFill>
-                <a:latin typeface="Courier New" panose="02070309020205020404" pitchFamily="49" charset="0"/>
-              </a:rPr>
-              <a:t>  </a:t>
+                <a:latin typeface="Tw Cen MT" panose="020B0602020104020603" pitchFamily="34" charset="0"/>
+              </a:rPr>
+              <a:t>      }</a:t>
             </a:r>
           </a:p>
           <a:p>
@@ -7045,120 +6901,39 @@
                 </a:solidFill>
                 <a:latin typeface="Tw Cen MT" panose="020B0602020104020603" pitchFamily="34" charset="0"/>
               </a:rPr>
-              <a:t> </a:t>
-            </a:r>
-            <a:r>
-              <a:rPr lang="en-US" sz="1400" b="1" dirty="0" smtClean="0">
+              <a:t>      // now consume</a:t>
+            </a:r>
+          </a:p>
+          <a:p>
+            <a:r>
+              <a:rPr lang="en-US" sz="1400" b="1" dirty="0">
                 <a:solidFill>
                   <a:srgbClr val="000000"/>
                 </a:solidFill>
                 <a:latin typeface="Tw Cen MT" panose="020B0602020104020603" pitchFamily="34" charset="0"/>
               </a:rPr>
-              <a:t>     while(</a:t>
-            </a:r>
-            <a:r>
-              <a:rPr lang="en-US" sz="1400" b="1" dirty="0" err="1" smtClean="0">
-                <a:solidFill>
-                  <a:srgbClr val="000000"/>
-                </a:solidFill>
+              <a:t>      </a:t>
+            </a:r>
+            <a:r>
+              <a:rPr lang="en-US" sz="1400" b="1" dirty="0">
                 <a:latin typeface="Tw Cen MT" panose="020B0602020104020603" pitchFamily="34" charset="0"/>
               </a:rPr>
-              <a:t>buffer.size</a:t>
+              <a:t>data = </a:t>
+            </a:r>
+            <a:r>
+              <a:rPr lang="en-US" sz="1400" b="1" dirty="0" err="1">
+                <a:latin typeface="Tw Cen MT" panose="020B0602020104020603" pitchFamily="34" charset="0"/>
+              </a:rPr>
+              <a:t>Q.pop</a:t>
             </a:r>
             <a:r>
               <a:rPr lang="en-US" sz="1400" b="1" dirty="0">
-                <a:solidFill>
-                  <a:srgbClr val="000000"/>
-                </a:solidFill>
                 <a:latin typeface="Tw Cen MT" panose="020B0602020104020603" pitchFamily="34" charset="0"/>
               </a:rPr>
-              <a:t>()==0){</a:t>
-            </a:r>
-          </a:p>
-          <a:p>
-            <a:r>
-              <a:rPr lang="en-US" sz="1400" b="1" dirty="0">
-                <a:solidFill>
-                  <a:srgbClr val="000000"/>
-                </a:solidFill>
-                <a:latin typeface="Tw Cen MT" panose="020B0602020104020603" pitchFamily="34" charset="0"/>
-              </a:rPr>
-              <a:t> </a:t>
-            </a:r>
-            <a:r>
-              <a:rPr lang="en-US" sz="1400" b="1" dirty="0" smtClean="0">
-                <a:solidFill>
-                  <a:srgbClr val="000000"/>
-                </a:solidFill>
-                <a:latin typeface="Tw Cen MT" panose="020B0602020104020603" pitchFamily="34" charset="0"/>
-              </a:rPr>
-              <a:t>        </a:t>
-            </a:r>
-            <a:r>
-              <a:rPr lang="en-US" sz="1400" b="1" dirty="0" err="1" smtClean="0">
-                <a:solidFill>
-                  <a:srgbClr val="FF0000"/>
-                </a:solidFill>
-                <a:latin typeface="Tw Cen MT" panose="020B0602020104020603" pitchFamily="34" charset="0"/>
-              </a:rPr>
-              <a:t>pthread_cond_wait</a:t>
-            </a:r>
-            <a:r>
-              <a:rPr lang="en-US" sz="1400" b="1" dirty="0">
-                <a:solidFill>
-                  <a:srgbClr val="000000"/>
-                </a:solidFill>
-                <a:latin typeface="Tw Cen MT" panose="020B0602020104020603" pitchFamily="34" charset="0"/>
-              </a:rPr>
-              <a:t>(&amp;</a:t>
-            </a:r>
-            <a:r>
-              <a:rPr lang="en-US" sz="1400" b="1" dirty="0" err="1">
-                <a:solidFill>
-                  <a:srgbClr val="000000"/>
-                </a:solidFill>
-                <a:latin typeface="Tw Cen MT" panose="020B0602020104020603" pitchFamily="34" charset="0"/>
-              </a:rPr>
-              <a:t>cond</a:t>
-            </a:r>
-            <a:r>
-              <a:rPr lang="en-US" sz="1400" b="1" dirty="0">
-                <a:solidFill>
-                  <a:srgbClr val="000000"/>
-                </a:solidFill>
-                <a:latin typeface="Tw Cen MT" panose="020B0602020104020603" pitchFamily="34" charset="0"/>
-              </a:rPr>
-              <a:t>,&amp;</a:t>
-            </a:r>
-            <a:r>
-              <a:rPr lang="en-US" sz="1400" b="1" dirty="0" err="1">
-                <a:solidFill>
-                  <a:srgbClr val="000000"/>
-                </a:solidFill>
-                <a:latin typeface="Tw Cen MT" panose="020B0602020104020603" pitchFamily="34" charset="0"/>
-              </a:rPr>
-              <a:t>mtx</a:t>
-            </a:r>
-            <a:r>
-              <a:rPr lang="en-US" sz="1400" b="1" dirty="0">
-                <a:solidFill>
-                  <a:srgbClr val="000000"/>
-                </a:solidFill>
-                <a:latin typeface="Tw Cen MT" panose="020B0602020104020603" pitchFamily="34" charset="0"/>
-              </a:rPr>
-              <a:t>);</a:t>
-            </a:r>
-          </a:p>
-          <a:p>
-            <a:r>
-              <a:rPr lang="en-US" sz="1400" b="1" dirty="0" smtClean="0">
-                <a:solidFill>
-                  <a:srgbClr val="000000"/>
-                </a:solidFill>
-                <a:latin typeface="Tw Cen MT" panose="020B0602020104020603" pitchFamily="34" charset="0"/>
-              </a:rPr>
-              <a:t>      }</a:t>
-            </a:r>
+              <a:t>();</a:t>
+            </a:r>
+          </a:p>
+          <a:p>
             <a:endParaRPr lang="en-US" sz="1400" b="1" dirty="0">
               <a:solidFill>
                 <a:srgbClr val="000000"/>
@@ -7174,16 +6949,27 @@
                 </a:solidFill>
                 <a:latin typeface="Tw Cen MT" panose="020B0602020104020603" pitchFamily="34" charset="0"/>
               </a:rPr>
-              <a:t> </a:t>
-            </a:r>
-            <a:r>
-              <a:rPr lang="en-US" sz="1400" b="1" dirty="0" smtClean="0">
+              <a:t>      // send signal to Producer(s)</a:t>
+            </a:r>
+          </a:p>
+          <a:p>
+            <a:r>
+              <a:rPr lang="en-US" sz="1400" b="1" dirty="0">
                 <a:solidFill>
                   <a:srgbClr val="000000"/>
                 </a:solidFill>
                 <a:latin typeface="Tw Cen MT" panose="020B0602020104020603" pitchFamily="34" charset="0"/>
               </a:rPr>
-              <a:t>     // </a:t>
+              <a:t>      </a:t>
+            </a:r>
+            <a:r>
+              <a:rPr lang="en-US" sz="1400" b="1" dirty="0" err="1">
+                <a:solidFill>
+                  <a:srgbClr val="FF0000"/>
+                </a:solidFill>
+                <a:latin typeface="Tw Cen MT" panose="020B0602020104020603" pitchFamily="34" charset="0"/>
+              </a:rPr>
+              <a:t>pthread_cond_signal</a:t>
             </a:r>
             <a:r>
               <a:rPr lang="en-US" sz="1400" b="1" dirty="0">
@@ -7192,247 +6978,76 @@
                 </a:solidFill>
                 <a:latin typeface="Tw Cen MT" panose="020B0602020104020603" pitchFamily="34" charset="0"/>
               </a:rPr>
-              <a:t>now </a:t>
-            </a:r>
-            <a:r>
-              <a:rPr lang="en-US" sz="1400" b="1" dirty="0" smtClean="0">
-                <a:solidFill>
-                  <a:srgbClr val="000000"/>
-                </a:solidFill>
-                <a:latin typeface="Tw Cen MT" panose="020B0602020104020603" pitchFamily="34" charset="0"/>
-              </a:rPr>
-              <a:t>consume</a:t>
-            </a:r>
-            <a:endParaRPr lang="en-US" sz="1400" b="1" dirty="0">
-              <a:solidFill>
-                <a:srgbClr val="000000"/>
-              </a:solidFill>
-              <a:latin typeface="Tw Cen MT" panose="020B0602020104020603" pitchFamily="34" charset="0"/>
-            </a:endParaRPr>
-          </a:p>
-          <a:p>
-            <a:r>
-              <a:rPr lang="en-US" sz="1400" b="1" dirty="0" smtClean="0">
-                <a:solidFill>
-                  <a:srgbClr val="000000"/>
-                </a:solidFill>
-                <a:latin typeface="Tw Cen MT" panose="020B0602020104020603" pitchFamily="34" charset="0"/>
-              </a:rPr>
-              <a:t>      </a:t>
-            </a:r>
-            <a:r>
-              <a:rPr lang="en-US" sz="1400" b="1" dirty="0" smtClean="0">
-                <a:latin typeface="Tw Cen MT" panose="020B0602020104020603" pitchFamily="34" charset="0"/>
-              </a:rPr>
-              <a:t>data </a:t>
-            </a:r>
+              <a:t>(&amp;cond2);</a:t>
+            </a:r>
+          </a:p>
+          <a:p>
             <a:r>
               <a:rPr lang="en-US" sz="1400" b="1" dirty="0">
-                <a:latin typeface="Tw Cen MT" panose="020B0602020104020603" pitchFamily="34" charset="0"/>
-              </a:rPr>
-              <a:t>= </a:t>
-            </a:r>
-            <a:r>
-              <a:rPr lang="en-US" sz="1400" b="1" dirty="0" err="1">
-                <a:latin typeface="Tw Cen MT" panose="020B0602020104020603" pitchFamily="34" charset="0"/>
-              </a:rPr>
-              <a:t>Q.pop</a:t>
-            </a:r>
+                <a:solidFill>
+                  <a:srgbClr val="000000"/>
+                </a:solidFill>
+                <a:latin typeface="Courier New" panose="02070309020205020404" pitchFamily="49" charset="0"/>
+              </a:rPr>
+              <a:t>   </a:t>
+            </a:r>
+          </a:p>
+          <a:p>
             <a:r>
               <a:rPr lang="en-US" sz="1400" b="1" dirty="0">
-                <a:latin typeface="Tw Cen MT" panose="020B0602020104020603" pitchFamily="34" charset="0"/>
-              </a:rPr>
-              <a:t>();</a:t>
-            </a:r>
-          </a:p>
-          <a:p>
-            <a:endParaRPr lang="en-US" sz="1400" b="1" dirty="0">
-              <a:solidFill>
-                <a:srgbClr val="000000"/>
-              </a:solidFill>
-              <a:latin typeface="Tw Cen MT" panose="020B0602020104020603" pitchFamily="34" charset="0"/>
-            </a:endParaRPr>
+                <a:solidFill>
+                  <a:srgbClr val="000000"/>
+                </a:solidFill>
+                <a:latin typeface="Courier New" panose="02070309020205020404" pitchFamily="49" charset="0"/>
+              </a:rPr>
+              <a:t>   </a:t>
+            </a:r>
+            <a:r>
+              <a:rPr lang="en-US" sz="1400" dirty="0" err="1">
+                <a:solidFill>
+                  <a:srgbClr val="000000"/>
+                </a:solidFill>
+                <a:latin typeface="Courier New" panose="02070309020205020404" pitchFamily="49" charset="0"/>
+              </a:rPr>
+              <a:t>pthread_mutex_unlock</a:t>
+            </a:r>
+            <a:r>
+              <a:rPr lang="en-US" sz="1400" dirty="0">
+                <a:solidFill>
+                  <a:srgbClr val="000000"/>
+                </a:solidFill>
+                <a:latin typeface="Courier New" panose="02070309020205020404" pitchFamily="49" charset="0"/>
+              </a:rPr>
+              <a:t>(&amp;</a:t>
+            </a:r>
+            <a:r>
+              <a:rPr lang="en-US" sz="1400" dirty="0" err="1">
+                <a:solidFill>
+                  <a:srgbClr val="000000"/>
+                </a:solidFill>
+                <a:latin typeface="Courier New" panose="02070309020205020404" pitchFamily="49" charset="0"/>
+              </a:rPr>
+              <a:t>mtx</a:t>
+            </a:r>
+            <a:r>
+              <a:rPr lang="en-US" sz="1400" dirty="0">
+                <a:solidFill>
+                  <a:srgbClr val="000000"/>
+                </a:solidFill>
+                <a:latin typeface="Courier New" panose="02070309020205020404" pitchFamily="49" charset="0"/>
+              </a:rPr>
+              <a:t>); </a:t>
+            </a:r>
+          </a:p>
+          <a:p>
+            <a:r>
+              <a:rPr lang="en-US" sz="1400" dirty="0"/>
+              <a:t>        return data;</a:t>
+            </a:r>
           </a:p>
           <a:p>
             <a:r>
               <a:rPr lang="en-US" sz="1400" b="1" dirty="0">
-                <a:solidFill>
-                  <a:srgbClr val="000000"/>
-                </a:solidFill>
-                <a:latin typeface="Tw Cen MT" panose="020B0602020104020603" pitchFamily="34" charset="0"/>
-              </a:rPr>
-              <a:t> </a:t>
-            </a:r>
-            <a:r>
-              <a:rPr lang="en-US" sz="1400" b="1" dirty="0" smtClean="0">
-                <a:solidFill>
-                  <a:srgbClr val="000000"/>
-                </a:solidFill>
-                <a:latin typeface="Tw Cen MT" panose="020B0602020104020603" pitchFamily="34" charset="0"/>
-              </a:rPr>
-              <a:t>     // </a:t>
-            </a:r>
-            <a:r>
-              <a:rPr lang="en-US" sz="1400" b="1" dirty="0">
-                <a:solidFill>
-                  <a:srgbClr val="000000"/>
-                </a:solidFill>
-                <a:latin typeface="Tw Cen MT" panose="020B0602020104020603" pitchFamily="34" charset="0"/>
-              </a:rPr>
-              <a:t>send signal to </a:t>
-            </a:r>
-            <a:r>
-              <a:rPr lang="en-US" sz="1400" b="1" dirty="0" smtClean="0">
-                <a:solidFill>
-                  <a:srgbClr val="000000"/>
-                </a:solidFill>
-                <a:latin typeface="Tw Cen MT" panose="020B0602020104020603" pitchFamily="34" charset="0"/>
-              </a:rPr>
-              <a:t>Producer(s)</a:t>
-            </a:r>
-            <a:endParaRPr lang="en-US" sz="1400" b="1" dirty="0">
-              <a:solidFill>
-                <a:srgbClr val="000000"/>
-              </a:solidFill>
-              <a:latin typeface="Tw Cen MT" panose="020B0602020104020603" pitchFamily="34" charset="0"/>
-            </a:endParaRPr>
-          </a:p>
-          <a:p>
-            <a:r>
-              <a:rPr lang="en-US" sz="1400" b="1" dirty="0">
-                <a:solidFill>
-                  <a:srgbClr val="000000"/>
-                </a:solidFill>
-                <a:latin typeface="Tw Cen MT" panose="020B0602020104020603" pitchFamily="34" charset="0"/>
-              </a:rPr>
-              <a:t> </a:t>
-            </a:r>
-            <a:r>
-              <a:rPr lang="en-US" sz="1400" b="1" dirty="0" smtClean="0">
-                <a:solidFill>
-                  <a:srgbClr val="000000"/>
-                </a:solidFill>
-                <a:latin typeface="Tw Cen MT" panose="020B0602020104020603" pitchFamily="34" charset="0"/>
-              </a:rPr>
-              <a:t>     </a:t>
-            </a:r>
-            <a:r>
-              <a:rPr lang="en-US" sz="1400" b="1" dirty="0" err="1" smtClean="0">
-                <a:solidFill>
-                  <a:srgbClr val="FF0000"/>
-                </a:solidFill>
-                <a:latin typeface="Tw Cen MT" panose="020B0602020104020603" pitchFamily="34" charset="0"/>
-              </a:rPr>
-              <a:t>pthread_cond_signal</a:t>
-            </a:r>
-            <a:r>
-              <a:rPr lang="en-US" sz="1400" b="1" dirty="0">
-                <a:solidFill>
-                  <a:srgbClr val="000000"/>
-                </a:solidFill>
-                <a:latin typeface="Tw Cen MT" panose="020B0602020104020603" pitchFamily="34" charset="0"/>
-              </a:rPr>
-              <a:t>(&amp;cond2</a:t>
-            </a:r>
-            <a:r>
-              <a:rPr lang="en-US" sz="1400" b="1" dirty="0" smtClean="0">
-                <a:solidFill>
-                  <a:srgbClr val="000000"/>
-                </a:solidFill>
-                <a:latin typeface="Tw Cen MT" panose="020B0602020104020603" pitchFamily="34" charset="0"/>
-              </a:rPr>
-              <a:t>);</a:t>
-            </a:r>
-          </a:p>
-          <a:p>
-            <a:r>
-              <a:rPr lang="en-US" sz="1400" b="1" dirty="0">
-                <a:solidFill>
-                  <a:srgbClr val="000000"/>
-                </a:solidFill>
-                <a:latin typeface="Courier New" panose="02070309020205020404" pitchFamily="49" charset="0"/>
-              </a:rPr>
-              <a:t> </a:t>
-            </a:r>
-            <a:r>
-              <a:rPr lang="en-US" sz="1400" b="1" dirty="0" smtClean="0">
-                <a:solidFill>
-                  <a:srgbClr val="000000"/>
-                </a:solidFill>
-                <a:latin typeface="Courier New" panose="02070309020205020404" pitchFamily="49" charset="0"/>
-              </a:rPr>
-              <a:t>  </a:t>
-            </a:r>
-          </a:p>
-          <a:p>
-            <a:r>
-              <a:rPr lang="en-US" sz="1400" b="1" dirty="0">
-                <a:solidFill>
-                  <a:srgbClr val="000000"/>
-                </a:solidFill>
-                <a:latin typeface="Courier New" panose="02070309020205020404" pitchFamily="49" charset="0"/>
-              </a:rPr>
-              <a:t> </a:t>
-            </a:r>
-            <a:r>
-              <a:rPr lang="en-US" sz="1400" b="1" dirty="0" smtClean="0">
-                <a:solidFill>
-                  <a:srgbClr val="000000"/>
-                </a:solidFill>
-                <a:latin typeface="Courier New" panose="02070309020205020404" pitchFamily="49" charset="0"/>
-              </a:rPr>
-              <a:t>  </a:t>
-            </a:r>
-            <a:r>
-              <a:rPr lang="en-US" sz="1400" dirty="0" err="1" smtClean="0">
-                <a:solidFill>
-                  <a:srgbClr val="000000"/>
-                </a:solidFill>
-                <a:latin typeface="Courier New" panose="02070309020205020404" pitchFamily="49" charset="0"/>
-              </a:rPr>
-              <a:t>pthread_mutex_unlock</a:t>
-            </a:r>
-            <a:r>
-              <a:rPr lang="en-US" sz="1400" dirty="0">
-                <a:solidFill>
-                  <a:srgbClr val="000000"/>
-                </a:solidFill>
-                <a:latin typeface="Courier New" panose="02070309020205020404" pitchFamily="49" charset="0"/>
-              </a:rPr>
-              <a:t>(&amp;</a:t>
-            </a:r>
-            <a:r>
-              <a:rPr lang="en-US" sz="1400" dirty="0" err="1">
-                <a:solidFill>
-                  <a:srgbClr val="000000"/>
-                </a:solidFill>
-                <a:latin typeface="Courier New" panose="02070309020205020404" pitchFamily="49" charset="0"/>
-              </a:rPr>
-              <a:t>mtx</a:t>
-            </a:r>
-            <a:r>
-              <a:rPr lang="en-US" sz="1400" dirty="0" smtClean="0">
-                <a:solidFill>
-                  <a:srgbClr val="000000"/>
-                </a:solidFill>
-                <a:latin typeface="Courier New" panose="02070309020205020404" pitchFamily="49" charset="0"/>
-              </a:rPr>
-              <a:t>); </a:t>
-            </a:r>
-          </a:p>
-          <a:p>
-            <a:r>
-              <a:rPr lang="en-US" sz="1400" dirty="0" smtClean="0"/>
-              <a:t>        return </a:t>
-            </a:r>
-            <a:r>
-              <a:rPr lang="en-US" sz="1400" dirty="0"/>
-              <a:t>data;</a:t>
-            </a:r>
-          </a:p>
-          <a:p>
-            <a:r>
-              <a:rPr lang="en-US" sz="1400" b="1" dirty="0" smtClean="0">
                 <a:solidFill>
                   <a:srgbClr val="000000"/>
                 </a:solidFill>
@@ -7504,16 +7119,7 @@
                 </a:solidFill>
                 <a:latin typeface="Courier New" panose="02070309020205020404" pitchFamily="49" charset="0"/>
               </a:rPr>
-              <a:t>::</a:t>
-            </a:r>
-            <a:r>
-              <a:rPr lang="en-US" sz="1400" b="1" dirty="0" smtClean="0">
-                <a:solidFill>
-                  <a:srgbClr val="000000"/>
-                </a:solidFill>
-                <a:latin typeface="Courier New" panose="02070309020205020404" pitchFamily="49" charset="0"/>
-              </a:rPr>
-              <a:t>push(){</a:t>
+              <a:t>::push(){</a:t>
             </a:r>
             <a:endParaRPr lang="en-US" sz="1400" dirty="0">
               <a:solidFill>
@@ -7530,25 +7136,34 @@
                 </a:solidFill>
                 <a:latin typeface="Courier New" panose="02070309020205020404" pitchFamily="49" charset="0"/>
               </a:rPr>
-              <a:t> </a:t>
-            </a:r>
-            <a:r>
-              <a:rPr lang="en-US" sz="1400" b="1" dirty="0" smtClean="0">
+              <a:t>   </a:t>
+            </a:r>
+            <a:r>
+              <a:rPr lang="en-US" sz="1400" dirty="0" err="1">
                 <a:solidFill>
                   <a:srgbClr val="000000"/>
                 </a:solidFill>
                 <a:latin typeface="Courier New" panose="02070309020205020404" pitchFamily="49" charset="0"/>
               </a:rPr>
-              <a:t>  </a:t>
-            </a:r>
-            <a:r>
-              <a:rPr lang="en-US" sz="1400" dirty="0" err="1" smtClean="0">
+              <a:t>pthread_mutex_lock</a:t>
+            </a:r>
+            <a:r>
+              <a:rPr lang="en-US" sz="1400" dirty="0">
                 <a:solidFill>
                   <a:srgbClr val="000000"/>
                 </a:solidFill>
                 <a:latin typeface="Courier New" panose="02070309020205020404" pitchFamily="49" charset="0"/>
               </a:rPr>
-              <a:t>pthread_mutex_lock</a:t>
+              <a:t>(&amp;</a:t>
+            </a:r>
+            <a:r>
+              <a:rPr lang="en-US" sz="1400" dirty="0" err="1">
+                <a:solidFill>
+                  <a:srgbClr val="000000"/>
+                </a:solidFill>
+                <a:latin typeface="Courier New" panose="02070309020205020404" pitchFamily="49" charset="0"/>
+              </a:rPr>
+              <a:t>mtx</a:t>
             </a:r>
             <a:r>
               <a:rPr lang="en-US" sz="1400" dirty="0">
@@ -7557,54 +7172,19 @@
                 </a:solidFill>
                 <a:latin typeface="Courier New" panose="02070309020205020404" pitchFamily="49" charset="0"/>
               </a:rPr>
-              <a:t>(&amp;</a:t>
-            </a:r>
-            <a:r>
-              <a:rPr lang="en-US" sz="1400" dirty="0" err="1">
+              <a:t>);</a:t>
+            </a:r>
+          </a:p>
+          <a:p>
+            <a:r>
+              <a:rPr lang="en-US" sz="1400" b="1" dirty="0">
                 <a:solidFill>
                   <a:srgbClr val="000000"/>
                 </a:solidFill>
                 <a:latin typeface="Courier New" panose="02070309020205020404" pitchFamily="49" charset="0"/>
               </a:rPr>
-              <a:t>mtx</a:t>
-            </a:r>
-            <a:r>
-              <a:rPr lang="en-US" sz="1400" dirty="0">
-                <a:solidFill>
-                  <a:srgbClr val="000000"/>
-                </a:solidFill>
-                <a:latin typeface="Courier New" panose="02070309020205020404" pitchFamily="49" charset="0"/>
-              </a:rPr>
-              <a:t>);</a:t>
-            </a:r>
-          </a:p>
-          <a:p>
-            <a:r>
-              <a:rPr lang="en-US" sz="1400" b="1" dirty="0">
-                <a:solidFill>
-                  <a:srgbClr val="000000"/>
-                </a:solidFill>
-                <a:latin typeface="Courier New" panose="02070309020205020404" pitchFamily="49" charset="0"/>
-              </a:rPr>
-              <a:t> </a:t>
-            </a:r>
-            <a:r>
-              <a:rPr lang="en-US" sz="1400" b="1" dirty="0" smtClean="0">
-                <a:solidFill>
-                  <a:srgbClr val="000000"/>
-                </a:solidFill>
-                <a:latin typeface="Courier New" panose="02070309020205020404" pitchFamily="49" charset="0"/>
-              </a:rPr>
-              <a:t>  </a:t>
-            </a:r>
-          </a:p>
-          <a:p>
-            <a:endParaRPr lang="en-US" sz="1400" b="1" dirty="0" smtClean="0">
-              <a:solidFill>
-                <a:srgbClr val="000000"/>
-              </a:solidFill>
-              <a:latin typeface="Courier New" panose="02070309020205020404" pitchFamily="49" charset="0"/>
-            </a:endParaRPr>
+              <a:t>   </a:t>
+            </a:r>
           </a:p>
           <a:p>
             <a:endParaRPr lang="en-US" sz="1400" b="1" dirty="0">
@@ -7615,50 +7195,6 @@
             </a:endParaRPr>
           </a:p>
           <a:p>
-            <a:endParaRPr lang="en-US" sz="1400" b="1" dirty="0" smtClean="0">
-              <a:solidFill>
-                <a:srgbClr val="000000"/>
-              </a:solidFill>
-              <a:latin typeface="Courier New" panose="02070309020205020404" pitchFamily="49" charset="0"/>
-            </a:endParaRPr>
-          </a:p>
-          <a:p>
-            <a:endParaRPr lang="en-US" sz="1400" b="1" dirty="0" smtClean="0">
-              <a:solidFill>
-                <a:srgbClr val="000000"/>
-              </a:solidFill>
-              <a:latin typeface="Courier New" panose="02070309020205020404" pitchFamily="49" charset="0"/>
-            </a:endParaRPr>
-          </a:p>
-          <a:p>
-            <a:r>
-              <a:rPr lang="en-US" sz="1400" b="1" dirty="0" smtClean="0">
-                <a:solidFill>
-                  <a:srgbClr val="000000"/>
-                </a:solidFill>
-                <a:latin typeface="Courier New" panose="02070309020205020404" pitchFamily="49" charset="0"/>
-              </a:rPr>
-              <a:t>   </a:t>
-            </a:r>
-            <a:r>
-              <a:rPr lang="en-US" sz="1400" b="1" dirty="0" smtClean="0">
-                <a:solidFill>
-                  <a:srgbClr val="000000"/>
-                </a:solidFill>
-                <a:latin typeface="Tw Cen MT" panose="020B0602020104020603" pitchFamily="34" charset="0"/>
-              </a:rPr>
-              <a:t>??????? (We will discuss this during lab time)</a:t>
-            </a:r>
-          </a:p>
-          <a:p>
-            <a:endParaRPr lang="en-US" sz="1400" b="1" dirty="0" smtClean="0">
-              <a:solidFill>
-                <a:srgbClr val="000000"/>
-              </a:solidFill>
-              <a:latin typeface="Courier New" panose="02070309020205020404" pitchFamily="49" charset="0"/>
-            </a:endParaRPr>
-          </a:p>
-          <a:p>
             <a:endParaRPr lang="en-US" sz="1400" b="1" dirty="0">
               <a:solidFill>
                 <a:srgbClr val="000000"/>
@@ -7667,14 +7203,6 @@
             </a:endParaRPr>
           </a:p>
           <a:p>
-            <a:endParaRPr lang="en-US" sz="1400" b="1" dirty="0" smtClean="0">
-              <a:solidFill>
-                <a:srgbClr val="000000"/>
-              </a:solidFill>
-              <a:latin typeface="Courier New" panose="02070309020205020404" pitchFamily="49" charset="0"/>
-            </a:endParaRPr>
-          </a:p>
-          <a:p>
             <a:endParaRPr lang="en-US" sz="1400" b="1" dirty="0">
               <a:solidFill>
                 <a:srgbClr val="000000"/>
@@ -7683,8 +7211,16 @@
             </a:endParaRPr>
           </a:p>
           <a:p>
-            <a:r>
-              <a:rPr lang="en-US" sz="1400" b="1" dirty="0" smtClean="0">
+            <a:endParaRPr lang="en-US" sz="1400" b="1" dirty="0">
+              <a:solidFill>
+                <a:srgbClr val="000000"/>
+              </a:solidFill>
+              <a:latin typeface="Courier New" panose="02070309020205020404" pitchFamily="49" charset="0"/>
+            </a:endParaRPr>
+          </a:p>
+          <a:p>
+            <a:r>
+              <a:rPr lang="en-US" sz="1400" b="1" dirty="0">
                 <a:solidFill>
                   <a:srgbClr val="000000"/>
                 </a:solidFill>
@@ -7692,28 +7228,71 @@
               </a:rPr>
               <a:t>   </a:t>
             </a:r>
-          </a:p>
-          <a:p>
             <a:r>
               <a:rPr lang="en-US" sz="1400" b="1" dirty="0">
                 <a:solidFill>
                   <a:srgbClr val="000000"/>
                 </a:solidFill>
+                <a:latin typeface="Tw Cen MT" panose="020B0602020104020603" pitchFamily="34" charset="0"/>
+              </a:rPr>
+              <a:t>??????? (We will discuss this during lab time)</a:t>
+            </a:r>
+          </a:p>
+          <a:p>
+            <a:endParaRPr lang="en-US" sz="1400" b="1" dirty="0">
+              <a:solidFill>
+                <a:srgbClr val="000000"/>
+              </a:solidFill>
+              <a:latin typeface="Courier New" panose="02070309020205020404" pitchFamily="49" charset="0"/>
+            </a:endParaRPr>
+          </a:p>
+          <a:p>
+            <a:endParaRPr lang="en-US" sz="1400" b="1" dirty="0">
+              <a:solidFill>
+                <a:srgbClr val="000000"/>
+              </a:solidFill>
+              <a:latin typeface="Courier New" panose="02070309020205020404" pitchFamily="49" charset="0"/>
+            </a:endParaRPr>
+          </a:p>
+          <a:p>
+            <a:endParaRPr lang="en-US" sz="1400" b="1" dirty="0">
+              <a:solidFill>
+                <a:srgbClr val="000000"/>
+              </a:solidFill>
+              <a:latin typeface="Courier New" panose="02070309020205020404" pitchFamily="49" charset="0"/>
+            </a:endParaRPr>
+          </a:p>
+          <a:p>
+            <a:endParaRPr lang="en-US" sz="1400" b="1" dirty="0">
+              <a:solidFill>
+                <a:srgbClr val="000000"/>
+              </a:solidFill>
+              <a:latin typeface="Courier New" panose="02070309020205020404" pitchFamily="49" charset="0"/>
+            </a:endParaRPr>
+          </a:p>
+          <a:p>
+            <a:r>
+              <a:rPr lang="en-US" sz="1400" b="1" dirty="0">
+                <a:solidFill>
+                  <a:srgbClr val="000000"/>
+                </a:solidFill>
                 <a:latin typeface="Courier New" panose="02070309020205020404" pitchFamily="49" charset="0"/>
               </a:rPr>
-              <a:t> </a:t>
-            </a:r>
-            <a:r>
-              <a:rPr lang="en-US" sz="1400" b="1" dirty="0" smtClean="0">
+              <a:t>   </a:t>
+            </a:r>
+          </a:p>
+          <a:p>
+            <a:r>
+              <a:rPr lang="en-US" sz="1400" b="1" dirty="0">
                 <a:solidFill>
                   <a:srgbClr val="000000"/>
                 </a:solidFill>
                 <a:latin typeface="Courier New" panose="02070309020205020404" pitchFamily="49" charset="0"/>
               </a:rPr>
-              <a:t>  </a:t>
-            </a:r>
-            <a:r>
-              <a:rPr lang="en-US" sz="1400" dirty="0" err="1" smtClean="0">
+              <a:t>   </a:t>
+            </a:r>
+            <a:r>
+              <a:rPr lang="en-US" sz="1400" dirty="0" err="1">
                 <a:solidFill>
                   <a:srgbClr val="000000"/>
                 </a:solidFill>
@@ -7740,7 +7319,7 @@
               <a:t>mtx</a:t>
             </a:r>
             <a:r>
-              <a:rPr lang="en-US" sz="1400" dirty="0" smtClean="0">
+              <a:rPr lang="en-US" sz="1400" dirty="0">
                 <a:solidFill>
                   <a:srgbClr val="000000"/>
                 </a:solidFill>
@@ -7751,7 +7330,7 @@
           </a:p>
           <a:p>
             <a:r>
-              <a:rPr lang="en-US" sz="1400" b="1" dirty="0" smtClean="0">
+              <a:rPr lang="en-US" sz="1400" b="1" dirty="0">
                 <a:solidFill>
                   <a:srgbClr val="000000"/>
                 </a:solidFill>
@@ -7816,10 +7395,9 @@
           <a:lstStyle/>
           <a:p>
             <a:r>
-              <a:rPr lang="en-US" dirty="0" smtClean="0"/>
+              <a:rPr lang="en-US" dirty="0"/>
               <a:t>Note that this example from your lecture note has a race condition. This is only for giving you an example of creating/joining threads</a:t>
             </a:r>
-            <a:endParaRPr lang="en-US" dirty="0"/>
           </a:p>
         </p:txBody>
       </p:sp>
@@ -7839,10 +7417,9 @@
           <a:lstStyle/>
           <a:p>
             <a:r>
-              <a:rPr lang="en-US" dirty="0" smtClean="0"/>
+              <a:rPr lang="en-US" dirty="0"/>
               <a:t>How to implement threads?</a:t>
             </a:r>
-            <a:endParaRPr lang="en-US" dirty="0"/>
           </a:p>
         </p:txBody>
       </p:sp>
@@ -7868,7 +7445,7 @@
           <a:lstStyle/>
           <a:p>
             <a:r>
-              <a:rPr lang="en-US" sz="1200" dirty="0" smtClean="0">
+              <a:rPr lang="en-US" sz="1200" dirty="0">
                 <a:solidFill>
                   <a:srgbClr val="0000FF"/>
                 </a:solidFill>
@@ -7877,7 +7454,7 @@
               <a:t>class</a:t>
             </a:r>
             <a:r>
-              <a:rPr lang="en-US" sz="1200" dirty="0" smtClean="0">
+              <a:rPr lang="en-US" sz="1200" dirty="0">
                 <a:solidFill>
                   <a:srgbClr val="000000"/>
                 </a:solidFill>
@@ -7886,7 +7463,7 @@
               <a:t> </a:t>
             </a:r>
             <a:r>
-              <a:rPr lang="en-US" sz="1200" dirty="0" smtClean="0">
+              <a:rPr lang="en-US" sz="1200" dirty="0">
                 <a:solidFill>
                   <a:srgbClr val="2B91AF"/>
                 </a:solidFill>
@@ -7895,7 +7472,7 @@
               <a:t>THREAD_ARGS</a:t>
             </a:r>
             <a:r>
-              <a:rPr lang="en-US" sz="1200" dirty="0" smtClean="0">
+              <a:rPr lang="en-US" sz="1200" dirty="0">
                 <a:solidFill>
                   <a:srgbClr val="000000"/>
                 </a:solidFill>
@@ -7906,7 +7483,7 @@
           </a:p>
           <a:p>
             <a:r>
-              <a:rPr lang="en-US" sz="1200" dirty="0" smtClean="0">
+              <a:rPr lang="en-US" sz="1200" dirty="0">
                 <a:solidFill>
                   <a:srgbClr val="0000FF"/>
                 </a:solidFill>
@@ -7915,7 +7492,7 @@
               <a:t>   public</a:t>
             </a:r>
             <a:r>
-              <a:rPr lang="en-US" sz="1200" dirty="0" smtClean="0">
+              <a:rPr lang="en-US" sz="1200" dirty="0">
                 <a:solidFill>
                   <a:srgbClr val="000000"/>
                 </a:solidFill>
@@ -7926,7 +7503,7 @@
           </a:p>
           <a:p>
             <a:r>
-              <a:rPr lang="en-US" sz="1200" dirty="0" smtClean="0">
+              <a:rPr lang="en-US" sz="1200" dirty="0">
                 <a:solidFill>
                   <a:srgbClr val="0000FF"/>
                 </a:solidFill>
@@ -7935,7 +7512,7 @@
               <a:t>   </a:t>
             </a:r>
             <a:r>
-              <a:rPr lang="en-US" sz="1200" dirty="0" err="1" smtClean="0">
+              <a:rPr lang="en-US" sz="1200" dirty="0" err="1">
                 <a:solidFill>
                   <a:srgbClr val="0000FF"/>
                 </a:solidFill>
@@ -7944,7 +7521,7 @@
               <a:t>int</a:t>
             </a:r>
             <a:r>
-              <a:rPr lang="en-US" sz="1200" dirty="0" smtClean="0">
+              <a:rPr lang="en-US" sz="1200" dirty="0">
                 <a:solidFill>
                   <a:srgbClr val="000000"/>
                 </a:solidFill>
@@ -7955,7 +7532,7 @@
           </a:p>
           <a:p>
             <a:r>
-              <a:rPr lang="en-US" sz="1200" dirty="0" smtClean="0">
+              <a:rPr lang="en-US" sz="1200" dirty="0">
                 <a:solidFill>
                   <a:srgbClr val="0000FF"/>
                 </a:solidFill>
@@ -7964,7 +7541,7 @@
               <a:t>   </a:t>
             </a:r>
             <a:r>
-              <a:rPr lang="en-US" sz="1200" dirty="0" err="1" smtClean="0">
+              <a:rPr lang="en-US" sz="1200" dirty="0" err="1">
                 <a:solidFill>
                   <a:srgbClr val="0000FF"/>
                 </a:solidFill>
@@ -7973,7 +7550,7 @@
               <a:t>int</a:t>
             </a:r>
             <a:r>
-              <a:rPr lang="en-US" sz="1200" dirty="0" smtClean="0">
+              <a:rPr lang="en-US" sz="1200" dirty="0">
                 <a:solidFill>
                   <a:srgbClr val="000000"/>
                 </a:solidFill>
@@ -7982,7 +7559,7 @@
               <a:t> *</a:t>
             </a:r>
             <a:r>
-              <a:rPr lang="en-US" sz="1200" dirty="0" err="1" smtClean="0">
+              <a:rPr lang="en-US" sz="1200" dirty="0" err="1">
                 <a:solidFill>
                   <a:srgbClr val="000000"/>
                 </a:solidFill>
@@ -7991,7 +7568,7 @@
               <a:t>datap</a:t>
             </a:r>
             <a:r>
-              <a:rPr lang="en-US" sz="1200" dirty="0" smtClean="0">
+              <a:rPr lang="en-US" sz="1200" dirty="0">
                 <a:solidFill>
                   <a:srgbClr val="000000"/>
                 </a:solidFill>
@@ -8002,7 +7579,7 @@
           </a:p>
           <a:p>
             <a:r>
-              <a:rPr lang="en-US" sz="1200" dirty="0" smtClean="0">
+              <a:rPr lang="en-US" sz="1200" dirty="0">
                 <a:solidFill>
                   <a:srgbClr val="000000"/>
                 </a:solidFill>
@@ -8012,237 +7589,231 @@
             </a:r>
           </a:p>
           <a:p>
-            <a:endParaRPr lang="en-US" sz="1200" dirty="0" smtClean="0">
-              <a:solidFill>
-                <a:srgbClr val="000000"/>
-              </a:solidFill>
-              <a:latin typeface="Consolas" panose="020B0609020204030204" pitchFamily="49" charset="0"/>
-            </a:endParaRPr>
-          </a:p>
-          <a:p>
-            <a:r>
-              <a:rPr lang="en-US" sz="1200" dirty="0" smtClean="0">
-                <a:solidFill>
-                  <a:srgbClr val="0000FF"/>
-                </a:solidFill>
-                <a:latin typeface="Consolas" panose="020B0609020204030204" pitchFamily="49" charset="0"/>
-              </a:rPr>
-              <a:t>void</a:t>
-            </a:r>
-            <a:r>
-              <a:rPr lang="en-US" sz="1200" dirty="0" smtClean="0">
-                <a:solidFill>
-                  <a:srgbClr val="000000"/>
-                </a:solidFill>
-                <a:latin typeface="Consolas" panose="020B0609020204030204" pitchFamily="49" charset="0"/>
-              </a:rPr>
-              <a:t>* THREAD_FUNCTION(</a:t>
-            </a:r>
-            <a:r>
-              <a:rPr lang="en-US" sz="1200" dirty="0" smtClean="0">
-                <a:solidFill>
-                  <a:srgbClr val="0000FF"/>
-                </a:solidFill>
-                <a:latin typeface="Consolas" panose="020B0609020204030204" pitchFamily="49" charset="0"/>
-              </a:rPr>
-              <a:t>void</a:t>
-            </a:r>
-            <a:r>
-              <a:rPr lang="en-US" sz="1200" dirty="0" smtClean="0">
-                <a:solidFill>
-                  <a:srgbClr val="000000"/>
-                </a:solidFill>
-                <a:latin typeface="Consolas" panose="020B0609020204030204" pitchFamily="49" charset="0"/>
-              </a:rPr>
-              <a:t>* </a:t>
-            </a:r>
-            <a:r>
-              <a:rPr lang="en-US" sz="1200" dirty="0" err="1" smtClean="0">
-                <a:solidFill>
-                  <a:srgbClr val="808080"/>
-                </a:solidFill>
-                <a:latin typeface="Consolas" panose="020B0609020204030204" pitchFamily="49" charset="0"/>
-              </a:rPr>
-              <a:t>arg</a:t>
-            </a:r>
-            <a:r>
-              <a:rPr lang="en-US" sz="1200" dirty="0" smtClean="0">
-                <a:solidFill>
-                  <a:srgbClr val="000000"/>
-                </a:solidFill>
-                <a:latin typeface="Consolas" panose="020B0609020204030204" pitchFamily="49" charset="0"/>
-              </a:rPr>
-              <a:t>) {</a:t>
-            </a:r>
-          </a:p>
-          <a:p>
-            <a:r>
-              <a:rPr lang="en-US" sz="1200" dirty="0" smtClean="0">
-                <a:solidFill>
-                  <a:srgbClr val="2B91AF"/>
-                </a:solidFill>
-                <a:latin typeface="Consolas" panose="020B0609020204030204" pitchFamily="49" charset="0"/>
-              </a:rPr>
-              <a:t>   THREAD_ARGS</a:t>
-            </a:r>
-            <a:r>
-              <a:rPr lang="en-US" sz="1200" dirty="0" smtClean="0">
-                <a:solidFill>
-                  <a:srgbClr val="000000"/>
-                </a:solidFill>
-                <a:latin typeface="Consolas" panose="020B0609020204030204" pitchFamily="49" charset="0"/>
-              </a:rPr>
-              <a:t> *ta = (</a:t>
-            </a:r>
-            <a:r>
-              <a:rPr lang="en-US" sz="1200" dirty="0" smtClean="0">
-                <a:solidFill>
-                  <a:srgbClr val="2B91AF"/>
-                </a:solidFill>
-                <a:latin typeface="Consolas" panose="020B0609020204030204" pitchFamily="49" charset="0"/>
-              </a:rPr>
-              <a:t>THREAD_ARGS</a:t>
-            </a:r>
-            <a:r>
-              <a:rPr lang="en-US" sz="1200" dirty="0" smtClean="0">
-                <a:solidFill>
-                  <a:srgbClr val="000000"/>
-                </a:solidFill>
-                <a:latin typeface="Consolas" panose="020B0609020204030204" pitchFamily="49" charset="0"/>
-              </a:rPr>
-              <a:t>*)</a:t>
-            </a:r>
-            <a:r>
-              <a:rPr lang="en-US" sz="1200" dirty="0" err="1" smtClean="0">
-                <a:solidFill>
-                  <a:srgbClr val="808080"/>
-                </a:solidFill>
-                <a:latin typeface="Consolas" panose="020B0609020204030204" pitchFamily="49" charset="0"/>
-              </a:rPr>
-              <a:t>arg</a:t>
-            </a:r>
-            <a:r>
-              <a:rPr lang="en-US" sz="1200" dirty="0" smtClean="0">
-                <a:solidFill>
-                  <a:srgbClr val="000000"/>
-                </a:solidFill>
-                <a:latin typeface="Consolas" panose="020B0609020204030204" pitchFamily="49" charset="0"/>
-              </a:rPr>
-              <a:t>;</a:t>
-            </a:r>
-          </a:p>
-          <a:p>
-            <a:r>
-              <a:rPr lang="nn-NO" sz="1200" dirty="0" smtClean="0">
-                <a:solidFill>
-                  <a:srgbClr val="0000FF"/>
-                </a:solidFill>
-                <a:latin typeface="Consolas" panose="020B0609020204030204" pitchFamily="49" charset="0"/>
-              </a:rPr>
-              <a:t>   for</a:t>
-            </a:r>
-            <a:r>
-              <a:rPr lang="nn-NO" sz="1200" dirty="0" smtClean="0">
-                <a:solidFill>
-                  <a:srgbClr val="000000"/>
-                </a:solidFill>
-                <a:latin typeface="Consolas" panose="020B0609020204030204" pitchFamily="49" charset="0"/>
-              </a:rPr>
-              <a:t> (</a:t>
-            </a:r>
-            <a:r>
-              <a:rPr lang="nn-NO" sz="1200" dirty="0" smtClean="0">
-                <a:solidFill>
-                  <a:srgbClr val="0000FF"/>
-                </a:solidFill>
-                <a:latin typeface="Consolas" panose="020B0609020204030204" pitchFamily="49" charset="0"/>
-              </a:rPr>
-              <a:t>int</a:t>
-            </a:r>
-            <a:r>
-              <a:rPr lang="nn-NO" sz="1200" dirty="0" smtClean="0">
-                <a:solidFill>
-                  <a:srgbClr val="000000"/>
-                </a:solidFill>
-                <a:latin typeface="Consolas" panose="020B0609020204030204" pitchFamily="49" charset="0"/>
-              </a:rPr>
-              <a:t> i = 0; i &lt; ta-&gt;n; i++) {</a:t>
-            </a:r>
-          </a:p>
-          <a:p>
-            <a:r>
-              <a:rPr lang="en-US" sz="1200" dirty="0" smtClean="0">
-                <a:solidFill>
-                  <a:srgbClr val="000000"/>
-                </a:solidFill>
-                <a:latin typeface="Consolas" panose="020B0609020204030204" pitchFamily="49" charset="0"/>
-              </a:rPr>
-              <a:t>      *(ta-&gt;</a:t>
-            </a:r>
-            <a:r>
-              <a:rPr lang="en-US" sz="1200" dirty="0" err="1" smtClean="0">
-                <a:solidFill>
-                  <a:srgbClr val="000000"/>
-                </a:solidFill>
-                <a:latin typeface="Consolas" panose="020B0609020204030204" pitchFamily="49" charset="0"/>
-              </a:rPr>
-              <a:t>datap</a:t>
-            </a:r>
-            <a:r>
-              <a:rPr lang="en-US" sz="1200" dirty="0" smtClean="0">
-                <a:solidFill>
-                  <a:srgbClr val="000000"/>
-                </a:solidFill>
-                <a:latin typeface="Consolas" panose="020B0609020204030204" pitchFamily="49" charset="0"/>
-              </a:rPr>
-              <a:t>) = *(ta-&gt;</a:t>
-            </a:r>
-            <a:r>
-              <a:rPr lang="en-US" sz="1200" dirty="0" err="1" smtClean="0">
-                <a:solidFill>
-                  <a:srgbClr val="000000"/>
-                </a:solidFill>
-                <a:latin typeface="Consolas" panose="020B0609020204030204" pitchFamily="49" charset="0"/>
-              </a:rPr>
-              <a:t>datap</a:t>
-            </a:r>
-            <a:r>
-              <a:rPr lang="en-US" sz="1200" dirty="0" smtClean="0">
-                <a:solidFill>
-                  <a:srgbClr val="000000"/>
-                </a:solidFill>
-                <a:latin typeface="Consolas" panose="020B0609020204030204" pitchFamily="49" charset="0"/>
-              </a:rPr>
-              <a:t>) + 1;</a:t>
-            </a:r>
-          </a:p>
-          <a:p>
-            <a:r>
-              <a:rPr lang="en-US" sz="1200" dirty="0" smtClean="0">
-                <a:solidFill>
-                  <a:srgbClr val="000000"/>
-                </a:solidFill>
-                <a:latin typeface="Consolas" panose="020B0609020204030204" pitchFamily="49" charset="0"/>
-              </a:rPr>
-              <a:t>   }</a:t>
-            </a:r>
-          </a:p>
-          <a:p>
-            <a:r>
-              <a:rPr lang="en-US" sz="1200" dirty="0" smtClean="0">
-                <a:solidFill>
-                  <a:srgbClr val="000000"/>
-                </a:solidFill>
-                <a:latin typeface="Consolas" panose="020B0609020204030204" pitchFamily="49" charset="0"/>
-              </a:rPr>
-              <a:t>}</a:t>
-            </a:r>
             <a:endParaRPr lang="en-US" sz="1200" dirty="0">
               <a:solidFill>
                 <a:srgbClr val="000000"/>
               </a:solidFill>
               <a:latin typeface="Consolas" panose="020B0609020204030204" pitchFamily="49" charset="0"/>
             </a:endParaRPr>
+          </a:p>
+          <a:p>
+            <a:r>
+              <a:rPr lang="en-US" sz="1200" dirty="0">
+                <a:solidFill>
+                  <a:srgbClr val="0000FF"/>
+                </a:solidFill>
+                <a:latin typeface="Consolas" panose="020B0609020204030204" pitchFamily="49" charset="0"/>
+              </a:rPr>
+              <a:t>void</a:t>
+            </a:r>
+            <a:r>
+              <a:rPr lang="en-US" sz="1200" dirty="0">
+                <a:solidFill>
+                  <a:srgbClr val="000000"/>
+                </a:solidFill>
+                <a:latin typeface="Consolas" panose="020B0609020204030204" pitchFamily="49" charset="0"/>
+              </a:rPr>
+              <a:t>* THREAD_FUNCTION(</a:t>
+            </a:r>
+            <a:r>
+              <a:rPr lang="en-US" sz="1200" dirty="0">
+                <a:solidFill>
+                  <a:srgbClr val="0000FF"/>
+                </a:solidFill>
+                <a:latin typeface="Consolas" panose="020B0609020204030204" pitchFamily="49" charset="0"/>
+              </a:rPr>
+              <a:t>void</a:t>
+            </a:r>
+            <a:r>
+              <a:rPr lang="en-US" sz="1200" dirty="0">
+                <a:solidFill>
+                  <a:srgbClr val="000000"/>
+                </a:solidFill>
+                <a:latin typeface="Consolas" panose="020B0609020204030204" pitchFamily="49" charset="0"/>
+              </a:rPr>
+              <a:t>* </a:t>
+            </a:r>
+            <a:r>
+              <a:rPr lang="en-US" sz="1200" dirty="0" err="1">
+                <a:solidFill>
+                  <a:srgbClr val="808080"/>
+                </a:solidFill>
+                <a:latin typeface="Consolas" panose="020B0609020204030204" pitchFamily="49" charset="0"/>
+              </a:rPr>
+              <a:t>arg</a:t>
+            </a:r>
+            <a:r>
+              <a:rPr lang="en-US" sz="1200" dirty="0">
+                <a:solidFill>
+                  <a:srgbClr val="000000"/>
+                </a:solidFill>
+                <a:latin typeface="Consolas" panose="020B0609020204030204" pitchFamily="49" charset="0"/>
+              </a:rPr>
+              <a:t>) {</a:t>
+            </a:r>
+          </a:p>
+          <a:p>
+            <a:r>
+              <a:rPr lang="en-US" sz="1200" dirty="0">
+                <a:solidFill>
+                  <a:srgbClr val="2B91AF"/>
+                </a:solidFill>
+                <a:latin typeface="Consolas" panose="020B0609020204030204" pitchFamily="49" charset="0"/>
+              </a:rPr>
+              <a:t>   THREAD_ARGS</a:t>
+            </a:r>
+            <a:r>
+              <a:rPr lang="en-US" sz="1200" dirty="0">
+                <a:solidFill>
+                  <a:srgbClr val="000000"/>
+                </a:solidFill>
+                <a:latin typeface="Consolas" panose="020B0609020204030204" pitchFamily="49" charset="0"/>
+              </a:rPr>
+              <a:t> *ta = (</a:t>
+            </a:r>
+            <a:r>
+              <a:rPr lang="en-US" sz="1200" dirty="0">
+                <a:solidFill>
+                  <a:srgbClr val="2B91AF"/>
+                </a:solidFill>
+                <a:latin typeface="Consolas" panose="020B0609020204030204" pitchFamily="49" charset="0"/>
+              </a:rPr>
+              <a:t>THREAD_ARGS</a:t>
+            </a:r>
+            <a:r>
+              <a:rPr lang="en-US" sz="1200" dirty="0">
+                <a:solidFill>
+                  <a:srgbClr val="000000"/>
+                </a:solidFill>
+                <a:latin typeface="Consolas" panose="020B0609020204030204" pitchFamily="49" charset="0"/>
+              </a:rPr>
+              <a:t>*)</a:t>
+            </a:r>
+            <a:r>
+              <a:rPr lang="en-US" sz="1200" dirty="0" err="1">
+                <a:solidFill>
+                  <a:srgbClr val="808080"/>
+                </a:solidFill>
+                <a:latin typeface="Consolas" panose="020B0609020204030204" pitchFamily="49" charset="0"/>
+              </a:rPr>
+              <a:t>arg</a:t>
+            </a:r>
+            <a:r>
+              <a:rPr lang="en-US" sz="1200" dirty="0">
+                <a:solidFill>
+                  <a:srgbClr val="000000"/>
+                </a:solidFill>
+                <a:latin typeface="Consolas" panose="020B0609020204030204" pitchFamily="49" charset="0"/>
+              </a:rPr>
+              <a:t>;</a:t>
+            </a:r>
+          </a:p>
+          <a:p>
+            <a:r>
+              <a:rPr lang="nn-NO" sz="1200" dirty="0">
+                <a:solidFill>
+                  <a:srgbClr val="0000FF"/>
+                </a:solidFill>
+                <a:latin typeface="Consolas" panose="020B0609020204030204" pitchFamily="49" charset="0"/>
+              </a:rPr>
+              <a:t>   for</a:t>
+            </a:r>
+            <a:r>
+              <a:rPr lang="nn-NO" sz="1200" dirty="0">
+                <a:solidFill>
+                  <a:srgbClr val="000000"/>
+                </a:solidFill>
+                <a:latin typeface="Consolas" panose="020B0609020204030204" pitchFamily="49" charset="0"/>
+              </a:rPr>
+              <a:t> (</a:t>
+            </a:r>
+            <a:r>
+              <a:rPr lang="nn-NO" sz="1200" dirty="0">
+                <a:solidFill>
+                  <a:srgbClr val="0000FF"/>
+                </a:solidFill>
+                <a:latin typeface="Consolas" panose="020B0609020204030204" pitchFamily="49" charset="0"/>
+              </a:rPr>
+              <a:t>int</a:t>
+            </a:r>
+            <a:r>
+              <a:rPr lang="nn-NO" sz="1200" dirty="0">
+                <a:solidFill>
+                  <a:srgbClr val="000000"/>
+                </a:solidFill>
+                <a:latin typeface="Consolas" panose="020B0609020204030204" pitchFamily="49" charset="0"/>
+              </a:rPr>
+              <a:t> i = 0; i &lt; ta-&gt;n; i++) {</a:t>
+            </a:r>
+          </a:p>
+          <a:p>
+            <a:r>
+              <a:rPr lang="en-US" sz="1200" dirty="0">
+                <a:solidFill>
+                  <a:srgbClr val="000000"/>
+                </a:solidFill>
+                <a:latin typeface="Consolas" panose="020B0609020204030204" pitchFamily="49" charset="0"/>
+              </a:rPr>
+              <a:t>      *(ta-&gt;</a:t>
+            </a:r>
+            <a:r>
+              <a:rPr lang="en-US" sz="1200" dirty="0" err="1">
+                <a:solidFill>
+                  <a:srgbClr val="000000"/>
+                </a:solidFill>
+                <a:latin typeface="Consolas" panose="020B0609020204030204" pitchFamily="49" charset="0"/>
+              </a:rPr>
+              <a:t>datap</a:t>
+            </a:r>
+            <a:r>
+              <a:rPr lang="en-US" sz="1200" dirty="0">
+                <a:solidFill>
+                  <a:srgbClr val="000000"/>
+                </a:solidFill>
+                <a:latin typeface="Consolas" panose="020B0609020204030204" pitchFamily="49" charset="0"/>
+              </a:rPr>
+              <a:t>) = *(ta-&gt;</a:t>
+            </a:r>
+            <a:r>
+              <a:rPr lang="en-US" sz="1200" dirty="0" err="1">
+                <a:solidFill>
+                  <a:srgbClr val="000000"/>
+                </a:solidFill>
+                <a:latin typeface="Consolas" panose="020B0609020204030204" pitchFamily="49" charset="0"/>
+              </a:rPr>
+              <a:t>datap</a:t>
+            </a:r>
+            <a:r>
+              <a:rPr lang="en-US" sz="1200" dirty="0">
+                <a:solidFill>
+                  <a:srgbClr val="000000"/>
+                </a:solidFill>
+                <a:latin typeface="Consolas" panose="020B0609020204030204" pitchFamily="49" charset="0"/>
+              </a:rPr>
+              <a:t>) + 1;</a:t>
+            </a:r>
+          </a:p>
+          <a:p>
+            <a:r>
+              <a:rPr lang="en-US" sz="1200" dirty="0">
+                <a:solidFill>
+                  <a:srgbClr val="000000"/>
+                </a:solidFill>
+                <a:latin typeface="Consolas" panose="020B0609020204030204" pitchFamily="49" charset="0"/>
+              </a:rPr>
+              <a:t>   }</a:t>
+            </a:r>
+          </a:p>
+          <a:p>
+            <a:r>
+              <a:rPr lang="en-US" sz="1200" dirty="0">
+                <a:solidFill>
+                  <a:srgbClr val="000000"/>
+                </a:solidFill>
+                <a:latin typeface="Consolas" panose="020B0609020204030204" pitchFamily="49" charset="0"/>
+              </a:rPr>
+              <a:t>}</a:t>
+            </a:r>
           </a:p>
         </p:txBody>
       </p:sp>
@@ -8288,7 +7859,7 @@
           </a:p>
           <a:p>
             <a:r>
-              <a:rPr lang="en-US" sz="1200" dirty="0" smtClean="0">
+              <a:rPr lang="en-US" sz="1200" dirty="0">
                 <a:solidFill>
                   <a:srgbClr val="2B91AF"/>
                 </a:solidFill>
@@ -8297,7 +7868,152 @@
               <a:t>   THREAD_ARGS</a:t>
             </a:r>
             <a:r>
-              <a:rPr lang="en-US" sz="1200" dirty="0" smtClean="0">
+              <a:rPr lang="en-US" sz="1200" dirty="0">
+                <a:solidFill>
+                  <a:srgbClr val="000000"/>
+                </a:solidFill>
+                <a:latin typeface="Consolas" panose="020B0609020204030204" pitchFamily="49" charset="0"/>
+              </a:rPr>
+              <a:t> ta;</a:t>
+            </a:r>
+          </a:p>
+          <a:p>
+            <a:r>
+              <a:rPr lang="en-US" sz="1200" dirty="0">
+                <a:solidFill>
+                  <a:srgbClr val="0000FF"/>
+                </a:solidFill>
+                <a:latin typeface="Consolas" panose="020B0609020204030204" pitchFamily="49" charset="0"/>
+              </a:rPr>
+              <a:t>   </a:t>
+            </a:r>
+            <a:r>
+              <a:rPr lang="en-US" sz="1200" dirty="0" err="1">
+                <a:solidFill>
+                  <a:srgbClr val="0000FF"/>
+                </a:solidFill>
+                <a:latin typeface="Consolas" panose="020B0609020204030204" pitchFamily="49" charset="0"/>
+              </a:rPr>
+              <a:t>int</a:t>
+            </a:r>
+            <a:r>
+              <a:rPr lang="en-US" sz="1200" dirty="0">
+                <a:solidFill>
+                  <a:srgbClr val="000000"/>
+                </a:solidFill>
+                <a:latin typeface="Consolas" panose="020B0609020204030204" pitchFamily="49" charset="0"/>
+              </a:rPr>
+              <a:t> data = 0;</a:t>
+            </a:r>
+          </a:p>
+          <a:p>
+            <a:r>
+              <a:rPr lang="en-US" sz="1200" dirty="0">
+                <a:solidFill>
+                  <a:srgbClr val="000000"/>
+                </a:solidFill>
+                <a:latin typeface="Consolas" panose="020B0609020204030204" pitchFamily="49" charset="0"/>
+              </a:rPr>
+              <a:t>   </a:t>
+            </a:r>
+            <a:r>
+              <a:rPr lang="en-US" sz="1200" dirty="0" err="1">
+                <a:solidFill>
+                  <a:srgbClr val="000000"/>
+                </a:solidFill>
+                <a:latin typeface="Consolas" panose="020B0609020204030204" pitchFamily="49" charset="0"/>
+              </a:rPr>
+              <a:t>ta.datap</a:t>
+            </a:r>
+            <a:r>
+              <a:rPr lang="en-US" sz="1200" dirty="0">
+                <a:solidFill>
+                  <a:srgbClr val="000000"/>
+                </a:solidFill>
+                <a:latin typeface="Consolas" panose="020B0609020204030204" pitchFamily="49" charset="0"/>
+              </a:rPr>
+              <a:t> = &amp;data;</a:t>
+            </a:r>
+          </a:p>
+          <a:p>
+            <a:r>
+              <a:rPr lang="en-US" sz="1200" dirty="0">
+                <a:solidFill>
+                  <a:srgbClr val="0000FF"/>
+                </a:solidFill>
+                <a:latin typeface="Consolas" panose="020B0609020204030204" pitchFamily="49" charset="0"/>
+              </a:rPr>
+              <a:t>   </a:t>
+            </a:r>
+            <a:r>
+              <a:rPr lang="en-US" sz="1200" dirty="0" err="1">
+                <a:solidFill>
+                  <a:srgbClr val="0000FF"/>
+                </a:solidFill>
+                <a:latin typeface="Consolas" panose="020B0609020204030204" pitchFamily="49" charset="0"/>
+              </a:rPr>
+              <a:t>int</a:t>
+            </a:r>
+            <a:r>
+              <a:rPr lang="en-US" sz="1200" dirty="0">
+                <a:solidFill>
+                  <a:srgbClr val="000000"/>
+                </a:solidFill>
+                <a:latin typeface="Consolas" panose="020B0609020204030204" pitchFamily="49" charset="0"/>
+              </a:rPr>
+              <a:t> n = 10000;</a:t>
+            </a:r>
+          </a:p>
+          <a:p>
+            <a:r>
+              <a:rPr lang="en-US" sz="1200" dirty="0">
+                <a:solidFill>
+                  <a:srgbClr val="000000"/>
+                </a:solidFill>
+                <a:latin typeface="Consolas" panose="020B0609020204030204" pitchFamily="49" charset="0"/>
+              </a:rPr>
+              <a:t>   </a:t>
+            </a:r>
+            <a:r>
+              <a:rPr lang="en-US" sz="1200" dirty="0" err="1">
+                <a:solidFill>
+                  <a:srgbClr val="000000"/>
+                </a:solidFill>
+                <a:latin typeface="Consolas" panose="020B0609020204030204" pitchFamily="49" charset="0"/>
+              </a:rPr>
+              <a:t>ta.n</a:t>
+            </a:r>
+            <a:r>
+              <a:rPr lang="en-US" sz="1200" dirty="0">
+                <a:solidFill>
+                  <a:srgbClr val="000000"/>
+                </a:solidFill>
+                <a:latin typeface="Consolas" panose="020B0609020204030204" pitchFamily="49" charset="0"/>
+              </a:rPr>
+              <a:t> = n;</a:t>
+            </a:r>
+          </a:p>
+          <a:p>
+            <a:r>
+              <a:rPr lang="en-US" sz="1200" dirty="0">
+                <a:solidFill>
+                  <a:srgbClr val="0000FF"/>
+                </a:solidFill>
+                <a:latin typeface="Consolas" panose="020B0609020204030204" pitchFamily="49" charset="0"/>
+              </a:rPr>
+              <a:t>   </a:t>
+            </a:r>
+            <a:r>
+              <a:rPr lang="en-US" sz="1200" dirty="0" err="1">
+                <a:solidFill>
+                  <a:srgbClr val="0000FF"/>
+                </a:solidFill>
+                <a:latin typeface="Consolas" panose="020B0609020204030204" pitchFamily="49" charset="0"/>
+              </a:rPr>
+              <a:t>int</a:t>
+            </a:r>
+            <a:r>
+              <a:rPr lang="en-US" sz="1200" dirty="0">
                 <a:solidFill>
                   <a:srgbClr val="000000"/>
                 </a:solidFill>
@@ -8306,18 +8022,92 @@
               <a:t> </a:t>
             </a:r>
             <a:r>
+              <a:rPr lang="en-US" sz="1200" dirty="0" err="1">
+                <a:solidFill>
+                  <a:srgbClr val="000000"/>
+                </a:solidFill>
+                <a:latin typeface="Consolas" panose="020B0609020204030204" pitchFamily="49" charset="0"/>
+              </a:rPr>
+              <a:t>nthreads</a:t>
+            </a:r>
+            <a:r>
               <a:rPr lang="en-US" sz="1200" dirty="0">
                 <a:solidFill>
                   <a:srgbClr val="000000"/>
                 </a:solidFill>
                 <a:latin typeface="Consolas" panose="020B0609020204030204" pitchFamily="49" charset="0"/>
               </a:rPr>
-              <a:t>ta;</a:t>
-            </a:r>
-          </a:p>
-          <a:p>
-            <a:r>
-              <a:rPr lang="en-US" sz="1200" dirty="0" smtClean="0">
+              <a:t> = 50;</a:t>
+            </a:r>
+          </a:p>
+          <a:p>
+            <a:r>
+              <a:rPr lang="en-US" sz="1200" dirty="0">
+                <a:solidFill>
+                  <a:srgbClr val="000000"/>
+                </a:solidFill>
+                <a:latin typeface="Consolas" panose="020B0609020204030204" pitchFamily="49" charset="0"/>
+              </a:rPr>
+              <a:t>   </a:t>
+            </a:r>
+            <a:r>
+              <a:rPr lang="en-US" sz="1200" dirty="0" err="1">
+                <a:solidFill>
+                  <a:srgbClr val="000000"/>
+                </a:solidFill>
+                <a:latin typeface="Consolas" panose="020B0609020204030204" pitchFamily="49" charset="0"/>
+              </a:rPr>
+              <a:t>pthread_t</a:t>
+            </a:r>
+            <a:r>
+              <a:rPr lang="en-US" sz="1200" dirty="0">
+                <a:solidFill>
+                  <a:srgbClr val="000000"/>
+                </a:solidFill>
+                <a:latin typeface="Consolas" panose="020B0609020204030204" pitchFamily="49" charset="0"/>
+              </a:rPr>
+              <a:t> </a:t>
+            </a:r>
+            <a:r>
+              <a:rPr lang="en-US" sz="1200" dirty="0" err="1">
+                <a:solidFill>
+                  <a:srgbClr val="000000"/>
+                </a:solidFill>
+                <a:latin typeface="Consolas" panose="020B0609020204030204" pitchFamily="49" charset="0"/>
+              </a:rPr>
+              <a:t>tids</a:t>
+            </a:r>
+            <a:r>
+              <a:rPr lang="en-US" sz="1200" dirty="0">
+                <a:solidFill>
+                  <a:srgbClr val="000000"/>
+                </a:solidFill>
+                <a:latin typeface="Consolas" panose="020B0609020204030204" pitchFamily="49" charset="0"/>
+              </a:rPr>
+              <a:t>[</a:t>
+            </a:r>
+            <a:r>
+              <a:rPr lang="en-US" sz="1200" dirty="0" err="1">
+                <a:solidFill>
+                  <a:srgbClr val="000000"/>
+                </a:solidFill>
+                <a:latin typeface="Consolas" panose="020B0609020204030204" pitchFamily="49" charset="0"/>
+              </a:rPr>
+              <a:t>nthreads</a:t>
+            </a:r>
+            <a:r>
+              <a:rPr lang="en-US" sz="1200" dirty="0">
+                <a:solidFill>
+                  <a:srgbClr val="000000"/>
+                </a:solidFill>
+                <a:latin typeface="Consolas" panose="020B0609020204030204" pitchFamily="49" charset="0"/>
+              </a:rPr>
+              <a:t>];</a:t>
+            </a:r>
+          </a:p>
+          <a:p>
+            <a:r>
+              <a:rPr lang="en-US" sz="1200" dirty="0">
                 <a:solidFill>
                   <a:srgbClr val="0000FF"/>
                 </a:solidFill>
@@ -8325,17 +8115,37 @@
               </a:rPr>
               <a:t>   </a:t>
             </a:r>
-            <a:r>
-              <a:rPr lang="en-US" sz="1200" dirty="0" err="1" smtClean="0">
+          </a:p>
+          <a:p>
+            <a:r>
+              <a:rPr lang="en-US" sz="1200" dirty="0">
                 <a:solidFill>
                   <a:srgbClr val="0000FF"/>
                 </a:solidFill>
                 <a:latin typeface="Consolas" panose="020B0609020204030204" pitchFamily="49" charset="0"/>
               </a:rPr>
+              <a:t>   for</a:t>
+            </a:r>
+            <a:r>
+              <a:rPr lang="en-US" sz="1200" dirty="0">
+                <a:solidFill>
+                  <a:srgbClr val="000000"/>
+                </a:solidFill>
+                <a:latin typeface="Consolas" panose="020B0609020204030204" pitchFamily="49" charset="0"/>
+              </a:rPr>
+              <a:t> (</a:t>
+            </a:r>
+            <a:r>
+              <a:rPr lang="en-US" sz="1200" dirty="0" err="1">
+                <a:solidFill>
+                  <a:srgbClr val="0000FF"/>
+                </a:solidFill>
+                <a:latin typeface="Consolas" panose="020B0609020204030204" pitchFamily="49" charset="0"/>
+              </a:rPr>
               <a:t>int</a:t>
             </a:r>
             <a:r>
-              <a:rPr lang="en-US" sz="1200" dirty="0" smtClean="0">
+              <a:rPr lang="en-US" sz="1200" dirty="0">
                 <a:solidFill>
                   <a:srgbClr val="000000"/>
                 </a:solidFill>
@@ -8344,42 +8154,31 @@
               <a:t> </a:t>
             </a:r>
             <a:r>
+              <a:rPr lang="en-US" sz="1200" dirty="0" err="1">
+                <a:solidFill>
+                  <a:srgbClr val="000000"/>
+                </a:solidFill>
+                <a:latin typeface="Consolas" panose="020B0609020204030204" pitchFamily="49" charset="0"/>
+              </a:rPr>
+              <a:t>i</a:t>
+            </a:r>
+            <a:r>
               <a:rPr lang="en-US" sz="1200" dirty="0">
                 <a:solidFill>
                   <a:srgbClr val="000000"/>
                 </a:solidFill>
                 <a:latin typeface="Consolas" panose="020B0609020204030204" pitchFamily="49" charset="0"/>
               </a:rPr>
-              <a:t>data = 0;</a:t>
-            </a:r>
-          </a:p>
-          <a:p>
-            <a:r>
-              <a:rPr lang="en-US" sz="1200" dirty="0" smtClean="0">
-                <a:solidFill>
-                  <a:srgbClr val="000000"/>
-                </a:solidFill>
-                <a:latin typeface="Consolas" panose="020B0609020204030204" pitchFamily="49" charset="0"/>
-              </a:rPr>
-              <a:t>   </a:t>
-            </a:r>
-            <a:r>
-              <a:rPr lang="en-US" sz="1200" dirty="0" err="1" smtClean="0">
-                <a:solidFill>
-                  <a:srgbClr val="000000"/>
-                </a:solidFill>
-                <a:latin typeface="Consolas" panose="020B0609020204030204" pitchFamily="49" charset="0"/>
-              </a:rPr>
-              <a:t>ta.datap</a:t>
-            </a:r>
-            <a:r>
-              <a:rPr lang="en-US" sz="1200" dirty="0" smtClean="0">
-                <a:solidFill>
-                  <a:srgbClr val="000000"/>
-                </a:solidFill>
-                <a:latin typeface="Consolas" panose="020B0609020204030204" pitchFamily="49" charset="0"/>
-              </a:rPr>
-              <a:t> </a:t>
+              <a:t> = 0; </a:t>
+            </a:r>
+            <a:r>
+              <a:rPr lang="en-US" sz="1200" dirty="0" err="1">
+                <a:solidFill>
+                  <a:srgbClr val="000000"/>
+                </a:solidFill>
+                <a:latin typeface="Consolas" panose="020B0609020204030204" pitchFamily="49" charset="0"/>
+              </a:rPr>
+              <a:t>i</a:t>
             </a:r>
             <a:r>
               <a:rPr lang="en-US" sz="1200" dirty="0">
@@ -8388,36 +8187,16 @@
                 </a:solidFill>
                 <a:latin typeface="Consolas" panose="020B0609020204030204" pitchFamily="49" charset="0"/>
               </a:rPr>
-              <a:t>= &amp;data;</a:t>
-            </a:r>
-          </a:p>
-          <a:p>
-            <a:r>
-              <a:rPr lang="en-US" sz="1200" dirty="0" smtClean="0">
-                <a:solidFill>
-                  <a:srgbClr val="0000FF"/>
-                </a:solidFill>
-                <a:latin typeface="Consolas" panose="020B0609020204030204" pitchFamily="49" charset="0"/>
-              </a:rPr>
-              <a:t>   </a:t>
-            </a:r>
-            <a:r>
-              <a:rPr lang="en-US" sz="1200" dirty="0" err="1" smtClean="0">
-                <a:solidFill>
-                  <a:srgbClr val="0000FF"/>
-                </a:solidFill>
-                <a:latin typeface="Consolas" panose="020B0609020204030204" pitchFamily="49" charset="0"/>
-              </a:rPr>
-              <a:t>int</a:t>
-            </a:r>
-            <a:r>
-              <a:rPr lang="en-US" sz="1200" dirty="0" smtClean="0">
-                <a:solidFill>
-                  <a:srgbClr val="000000"/>
-                </a:solidFill>
-                <a:latin typeface="Consolas" panose="020B0609020204030204" pitchFamily="49" charset="0"/>
-              </a:rPr>
-              <a:t> </a:t>
+              <a:t> &lt; </a:t>
+            </a:r>
+            <a:r>
+              <a:rPr lang="en-US" sz="1200" dirty="0" err="1">
+                <a:solidFill>
+                  <a:srgbClr val="000000"/>
+                </a:solidFill>
+                <a:latin typeface="Consolas" panose="020B0609020204030204" pitchFamily="49" charset="0"/>
+              </a:rPr>
+              <a:t>nthreads</a:t>
             </a:r>
             <a:r>
               <a:rPr lang="en-US" sz="1200" dirty="0">
@@ -8426,36 +8205,16 @@
                 </a:solidFill>
                 <a:latin typeface="Consolas" panose="020B0609020204030204" pitchFamily="49" charset="0"/>
               </a:rPr>
-              <a:t>n = 10000;</a:t>
-            </a:r>
-          </a:p>
-          <a:p>
-            <a:r>
-              <a:rPr lang="en-US" sz="1200" dirty="0" smtClean="0">
-                <a:solidFill>
-                  <a:srgbClr val="000000"/>
-                </a:solidFill>
-                <a:latin typeface="Consolas" panose="020B0609020204030204" pitchFamily="49" charset="0"/>
-              </a:rPr>
-              <a:t>   </a:t>
-            </a:r>
-            <a:r>
-              <a:rPr lang="en-US" sz="1200" dirty="0" err="1" smtClean="0">
-                <a:solidFill>
-                  <a:srgbClr val="000000"/>
-                </a:solidFill>
-                <a:latin typeface="Consolas" panose="020B0609020204030204" pitchFamily="49" charset="0"/>
-              </a:rPr>
-              <a:t>ta.n</a:t>
-            </a:r>
-            <a:r>
-              <a:rPr lang="en-US" sz="1200" dirty="0" smtClean="0">
-                <a:solidFill>
-                  <a:srgbClr val="000000"/>
-                </a:solidFill>
-                <a:latin typeface="Consolas" panose="020B0609020204030204" pitchFamily="49" charset="0"/>
-              </a:rPr>
-              <a:t> </a:t>
+              <a:t>, </a:t>
+            </a:r>
+            <a:r>
+              <a:rPr lang="en-US" sz="1200" dirty="0" err="1">
+                <a:solidFill>
+                  <a:srgbClr val="000000"/>
+                </a:solidFill>
+                <a:latin typeface="Consolas" panose="020B0609020204030204" pitchFamily="49" charset="0"/>
+              </a:rPr>
+              <a:t>i</a:t>
             </a:r>
             <a:r>
               <a:rPr lang="en-US" sz="1200" dirty="0">
@@ -8464,272 +8223,21 @@
                 </a:solidFill>
                 <a:latin typeface="Consolas" panose="020B0609020204030204" pitchFamily="49" charset="0"/>
               </a:rPr>
-              <a:t>= n;</a:t>
-            </a:r>
-          </a:p>
-          <a:p>
-            <a:r>
-              <a:rPr lang="en-US" sz="1200" dirty="0" smtClean="0">
-                <a:solidFill>
-                  <a:srgbClr val="0000FF"/>
-                </a:solidFill>
-                <a:latin typeface="Consolas" panose="020B0609020204030204" pitchFamily="49" charset="0"/>
-              </a:rPr>
-              <a:t>   </a:t>
-            </a:r>
-            <a:r>
-              <a:rPr lang="en-US" sz="1200" dirty="0" err="1" smtClean="0">
-                <a:solidFill>
-                  <a:srgbClr val="0000FF"/>
-                </a:solidFill>
-                <a:latin typeface="Consolas" panose="020B0609020204030204" pitchFamily="49" charset="0"/>
-              </a:rPr>
-              <a:t>int</a:t>
-            </a:r>
-            <a:r>
-              <a:rPr lang="en-US" sz="1200" dirty="0" smtClean="0">
-                <a:solidFill>
-                  <a:srgbClr val="000000"/>
-                </a:solidFill>
-                <a:latin typeface="Consolas" panose="020B0609020204030204" pitchFamily="49" charset="0"/>
-              </a:rPr>
-              <a:t> </a:t>
+              <a:t>++)</a:t>
+            </a:r>
+          </a:p>
+          <a:p>
+            <a:r>
+              <a:rPr lang="en-US" sz="1200" dirty="0">
+                <a:solidFill>
+                  <a:srgbClr val="000000"/>
+                </a:solidFill>
+                <a:latin typeface="Consolas" panose="020B0609020204030204" pitchFamily="49" charset="0"/>
+              </a:rPr>
+              <a:t>      </a:t>
             </a:r>
             <a:r>
               <a:rPr lang="en-US" sz="1200" dirty="0" err="1">
-                <a:solidFill>
-                  <a:srgbClr val="000000"/>
-                </a:solidFill>
-                <a:latin typeface="Consolas" panose="020B0609020204030204" pitchFamily="49" charset="0"/>
-              </a:rPr>
-              <a:t>nthreads</a:t>
-            </a:r>
-            <a:r>
-              <a:rPr lang="en-US" sz="1200" dirty="0">
-                <a:solidFill>
-                  <a:srgbClr val="000000"/>
-                </a:solidFill>
-                <a:latin typeface="Consolas" panose="020B0609020204030204" pitchFamily="49" charset="0"/>
-              </a:rPr>
-              <a:t> = 50;</a:t>
-            </a:r>
-          </a:p>
-          <a:p>
-            <a:r>
-              <a:rPr lang="en-US" sz="1200" dirty="0" smtClean="0">
-                <a:solidFill>
-                  <a:srgbClr val="000000"/>
-                </a:solidFill>
-                <a:latin typeface="Consolas" panose="020B0609020204030204" pitchFamily="49" charset="0"/>
-              </a:rPr>
-              <a:t>   </a:t>
-            </a:r>
-            <a:r>
-              <a:rPr lang="en-US" sz="1200" dirty="0" err="1" smtClean="0">
-                <a:solidFill>
-                  <a:srgbClr val="000000"/>
-                </a:solidFill>
-                <a:latin typeface="Consolas" panose="020B0609020204030204" pitchFamily="49" charset="0"/>
-              </a:rPr>
-              <a:t>pthread_t</a:t>
-            </a:r>
-            <a:r>
-              <a:rPr lang="en-US" sz="1200" dirty="0" smtClean="0">
-                <a:solidFill>
-                  <a:srgbClr val="000000"/>
-                </a:solidFill>
-                <a:latin typeface="Consolas" panose="020B0609020204030204" pitchFamily="49" charset="0"/>
-              </a:rPr>
-              <a:t> </a:t>
-            </a:r>
-            <a:r>
-              <a:rPr lang="en-US" sz="1200" dirty="0" err="1">
-                <a:solidFill>
-                  <a:srgbClr val="000000"/>
-                </a:solidFill>
-                <a:latin typeface="Consolas" panose="020B0609020204030204" pitchFamily="49" charset="0"/>
-              </a:rPr>
-              <a:t>tids</a:t>
-            </a:r>
-            <a:r>
-              <a:rPr lang="en-US" sz="1200" dirty="0">
-                <a:solidFill>
-                  <a:srgbClr val="000000"/>
-                </a:solidFill>
-                <a:latin typeface="Consolas" panose="020B0609020204030204" pitchFamily="49" charset="0"/>
-              </a:rPr>
-              <a:t>[</a:t>
-            </a:r>
-            <a:r>
-              <a:rPr lang="en-US" sz="1200" dirty="0" err="1">
-                <a:solidFill>
-                  <a:srgbClr val="000000"/>
-                </a:solidFill>
-                <a:latin typeface="Consolas" panose="020B0609020204030204" pitchFamily="49" charset="0"/>
-              </a:rPr>
-              <a:t>nthreads</a:t>
-            </a:r>
-            <a:r>
-              <a:rPr lang="en-US" sz="1200" dirty="0">
-                <a:solidFill>
-                  <a:srgbClr val="000000"/>
-                </a:solidFill>
-                <a:latin typeface="Consolas" panose="020B0609020204030204" pitchFamily="49" charset="0"/>
-              </a:rPr>
-              <a:t>];</a:t>
-            </a:r>
-          </a:p>
-          <a:p>
-            <a:r>
-              <a:rPr lang="en-US" sz="1200" dirty="0" smtClean="0">
-                <a:solidFill>
-                  <a:srgbClr val="0000FF"/>
-                </a:solidFill>
-                <a:latin typeface="Consolas" panose="020B0609020204030204" pitchFamily="49" charset="0"/>
-              </a:rPr>
-              <a:t>   </a:t>
-            </a:r>
-          </a:p>
-          <a:p>
-            <a:r>
-              <a:rPr lang="en-US" sz="1200" dirty="0">
-                <a:solidFill>
-                  <a:srgbClr val="0000FF"/>
-                </a:solidFill>
-                <a:latin typeface="Consolas" panose="020B0609020204030204" pitchFamily="49" charset="0"/>
-              </a:rPr>
-              <a:t> </a:t>
-            </a:r>
-            <a:r>
-              <a:rPr lang="en-US" sz="1200" dirty="0" smtClean="0">
-                <a:solidFill>
-                  <a:srgbClr val="0000FF"/>
-                </a:solidFill>
-                <a:latin typeface="Consolas" panose="020B0609020204030204" pitchFamily="49" charset="0"/>
-              </a:rPr>
-              <a:t>  for</a:t>
-            </a:r>
-            <a:r>
-              <a:rPr lang="en-US" sz="1200" dirty="0" smtClean="0">
-                <a:solidFill>
-                  <a:srgbClr val="000000"/>
-                </a:solidFill>
-                <a:latin typeface="Consolas" panose="020B0609020204030204" pitchFamily="49" charset="0"/>
-              </a:rPr>
-              <a:t> </a:t>
-            </a:r>
-            <a:r>
-              <a:rPr lang="en-US" sz="1200" dirty="0">
-                <a:solidFill>
-                  <a:srgbClr val="000000"/>
-                </a:solidFill>
-                <a:latin typeface="Consolas" panose="020B0609020204030204" pitchFamily="49" charset="0"/>
-              </a:rPr>
-              <a:t>(</a:t>
-            </a:r>
-            <a:r>
-              <a:rPr lang="en-US" sz="1200" dirty="0" err="1">
-                <a:solidFill>
-                  <a:srgbClr val="0000FF"/>
-                </a:solidFill>
-                <a:latin typeface="Consolas" panose="020B0609020204030204" pitchFamily="49" charset="0"/>
-              </a:rPr>
-              <a:t>int</a:t>
-            </a:r>
-            <a:r>
-              <a:rPr lang="en-US" sz="1200" dirty="0">
-                <a:solidFill>
-                  <a:srgbClr val="000000"/>
-                </a:solidFill>
-                <a:latin typeface="Consolas" panose="020B0609020204030204" pitchFamily="49" charset="0"/>
-              </a:rPr>
-              <a:t> </a:t>
-            </a:r>
-            <a:r>
-              <a:rPr lang="en-US" sz="1200" dirty="0" err="1">
-                <a:solidFill>
-                  <a:srgbClr val="000000"/>
-                </a:solidFill>
-                <a:latin typeface="Consolas" panose="020B0609020204030204" pitchFamily="49" charset="0"/>
-              </a:rPr>
-              <a:t>i</a:t>
-            </a:r>
-            <a:r>
-              <a:rPr lang="en-US" sz="1200" dirty="0">
-                <a:solidFill>
-                  <a:srgbClr val="000000"/>
-                </a:solidFill>
-                <a:latin typeface="Consolas" panose="020B0609020204030204" pitchFamily="49" charset="0"/>
-              </a:rPr>
-              <a:t> = 0; </a:t>
-            </a:r>
-            <a:r>
-              <a:rPr lang="en-US" sz="1200" dirty="0" err="1">
-                <a:solidFill>
-                  <a:srgbClr val="000000"/>
-                </a:solidFill>
-                <a:latin typeface="Consolas" panose="020B0609020204030204" pitchFamily="49" charset="0"/>
-              </a:rPr>
-              <a:t>i</a:t>
-            </a:r>
-            <a:r>
-              <a:rPr lang="en-US" sz="1200" dirty="0">
-                <a:solidFill>
-                  <a:srgbClr val="000000"/>
-                </a:solidFill>
-                <a:latin typeface="Consolas" panose="020B0609020204030204" pitchFamily="49" charset="0"/>
-              </a:rPr>
-              <a:t> &lt; </a:t>
-            </a:r>
-            <a:r>
-              <a:rPr lang="en-US" sz="1200" dirty="0" err="1">
-                <a:solidFill>
-                  <a:srgbClr val="000000"/>
-                </a:solidFill>
-                <a:latin typeface="Consolas" panose="020B0609020204030204" pitchFamily="49" charset="0"/>
-              </a:rPr>
-              <a:t>nthreads</a:t>
-            </a:r>
-            <a:r>
-              <a:rPr lang="en-US" sz="1200" dirty="0">
-                <a:solidFill>
-                  <a:srgbClr val="000000"/>
-                </a:solidFill>
-                <a:latin typeface="Consolas" panose="020B0609020204030204" pitchFamily="49" charset="0"/>
-              </a:rPr>
-              <a:t>, </a:t>
-            </a:r>
-            <a:r>
-              <a:rPr lang="en-US" sz="1200" dirty="0" err="1">
-                <a:solidFill>
-                  <a:srgbClr val="000000"/>
-                </a:solidFill>
-                <a:latin typeface="Consolas" panose="020B0609020204030204" pitchFamily="49" charset="0"/>
-              </a:rPr>
-              <a:t>i</a:t>
-            </a:r>
-            <a:r>
-              <a:rPr lang="en-US" sz="1200" dirty="0">
-                <a:solidFill>
-                  <a:srgbClr val="000000"/>
-                </a:solidFill>
-                <a:latin typeface="Consolas" panose="020B0609020204030204" pitchFamily="49" charset="0"/>
-              </a:rPr>
-              <a:t>++)</a:t>
-            </a:r>
-          </a:p>
-          <a:p>
-            <a:r>
-              <a:rPr lang="en-US" sz="1200" dirty="0" smtClean="0">
-                <a:solidFill>
-                  <a:srgbClr val="000000"/>
-                </a:solidFill>
-                <a:latin typeface="Consolas" panose="020B0609020204030204" pitchFamily="49" charset="0"/>
-              </a:rPr>
-              <a:t>      </a:t>
-            </a:r>
-            <a:r>
-              <a:rPr lang="en-US" sz="1200" dirty="0" err="1" smtClean="0">
                 <a:solidFill>
                   <a:srgbClr val="000000"/>
                 </a:solidFill>
@@ -8793,7 +8301,7 @@
           </a:p>
           <a:p>
             <a:r>
-              <a:rPr lang="en-US" sz="1200" dirty="0" smtClean="0">
+              <a:rPr lang="en-US" sz="1200" dirty="0">
                 <a:solidFill>
                   <a:srgbClr val="0000FF"/>
                 </a:solidFill>
@@ -8802,7 +8310,25 @@
               <a:t>   for</a:t>
             </a:r>
             <a:r>
-              <a:rPr lang="en-US" sz="1200" dirty="0" smtClean="0">
+              <a:rPr lang="en-US" sz="1200" dirty="0">
+                <a:solidFill>
+                  <a:srgbClr val="000000"/>
+                </a:solidFill>
+                <a:latin typeface="Consolas" panose="020B0609020204030204" pitchFamily="49" charset="0"/>
+              </a:rPr>
+              <a:t> (</a:t>
+            </a:r>
+            <a:r>
+              <a:rPr lang="en-US" sz="1200" dirty="0" err="1">
+                <a:solidFill>
+                  <a:srgbClr val="0000FF"/>
+                </a:solidFill>
+                <a:latin typeface="Consolas" panose="020B0609020204030204" pitchFamily="49" charset="0"/>
+              </a:rPr>
+              <a:t>int</a:t>
+            </a:r>
+            <a:r>
+              <a:rPr lang="en-US" sz="1200" dirty="0">
                 <a:solidFill>
                   <a:srgbClr val="000000"/>
                 </a:solidFill>
@@ -8811,22 +8337,114 @@
               <a:t> </a:t>
             </a:r>
             <a:r>
+              <a:rPr lang="en-US" sz="1200" dirty="0" err="1">
+                <a:solidFill>
+                  <a:srgbClr val="000000"/>
+                </a:solidFill>
+                <a:latin typeface="Consolas" panose="020B0609020204030204" pitchFamily="49" charset="0"/>
+              </a:rPr>
+              <a:t>i</a:t>
+            </a:r>
+            <a:r>
               <a:rPr lang="en-US" sz="1200" dirty="0">
                 <a:solidFill>
                   <a:srgbClr val="000000"/>
                 </a:solidFill>
                 <a:latin typeface="Consolas" panose="020B0609020204030204" pitchFamily="49" charset="0"/>
               </a:rPr>
+              <a:t> = 0; </a:t>
+            </a:r>
+            <a:r>
+              <a:rPr lang="en-US" sz="1200" dirty="0" err="1">
+                <a:solidFill>
+                  <a:srgbClr val="000000"/>
+                </a:solidFill>
+                <a:latin typeface="Consolas" panose="020B0609020204030204" pitchFamily="49" charset="0"/>
+              </a:rPr>
+              <a:t>i</a:t>
+            </a:r>
+            <a:r>
+              <a:rPr lang="en-US" sz="1200" dirty="0">
+                <a:solidFill>
+                  <a:srgbClr val="000000"/>
+                </a:solidFill>
+                <a:latin typeface="Consolas" panose="020B0609020204030204" pitchFamily="49" charset="0"/>
+              </a:rPr>
+              <a:t> &lt; </a:t>
+            </a:r>
+            <a:r>
+              <a:rPr lang="en-US" sz="1200" dirty="0" err="1">
+                <a:solidFill>
+                  <a:srgbClr val="000000"/>
+                </a:solidFill>
+                <a:latin typeface="Consolas" panose="020B0609020204030204" pitchFamily="49" charset="0"/>
+              </a:rPr>
+              <a:t>nthreads</a:t>
+            </a:r>
+            <a:r>
+              <a:rPr lang="en-US" sz="1200" dirty="0">
+                <a:solidFill>
+                  <a:srgbClr val="000000"/>
+                </a:solidFill>
+                <a:latin typeface="Consolas" panose="020B0609020204030204" pitchFamily="49" charset="0"/>
+              </a:rPr>
+              <a:t>, </a:t>
+            </a:r>
+            <a:r>
+              <a:rPr lang="en-US" sz="1200" dirty="0" err="1">
+                <a:solidFill>
+                  <a:srgbClr val="000000"/>
+                </a:solidFill>
+                <a:latin typeface="Consolas" panose="020B0609020204030204" pitchFamily="49" charset="0"/>
+              </a:rPr>
+              <a:t>i</a:t>
+            </a:r>
+            <a:r>
+              <a:rPr lang="en-US" sz="1200" dirty="0">
+                <a:solidFill>
+                  <a:srgbClr val="000000"/>
+                </a:solidFill>
+                <a:latin typeface="Consolas" panose="020B0609020204030204" pitchFamily="49" charset="0"/>
+              </a:rPr>
+              <a:t>++)</a:t>
+            </a:r>
+          </a:p>
+          <a:p>
+            <a:r>
+              <a:rPr lang="en-US" sz="1200" dirty="0">
+                <a:solidFill>
+                  <a:srgbClr val="000000"/>
+                </a:solidFill>
+                <a:latin typeface="Consolas" panose="020B0609020204030204" pitchFamily="49" charset="0"/>
+              </a:rPr>
+              <a:t>      </a:t>
+            </a:r>
+            <a:r>
+              <a:rPr lang="en-US" sz="1200" dirty="0" err="1">
+                <a:solidFill>
+                  <a:srgbClr val="000000"/>
+                </a:solidFill>
+                <a:latin typeface="Consolas" panose="020B0609020204030204" pitchFamily="49" charset="0"/>
+              </a:rPr>
+              <a:t>pthread_join</a:t>
+            </a:r>
+            <a:r>
+              <a:rPr lang="en-US" sz="1200" dirty="0">
+                <a:solidFill>
+                  <a:srgbClr val="000000"/>
+                </a:solidFill>
+                <a:latin typeface="Consolas" panose="020B0609020204030204" pitchFamily="49" charset="0"/>
+              </a:rPr>
               <a:t>(</a:t>
             </a:r>
             <a:r>
               <a:rPr lang="en-US" sz="1200" dirty="0" err="1">
                 <a:solidFill>
-                  <a:srgbClr val="0000FF"/>
-                </a:solidFill>
-                <a:latin typeface="Consolas" panose="020B0609020204030204" pitchFamily="49" charset="0"/>
-              </a:rPr>
-              <a:t>int</a:t>
+                  <a:srgbClr val="000000"/>
+                </a:solidFill>
+                <a:latin typeface="Consolas" panose="020B0609020204030204" pitchFamily="49" charset="0"/>
+              </a:rPr>
+              <a:t>tids</a:t>
             </a:r>
             <a:r>
               <a:rPr lang="en-US" sz="1200" dirty="0">
@@ -8835,129 +8453,10 @@
                 </a:solidFill>
                 <a:latin typeface="Consolas" panose="020B0609020204030204" pitchFamily="49" charset="0"/>
               </a:rPr>
-              <a:t> </a:t>
+              <a:t>[</a:t>
             </a:r>
             <a:r>
               <a:rPr lang="en-US" sz="1200" dirty="0" err="1">
-                <a:solidFill>
-                  <a:srgbClr val="000000"/>
-                </a:solidFill>
-                <a:latin typeface="Consolas" panose="020B0609020204030204" pitchFamily="49" charset="0"/>
-              </a:rPr>
-              <a:t>i</a:t>
-            </a:r>
-            <a:r>
-              <a:rPr lang="en-US" sz="1200" dirty="0">
-                <a:solidFill>
-                  <a:srgbClr val="000000"/>
-                </a:solidFill>
-                <a:latin typeface="Consolas" panose="020B0609020204030204" pitchFamily="49" charset="0"/>
-              </a:rPr>
-              <a:t> = 0; </a:t>
-            </a:r>
-            <a:r>
-              <a:rPr lang="en-US" sz="1200" dirty="0" err="1">
-                <a:solidFill>
-                  <a:srgbClr val="000000"/>
-                </a:solidFill>
-                <a:latin typeface="Consolas" panose="020B0609020204030204" pitchFamily="49" charset="0"/>
-              </a:rPr>
-              <a:t>i</a:t>
-            </a:r>
-            <a:r>
-              <a:rPr lang="en-US" sz="1200" dirty="0">
-                <a:solidFill>
-                  <a:srgbClr val="000000"/>
-                </a:solidFill>
-                <a:latin typeface="Consolas" panose="020B0609020204030204" pitchFamily="49" charset="0"/>
-              </a:rPr>
-              <a:t> &lt; </a:t>
-            </a:r>
-            <a:r>
-              <a:rPr lang="en-US" sz="1200" dirty="0" err="1">
-                <a:solidFill>
-                  <a:srgbClr val="000000"/>
-                </a:solidFill>
-                <a:latin typeface="Consolas" panose="020B0609020204030204" pitchFamily="49" charset="0"/>
-              </a:rPr>
-              <a:t>nthreads</a:t>
-            </a:r>
-            <a:r>
-              <a:rPr lang="en-US" sz="1200" dirty="0">
-                <a:solidFill>
-                  <a:srgbClr val="000000"/>
-                </a:solidFill>
-                <a:latin typeface="Consolas" panose="020B0609020204030204" pitchFamily="49" charset="0"/>
-              </a:rPr>
-              <a:t>, </a:t>
-            </a:r>
-            <a:r>
-              <a:rPr lang="en-US" sz="1200" dirty="0" err="1">
-                <a:solidFill>
-                  <a:srgbClr val="000000"/>
-                </a:solidFill>
-                <a:latin typeface="Consolas" panose="020B0609020204030204" pitchFamily="49" charset="0"/>
-              </a:rPr>
-              <a:t>i</a:t>
-            </a:r>
-            <a:r>
-              <a:rPr lang="en-US" sz="1200" dirty="0">
-                <a:solidFill>
-                  <a:srgbClr val="000000"/>
-                </a:solidFill>
-                <a:latin typeface="Consolas" panose="020B0609020204030204" pitchFamily="49" charset="0"/>
-              </a:rPr>
-              <a:t>++)</a:t>
-            </a:r>
-          </a:p>
-          <a:p>
-            <a:r>
-              <a:rPr lang="en-US" sz="1200" dirty="0" smtClean="0">
-                <a:solidFill>
-                  <a:srgbClr val="000000"/>
-                </a:solidFill>
-                <a:latin typeface="Consolas" panose="020B0609020204030204" pitchFamily="49" charset="0"/>
-              </a:rPr>
-              <a:t>      </a:t>
-            </a:r>
-            <a:r>
-              <a:rPr lang="en-US" sz="1200" dirty="0" err="1" smtClean="0">
-                <a:solidFill>
-                  <a:srgbClr val="000000"/>
-                </a:solidFill>
-                <a:latin typeface="Consolas" panose="020B0609020204030204" pitchFamily="49" charset="0"/>
-              </a:rPr>
-              <a:t>pthread_join</a:t>
-            </a:r>
-            <a:r>
-              <a:rPr lang="en-US" sz="1200" dirty="0" smtClean="0">
-                <a:solidFill>
-                  <a:srgbClr val="000000"/>
-                </a:solidFill>
-                <a:latin typeface="Consolas" panose="020B0609020204030204" pitchFamily="49" charset="0"/>
-              </a:rPr>
-              <a:t>(</a:t>
-            </a:r>
-            <a:r>
-              <a:rPr lang="en-US" sz="1200" dirty="0" err="1" smtClean="0">
-                <a:solidFill>
-                  <a:srgbClr val="000000"/>
-                </a:solidFill>
-                <a:latin typeface="Consolas" panose="020B0609020204030204" pitchFamily="49" charset="0"/>
-              </a:rPr>
-              <a:t>tids</a:t>
-            </a:r>
-            <a:r>
-              <a:rPr lang="en-US" sz="1200" dirty="0" smtClean="0">
-                <a:solidFill>
-                  <a:srgbClr val="000000"/>
-                </a:solidFill>
-                <a:latin typeface="Consolas" panose="020B0609020204030204" pitchFamily="49" charset="0"/>
-              </a:rPr>
-              <a:t>[</a:t>
-            </a:r>
-            <a:r>
-              <a:rPr lang="en-US" sz="1200" dirty="0" err="1" smtClean="0">
                 <a:solidFill>
                   <a:srgbClr val="000000"/>
                 </a:solidFill>
@@ -8985,7 +8484,7 @@
           </a:p>
           <a:p>
             <a:r>
-              <a:rPr lang="en-US" sz="1200" dirty="0" smtClean="0">
+              <a:rPr lang="en-US" sz="1200" dirty="0">
                 <a:solidFill>
                   <a:srgbClr val="000000"/>
                 </a:solidFill>
@@ -8994,7 +8493,7 @@
               <a:t>   </a:t>
             </a:r>
             <a:r>
-              <a:rPr lang="en-US" sz="1200" dirty="0" err="1" smtClean="0">
+              <a:rPr lang="en-US" sz="1200" dirty="0" err="1">
                 <a:solidFill>
                   <a:srgbClr val="000000"/>
                 </a:solidFill>
@@ -9003,22 +8502,13 @@
               <a:t>cout</a:t>
             </a:r>
             <a:r>
-              <a:rPr lang="en-US" sz="1200" dirty="0" smtClean="0">
-                <a:solidFill>
-                  <a:srgbClr val="000000"/>
-                </a:solidFill>
-                <a:latin typeface="Consolas" panose="020B0609020204030204" pitchFamily="49" charset="0"/>
-              </a:rPr>
-              <a:t> </a:t>
-            </a:r>
-            <a:r>
               <a:rPr lang="en-US" sz="1200" dirty="0">
                 <a:solidFill>
                   <a:srgbClr val="000000"/>
                 </a:solidFill>
                 <a:latin typeface="Consolas" panose="020B0609020204030204" pitchFamily="49" charset="0"/>
               </a:rPr>
-              <a:t>&lt;&lt; </a:t>
+              <a:t> &lt;&lt; </a:t>
             </a:r>
             <a:r>
               <a:rPr lang="en-US" sz="1200" dirty="0">
@@ -9045,19 +8535,10 @@
                 </a:solidFill>
                 <a:latin typeface="Consolas" panose="020B0609020204030204" pitchFamily="49" charset="0"/>
               </a:rPr>
-              <a:t>"Expected: </a:t>
-            </a:r>
-            <a:r>
-              <a:rPr lang="en-US" sz="1200" dirty="0" smtClean="0">
-                <a:solidFill>
-                  <a:srgbClr val="A31515"/>
-                </a:solidFill>
-                <a:latin typeface="Consolas" panose="020B0609020204030204" pitchFamily="49" charset="0"/>
-              </a:rPr>
-              <a:t>“</a:t>
-            </a:r>
-            <a:r>
-              <a:rPr lang="en-US" sz="1200" dirty="0" smtClean="0">
+              <a:t>"Expected: “</a:t>
+            </a:r>
+            <a:r>
+              <a:rPr lang="en-US" sz="1200" dirty="0">
                 <a:solidFill>
                   <a:srgbClr val="000000"/>
                 </a:solidFill>
@@ -9068,7 +8549,7 @@
           </a:p>
           <a:p>
             <a:r>
-              <a:rPr lang="en-US" sz="1200" dirty="0" smtClean="0">
+              <a:rPr lang="en-US" sz="1200" dirty="0">
                 <a:solidFill>
                   <a:srgbClr val="000000"/>
                 </a:solidFill>
@@ -9077,7 +8558,7 @@
               <a:t>   </a:t>
             </a:r>
             <a:r>
-              <a:rPr lang="en-US" sz="1200" dirty="0" err="1" smtClean="0">
+              <a:rPr lang="en-US" sz="1200" dirty="0" err="1">
                 <a:solidFill>
                   <a:srgbClr val="000000"/>
                 </a:solidFill>
@@ -9086,7 +8567,7 @@
               <a:t>cout</a:t>
             </a:r>
             <a:r>
-              <a:rPr lang="en-US" sz="1200" dirty="0" smtClean="0">
+              <a:rPr lang="en-US" sz="1200" dirty="0">
                 <a:solidFill>
                   <a:srgbClr val="000000"/>
                 </a:solidFill>
@@ -9154,13 +8635,6 @@
   <p:clrMapOvr>
     <a:masterClrMapping/>
   </p:clrMapOvr>
-  <p:timing>
-    <p:tnLst>
-      <p:par>
-        <p:cTn id="1" dur="indefinite" restart="never" nodeType="tmRoot"/>
-      </p:par>
-    </p:tnLst>
-  </p:timing>
 </p:sld>
 </file>
 
@@ -9197,10 +8671,9 @@
           <a:lstStyle/>
           <a:p>
             <a:r>
-              <a:rPr lang="en-US" dirty="0" smtClean="0"/>
+              <a:rPr lang="en-US" dirty="0"/>
               <a:t>We will discuss some details about how to design patient/worker thread functions during Lab time</a:t>
             </a:r>
-            <a:endParaRPr lang="en-US" dirty="0"/>
           </a:p>
         </p:txBody>
       </p:sp>
@@ -9220,10 +8693,9 @@
           <a:lstStyle/>
           <a:p>
             <a:r>
-              <a:rPr lang="en-US" dirty="0" smtClean="0"/>
+              <a:rPr lang="en-US" dirty="0"/>
               <a:t>PSEUDO-Code for thread functions</a:t>
             </a:r>
-            <a:endParaRPr lang="en-US" dirty="0"/>
           </a:p>
         </p:txBody>
       </p:sp>
@@ -9272,29 +8744,28 @@
           <a:bodyPr/>
           <a:lstStyle/>
           <a:p>
-            <a:endParaRPr lang="en-US" dirty="0" smtClean="0"/>
-          </a:p>
-          <a:p>
             <a:endParaRPr lang="en-US" dirty="0"/>
           </a:p>
           <a:p>
-            <a:endParaRPr lang="en-US" dirty="0" smtClean="0"/>
-          </a:p>
-          <a:p>
             <a:endParaRPr lang="en-US" dirty="0"/>
           </a:p>
           <a:p>
-            <a:endParaRPr lang="en-US" dirty="0" smtClean="0"/>
+            <a:endParaRPr lang="en-US" dirty="0"/>
+          </a:p>
+          <a:p>
+            <a:endParaRPr lang="en-US" dirty="0"/>
+          </a:p>
+          <a:p>
+            <a:endParaRPr lang="en-US" dirty="0"/>
           </a:p>
           <a:p>
             <a:pPr marL="0" indent="0">
               <a:buNone/>
             </a:pPr>
             <a:r>
-              <a:rPr lang="en-US" dirty="0" smtClean="0"/>
+              <a:rPr lang="en-US" dirty="0"/>
               <a:t>From this slide, TAs may use different slides</a:t>
             </a:r>
-            <a:endParaRPr lang="en-US" dirty="0"/>
           </a:p>
         </p:txBody>
       </p:sp>
@@ -9327,13 +8798,6 @@
   <p:clrMapOvr>
     <a:masterClrMapping/>
   </p:clrMapOvr>
-  <p:timing>
-    <p:tnLst>
-      <p:par>
-        <p:cTn id="1" dur="indefinite" restart="never" nodeType="tmRoot"/>
-      </p:par>
-    </p:tnLst>
-  </p:timing>
 </p:sld>
 </file>
 
@@ -9371,21 +8835,13 @@
           <a:p>
             <a:r>
               <a:rPr lang="en-US" dirty="0"/>
-              <a:t>5 + 3 = </a:t>
-            </a:r>
-            <a:r>
-              <a:rPr lang="en-US" dirty="0" smtClean="0"/>
-              <a:t>28</a:t>
-            </a:r>
-          </a:p>
-          <a:p>
-            <a:r>
-              <a:rPr lang="en-US" dirty="0" smtClean="0"/>
-              <a:t>9</a:t>
-            </a:r>
+              <a:t>5 + 3 = 28</a:t>
+            </a:r>
+          </a:p>
+          <a:p>
             <a:r>
               <a:rPr lang="en-US" dirty="0"/>
-              <a:t> + 1 = 810</a:t>
+              <a:t>9 + 1 = 810</a:t>
             </a:r>
           </a:p>
           <a:p>
@@ -9403,13 +8859,8 @@
           <a:p>
             <a:r>
               <a:rPr lang="en-US" dirty="0"/>
-              <a:t>7 + 3 = </a:t>
-            </a:r>
-            <a:r>
-              <a:rPr lang="en-US" dirty="0" smtClean="0"/>
-              <a:t>? (Password)</a:t>
-            </a:r>
-            <a:endParaRPr lang="en-US" dirty="0"/>
+              <a:t>7 + 3 = ? (Password)</a:t>
+            </a:r>
           </a:p>
           <a:p>
             <a:endParaRPr lang="en-US" dirty="0"/>
@@ -9432,10 +8883,9 @@
           <a:lstStyle/>
           <a:p>
             <a:r>
-              <a:rPr lang="en-US" dirty="0" smtClean="0"/>
+              <a:rPr lang="en-US" dirty="0"/>
               <a:t>Password for Online Attendance</a:t>
             </a:r>
-            <a:endParaRPr lang="en-US" dirty="0"/>
           </a:p>
         </p:txBody>
       </p:sp>
@@ -9492,86 +8942,46 @@
           <a:lstStyle/>
           <a:p>
             <a:r>
-              <a:rPr lang="en-US" b="1" dirty="0" smtClean="0">
+              <a:rPr lang="en-US" b="1" dirty="0">
                 <a:solidFill>
                   <a:srgbClr val="C00000"/>
                 </a:solidFill>
               </a:rPr>
-              <a:t>PA4 </a:t>
-            </a:r>
-            <a:r>
-              <a:rPr lang="en-US" b="1" dirty="0" smtClean="0">
+              <a:t>PA4 extends PA2 by including multi-threading for better performance. Let’s revisit PA2</a:t>
+            </a:r>
+            <a:r>
+              <a:rPr lang="en-US" dirty="0"/>
+              <a:t> </a:t>
+            </a:r>
+            <a:r>
+              <a:rPr lang="en-US" b="1" dirty="0">
                 <a:solidFill>
                   <a:srgbClr val="C00000"/>
                 </a:solidFill>
               </a:rPr>
-              <a:t>extends PA2 </a:t>
-            </a:r>
-            <a:r>
-              <a:rPr lang="en-US" b="1" dirty="0" smtClean="0">
-                <a:solidFill>
-                  <a:srgbClr val="C00000"/>
-                </a:solidFill>
-              </a:rPr>
-              <a:t>by including multi-threading for better performance. Let’s revisit PA2</a:t>
-            </a:r>
-            <a:r>
-              <a:rPr lang="en-US" dirty="0" smtClean="0"/>
-              <a:t> </a:t>
-            </a:r>
-            <a:r>
-              <a:rPr lang="en-US" b="1" dirty="0" smtClean="0">
-                <a:solidFill>
-                  <a:srgbClr val="C00000"/>
-                </a:solidFill>
-              </a:rPr>
               <a:t>briefly</a:t>
             </a:r>
           </a:p>
           <a:p>
             <a:r>
-              <a:rPr lang="en-US" dirty="0" smtClean="0"/>
-              <a:t>We design the inter-process system where a client process and a server process communicate with </a:t>
-            </a:r>
-            <a:r>
               <a:rPr lang="en-US" dirty="0"/>
-              <a:t>each other for </a:t>
-            </a:r>
-            <a:r>
-              <a:rPr lang="en-US" dirty="0" smtClean="0"/>
-              <a:t>biomedical data management.</a:t>
-            </a:r>
-          </a:p>
-          <a:p>
-            <a:r>
-              <a:rPr lang="en-US" dirty="0" smtClean="0"/>
+              <a:t>We design the inter-process system where a client process and a server process communicate with each other for biomedical data management.</a:t>
+            </a:r>
+          </a:p>
+          <a:p>
+            <a:r>
+              <a:rPr lang="en-US" dirty="0"/>
               <a:t>The server maintains the electrocardiogram (ECG) data points of 15 patients suffering from various cardiac diseases.</a:t>
             </a:r>
           </a:p>
           <a:p>
             <a:r>
-              <a:rPr lang="en-US" dirty="0" smtClean="0"/>
-              <a:t>A </a:t>
-            </a:r>
-            <a:r>
               <a:rPr lang="en-US" dirty="0"/>
-              <a:t>client </a:t>
-            </a:r>
-            <a:r>
-              <a:rPr lang="en-US" b="1" dirty="0" smtClean="0"/>
-              <a:t>(</a:t>
+              <a:t>A client </a:t>
             </a:r>
             <a:r>
               <a:rPr lang="en-US" b="1" dirty="0"/>
-              <a:t>1) </a:t>
-            </a:r>
-            <a:r>
-              <a:rPr lang="en-US" b="1" dirty="0" smtClean="0"/>
-              <a:t>receives ECG Data </a:t>
-            </a:r>
-            <a:r>
-              <a:rPr lang="en-US" b="1" dirty="0"/>
-              <a:t>Points</a:t>
+              <a:t>(1) receives ECG Data Points</a:t>
             </a:r>
             <a:r>
               <a:rPr lang="en-US" dirty="0"/>
@@ -9579,47 +8989,23 @@
             </a:r>
             <a:r>
               <a:rPr lang="en-US" b="1" dirty="0"/>
-              <a:t>(2) </a:t>
-            </a:r>
-            <a:r>
-              <a:rPr lang="en-US" b="1" dirty="0" smtClean="0"/>
-              <a:t>receives ECG Files</a:t>
-            </a:r>
-            <a:r>
-              <a:rPr lang="en-US" dirty="0" smtClean="0"/>
-              <a:t> </a:t>
+              <a:t>(2) receives ECG Files</a:t>
             </a:r>
             <a:r>
               <a:rPr lang="en-US" dirty="0"/>
-              <a:t>and </a:t>
+              <a:t> and </a:t>
             </a:r>
             <a:r>
               <a:rPr lang="en-US" b="1" dirty="0"/>
-              <a:t>(3) </a:t>
-            </a:r>
-            <a:r>
-              <a:rPr lang="en-US" b="1" dirty="0" smtClean="0"/>
-              <a:t>requests </a:t>
-            </a:r>
-            <a:r>
-              <a:rPr lang="en-US" b="1" dirty="0"/>
-              <a:t>New Channel </a:t>
-            </a:r>
-            <a:r>
-              <a:rPr lang="en-US" b="1" dirty="0" smtClean="0"/>
-              <a:t>Creation </a:t>
-            </a:r>
-            <a:r>
-              <a:rPr lang="en-US" dirty="0" smtClean="0"/>
-              <a:t>through a control </a:t>
+              <a:t>(3) requests New Channel Creation </a:t>
             </a:r>
             <a:r>
               <a:rPr lang="en-US" dirty="0"/>
-              <a:t>channel </a:t>
-            </a:r>
-          </a:p>
-          <a:p>
-            <a:endParaRPr lang="en-US" dirty="0" smtClean="0"/>
+              <a:t>through a control channel </a:t>
+            </a:r>
+          </a:p>
+          <a:p>
+            <a:endParaRPr lang="en-US" dirty="0"/>
           </a:p>
         </p:txBody>
       </p:sp>
@@ -9644,10 +9030,9 @@
           <a:lstStyle/>
           <a:p>
             <a:r>
-              <a:rPr lang="en-US" dirty="0" smtClean="0"/>
+              <a:rPr lang="en-US" dirty="0"/>
               <a:t>PA2 (Revisited)</a:t>
             </a:r>
-            <a:endParaRPr lang="en-US" dirty="0"/>
           </a:p>
         </p:txBody>
       </p:sp>
@@ -9715,7 +9100,7 @@
           <a:graphicData uri="http://schemas.openxmlformats.org/presentationml/2006/ole">
             <mc:AlternateContent xmlns:mc="http://schemas.openxmlformats.org/markup-compatibility/2006">
               <mc:Choice xmlns:v="urn:schemas-microsoft-com:vml" Requires="v">
-                <p:oleObj spid="_x0000_s3640" name="Bitmap Image" r:id="rId4" imgW="2028960" imgH="2790720" progId="Paint.Picture">
+                <p:oleObj spid="_x0000_s3644" name="Bitmap Image" r:id="rId4" imgW="2028960" imgH="2790720" progId="Paint.Picture">
                   <p:embed/>
                 </p:oleObj>
               </mc:Choice>
@@ -9772,10 +9157,9 @@
           <a:lstStyle/>
           <a:p>
             <a:r>
-              <a:rPr lang="en-US" sz="1400" dirty="0" smtClean="0"/>
+              <a:rPr lang="en-US" sz="1400" dirty="0"/>
               <a:t>ECG_ch1</a:t>
             </a:r>
-            <a:endParaRPr lang="en-US" sz="1400" dirty="0"/>
           </a:p>
         </p:txBody>
       </p:sp>
@@ -9913,7 +9297,7 @@
           <a:graphicData uri="http://schemas.openxmlformats.org/presentationml/2006/ole">
             <mc:AlternateContent xmlns:mc="http://schemas.openxmlformats.org/markup-compatibility/2006">
               <mc:Choice xmlns:v="urn:schemas-microsoft-com:vml" Requires="v">
-                <p:oleObj spid="_x0000_s3641" name="Bitmap Image" r:id="rId7" imgW="2028960" imgH="2790720" progId="Paint.Picture">
+                <p:oleObj spid="_x0000_s3645" name="Bitmap Image" r:id="rId7" imgW="2028960" imgH="2790720" progId="Paint.Picture">
                   <p:embed/>
                 </p:oleObj>
               </mc:Choice>
@@ -9970,10 +9354,9 @@
           <a:lstStyle/>
           <a:p>
             <a:r>
-              <a:rPr lang="en-US" sz="1400" dirty="0" smtClean="0"/>
+              <a:rPr lang="en-US" sz="1400" dirty="0"/>
               <a:t>ECG_ch2</a:t>
             </a:r>
-            <a:endParaRPr lang="en-US" sz="1400" dirty="0"/>
           </a:p>
         </p:txBody>
       </p:sp>
@@ -10025,18 +9408,13 @@
           <a:p>
             <a:pPr algn="ctr"/>
             <a:r>
-              <a:rPr lang="en-US" dirty="0" smtClean="0">
+              <a:rPr lang="en-US" dirty="0">
                 <a:solidFill>
                   <a:schemeClr val="tx1"/>
                 </a:solidFill>
               </a:rPr>
               <a:t>Data server</a:t>
             </a:r>
-            <a:endParaRPr lang="en-US" dirty="0">
-              <a:solidFill>
-                <a:schemeClr val="tx1"/>
-              </a:solidFill>
-            </a:endParaRPr>
           </a:p>
         </p:txBody>
       </p:sp>
@@ -10088,18 +9466,13 @@
           <a:p>
             <a:pPr algn="ctr"/>
             <a:r>
-              <a:rPr lang="en-US" b="1" dirty="0" smtClean="0">
+              <a:rPr lang="en-US" b="1" dirty="0">
                 <a:solidFill>
                   <a:schemeClr val="tx1"/>
                 </a:solidFill>
               </a:rPr>
               <a:t>Client</a:t>
             </a:r>
-            <a:endParaRPr lang="en-US" b="1" dirty="0">
-              <a:solidFill>
-                <a:schemeClr val="tx1"/>
-              </a:solidFill>
-            </a:endParaRPr>
           </a:p>
         </p:txBody>
       </p:sp>
@@ -10155,7 +9528,7 @@
               </a:lnSpc>
             </a:pPr>
             <a:r>
-              <a:rPr lang="en-US" dirty="0" smtClean="0">
+              <a:rPr lang="en-US" dirty="0">
                 <a:solidFill>
                   <a:schemeClr val="tx1"/>
                 </a:solidFill>
@@ -10170,18 +9543,13 @@
               </a:lnSpc>
             </a:pPr>
             <a:r>
-              <a:rPr lang="en-US" dirty="0" smtClean="0">
+              <a:rPr lang="en-US" dirty="0">
                 <a:solidFill>
                   <a:schemeClr val="tx1"/>
                 </a:solidFill>
               </a:rPr>
               <a:t>channel</a:t>
             </a:r>
-            <a:endParaRPr lang="en-US" dirty="0">
-              <a:solidFill>
-                <a:schemeClr val="tx1"/>
-              </a:solidFill>
-            </a:endParaRPr>
           </a:p>
         </p:txBody>
       </p:sp>
@@ -10357,7 +9725,7 @@
               <a:buAutoNum type="arabicParenBoth"/>
             </a:pPr>
             <a:r>
-              <a:rPr lang="en-US" dirty="0" smtClean="0"/>
+              <a:rPr lang="en-US" dirty="0"/>
               <a:t>ECG Data</a:t>
             </a:r>
           </a:p>
@@ -10369,7 +9737,7 @@
               <a:buAutoNum type="arabicParenBoth"/>
             </a:pPr>
             <a:r>
-              <a:rPr lang="en-US" dirty="0" smtClean="0"/>
+              <a:rPr lang="en-US" dirty="0"/>
               <a:t>ECG File Request</a:t>
             </a:r>
           </a:p>
@@ -10381,10 +9749,9 @@
               <a:buAutoNum type="arabicParenBoth"/>
             </a:pPr>
             <a:r>
-              <a:rPr lang="en-US" dirty="0" smtClean="0"/>
+              <a:rPr lang="en-US" dirty="0"/>
               <a:t>New Channel Creation</a:t>
             </a:r>
-            <a:endParaRPr lang="en-US" dirty="0"/>
           </a:p>
         </p:txBody>
       </p:sp>
@@ -10398,13 +9765,6 @@
   <p:clrMapOvr>
     <a:masterClrMapping/>
   </p:clrMapOvr>
-  <p:timing>
-    <p:tnLst>
-      <p:par>
-        <p:cTn id="1" dur="indefinite" restart="never" nodeType="tmRoot"/>
-      </p:par>
-    </p:tnLst>
-  </p:timing>
 </p:sld>
 </file>
 
@@ -10448,72 +9808,47 @@
           <a:lstStyle/>
           <a:p>
             <a:r>
-              <a:rPr lang="en-US" sz="2000" dirty="0" smtClean="0"/>
+              <a:rPr lang="en-US" sz="2000" dirty="0"/>
               <a:t>Send a request message (i.e. </a:t>
             </a:r>
             <a:r>
-              <a:rPr lang="en-US" sz="2000" dirty="0" err="1" smtClean="0"/>
+              <a:rPr lang="en-US" sz="2000" dirty="0" err="1"/>
               <a:t>datamsg</a:t>
             </a:r>
             <a:r>
-              <a:rPr lang="en-US" sz="2000" dirty="0" smtClean="0"/>
-              <a:t>) including message </a:t>
-            </a:r>
-            <a:r>
               <a:rPr lang="en-US" sz="2000" dirty="0"/>
-              <a:t>type </a:t>
-            </a:r>
-            <a:r>
-              <a:rPr lang="en-US" sz="2000" dirty="0" smtClean="0"/>
-              <a:t>(e.g. DATA_MSG), patient ID (e.g. 2), time in seconds (e.g. 0.008), ECG record (e.g. 1)</a:t>
+              <a:t>) including message type (e.g. DATA_MSG), patient ID (e.g. 2), time in seconds (e.g. 0.008), ECG record (e.g. 1)</a:t>
             </a:r>
           </a:p>
           <a:p>
             <a:pPr lvl="1"/>
             <a:r>
-              <a:rPr lang="en-US" sz="1600" dirty="0" smtClean="0"/>
+              <a:rPr lang="en-US" sz="1600" dirty="0"/>
               <a:t>Intends to get the first ECG data point sampled at the time stamp, 0.008 sec from patient 2.</a:t>
             </a:r>
           </a:p>
           <a:p>
             <a:pPr lvl="1"/>
             <a:r>
-              <a:rPr lang="en-US" sz="1600" dirty="0" smtClean="0"/>
+              <a:rPr lang="en-US" sz="1600" dirty="0"/>
               <a:t>Use a write function of a control channel</a:t>
             </a:r>
           </a:p>
           <a:p>
             <a:r>
-              <a:rPr lang="en-US" sz="2000" dirty="0" smtClean="0"/>
+              <a:rPr lang="en-US" sz="2000" dirty="0"/>
               <a:t>Receive a response (double data) from a server</a:t>
             </a:r>
           </a:p>
           <a:p>
             <a:pPr lvl="1"/>
             <a:r>
-              <a:rPr lang="en-US" sz="1600" dirty="0" smtClean="0"/>
-              <a:t>Use </a:t>
-            </a:r>
-            <a:r>
               <a:rPr lang="en-US" sz="1600" dirty="0"/>
-              <a:t>a </a:t>
-            </a:r>
-            <a:r>
-              <a:rPr lang="en-US" sz="1600" dirty="0" smtClean="0"/>
-              <a:t>read </a:t>
-            </a:r>
-            <a:r>
-              <a:rPr lang="en-US" sz="1600" dirty="0"/>
-              <a:t>function of a control </a:t>
-            </a:r>
-            <a:r>
-              <a:rPr lang="en-US" sz="1600" dirty="0" smtClean="0"/>
-              <a:t>channel</a:t>
-            </a:r>
-            <a:endParaRPr lang="en-US" sz="1600" dirty="0"/>
-          </a:p>
-          <a:p>
-            <a:endParaRPr lang="en-US" sz="2000" dirty="0" smtClean="0"/>
+              <a:t>Use a read function of a control channel</a:t>
+            </a:r>
+          </a:p>
+          <a:p>
+            <a:endParaRPr lang="en-US" sz="2000" dirty="0"/>
           </a:p>
           <a:p>
             <a:endParaRPr lang="en-US" dirty="0"/>
@@ -10544,15 +9879,7 @@
           <a:p>
             <a:r>
               <a:rPr lang="en-US" dirty="0"/>
-              <a:t>PA2 (Revisited</a:t>
-            </a:r>
-            <a:r>
-              <a:rPr lang="en-US" dirty="0" smtClean="0"/>
-              <a:t>) : (1) Requesting </a:t>
-            </a:r>
-            <a:r>
-              <a:rPr lang="en-US" dirty="0"/>
-              <a:t>Data Points</a:t>
+              <a:t>PA2 (Revisited) : (1) Requesting Data Points</a:t>
             </a:r>
           </a:p>
         </p:txBody>
@@ -10605,18 +9932,13 @@
           <a:p>
             <a:pPr algn="ctr"/>
             <a:r>
-              <a:rPr lang="en-US" dirty="0" smtClean="0">
+              <a:rPr lang="en-US" dirty="0">
                 <a:solidFill>
                   <a:schemeClr val="tx1"/>
                 </a:solidFill>
               </a:rPr>
               <a:t>Data server</a:t>
             </a:r>
-            <a:endParaRPr lang="en-US" dirty="0">
-              <a:solidFill>
-                <a:schemeClr val="tx1"/>
-              </a:solidFill>
-            </a:endParaRPr>
           </a:p>
         </p:txBody>
       </p:sp>
@@ -10668,18 +9990,13 @@
           <a:p>
             <a:pPr algn="ctr"/>
             <a:r>
-              <a:rPr lang="en-US" b="1" dirty="0" smtClean="0">
+              <a:rPr lang="en-US" b="1" dirty="0">
                 <a:solidFill>
                   <a:schemeClr val="tx1"/>
                 </a:solidFill>
               </a:rPr>
               <a:t>Client</a:t>
             </a:r>
-            <a:endParaRPr lang="en-US" b="1" dirty="0">
-              <a:solidFill>
-                <a:schemeClr val="tx1"/>
-              </a:solidFill>
-            </a:endParaRPr>
           </a:p>
         </p:txBody>
       </p:sp>
@@ -10735,18 +10052,13 @@
               </a:lnSpc>
             </a:pPr>
             <a:r>
-              <a:rPr lang="en-US" dirty="0" smtClean="0">
+              <a:rPr lang="en-US" dirty="0">
                 <a:solidFill>
                   <a:schemeClr val="tx1"/>
                 </a:solidFill>
               </a:rPr>
               <a:t>Control Channel</a:t>
             </a:r>
-            <a:endParaRPr lang="en-US" dirty="0">
-              <a:solidFill>
-                <a:schemeClr val="tx1"/>
-              </a:solidFill>
-            </a:endParaRPr>
           </a:p>
         </p:txBody>
       </p:sp>
@@ -10916,7 +10228,7 @@
           <a:lstStyle/>
           <a:p>
             <a:r>
-              <a:rPr lang="en-US" sz="1200" dirty="0" smtClean="0">
+              <a:rPr lang="en-US" sz="1200" dirty="0">
                 <a:solidFill>
                   <a:srgbClr val="008000"/>
                 </a:solidFill>
@@ -10925,7 +10237,7 @@
               <a:t>// See “</a:t>
             </a:r>
             <a:r>
-              <a:rPr lang="en-US" sz="1200" dirty="0" err="1" smtClean="0">
+              <a:rPr lang="en-US" sz="1200" dirty="0" err="1">
                 <a:solidFill>
                   <a:srgbClr val="008000"/>
                 </a:solidFill>
@@ -10934,7 +10246,7 @@
               <a:t>common.h</a:t>
             </a:r>
             <a:r>
-              <a:rPr lang="en-US" sz="1200" dirty="0" smtClean="0">
+              <a:rPr lang="en-US" sz="1200" dirty="0">
                 <a:solidFill>
                   <a:srgbClr val="008000"/>
                 </a:solidFill>
@@ -10945,22 +10257,13 @@
           </a:p>
           <a:p>
             <a:r>
-              <a:rPr lang="en-US" sz="1200" dirty="0" smtClean="0">
+              <a:rPr lang="en-US" sz="1200" dirty="0">
                 <a:solidFill>
                   <a:srgbClr val="008000"/>
                 </a:solidFill>
                 <a:latin typeface="Consolas" panose="020B0609020204030204" pitchFamily="49" charset="0"/>
               </a:rPr>
-              <a:t>// </a:t>
-            </a:r>
-            <a:r>
-              <a:rPr lang="en-US" sz="1200" dirty="0">
-                <a:solidFill>
-                  <a:srgbClr val="008000"/>
-                </a:solidFill>
-                <a:latin typeface="Consolas" panose="020B0609020204030204" pitchFamily="49" charset="0"/>
-              </a:rPr>
-              <a:t>different types of messages</a:t>
+              <a:t>// different types of messages</a:t>
             </a:r>
             <a:endParaRPr lang="en-US" sz="1200" dirty="0">
               <a:solidFill>
@@ -10991,22 +10294,13 @@
           </a:p>
           <a:p>
             <a:r>
-              <a:rPr lang="en-US" sz="1200" dirty="0" smtClean="0">
+              <a:rPr lang="en-US" sz="1200" dirty="0">
                 <a:solidFill>
                   <a:srgbClr val="008000"/>
                 </a:solidFill>
                 <a:latin typeface="Consolas" panose="020B0609020204030204" pitchFamily="49" charset="0"/>
               </a:rPr>
-              <a:t>// </a:t>
-            </a:r>
-            <a:r>
-              <a:rPr lang="en-US" sz="1200" dirty="0">
-                <a:solidFill>
-                  <a:srgbClr val="008000"/>
-                </a:solidFill>
-                <a:latin typeface="Consolas" panose="020B0609020204030204" pitchFamily="49" charset="0"/>
-              </a:rPr>
-              <a:t>message requesting a data point</a:t>
+              <a:t>// message requesting a data point</a:t>
             </a:r>
             <a:endParaRPr lang="en-US" sz="1200" dirty="0">
               <a:solidFill>
@@ -11035,7 +10329,7 @@
               <a:t> </a:t>
             </a:r>
             <a:r>
-              <a:rPr lang="en-US" sz="1200" dirty="0" err="1" smtClean="0">
+              <a:rPr lang="en-US" sz="1200" dirty="0" err="1">
                 <a:solidFill>
                   <a:srgbClr val="267F99"/>
                 </a:solidFill>
@@ -11044,7 +10338,7 @@
               <a:t>datamsg</a:t>
             </a:r>
             <a:r>
-              <a:rPr lang="en-US" sz="1200" dirty="0" smtClean="0">
+              <a:rPr lang="en-US" sz="1200" dirty="0">
                 <a:solidFill>
                   <a:srgbClr val="000000"/>
                 </a:solidFill>
@@ -11055,22 +10349,13 @@
           </a:p>
           <a:p>
             <a:r>
-              <a:rPr lang="en-US" sz="1200" dirty="0" smtClean="0">
+              <a:rPr lang="en-US" sz="1200" dirty="0">
                 <a:solidFill>
                   <a:srgbClr val="0000FF"/>
                 </a:solidFill>
                 <a:latin typeface="Consolas" panose="020B0609020204030204" pitchFamily="49" charset="0"/>
               </a:rPr>
-              <a:t>public</a:t>
-            </a:r>
-            <a:r>
-              <a:rPr lang="en-US" sz="1200" dirty="0">
-                <a:solidFill>
-                  <a:srgbClr val="0000FF"/>
-                </a:solidFill>
-                <a:latin typeface="Consolas" panose="020B0609020204030204" pitchFamily="49" charset="0"/>
-              </a:rPr>
-              <a:t>:</a:t>
+              <a:t>public:</a:t>
             </a:r>
             <a:endParaRPr lang="en-US" sz="1200" dirty="0">
               <a:solidFill>
@@ -11286,7 +10571,7 @@
           <a:p>
             <a:pPr lvl="1"/>
             <a:r>
-              <a:rPr lang="en-US" sz="1200" dirty="0" smtClean="0">
+              <a:rPr lang="en-US" sz="1200" dirty="0">
                 <a:solidFill>
                   <a:srgbClr val="000000"/>
                 </a:solidFill>
@@ -11295,7 +10580,7 @@
               <a:t>	</a:t>
             </a:r>
             <a:r>
-              <a:rPr lang="en-US" sz="1200" dirty="0" err="1" smtClean="0">
+              <a:rPr lang="en-US" sz="1200" dirty="0" err="1">
                 <a:solidFill>
                   <a:srgbClr val="000000"/>
                 </a:solidFill>
@@ -11304,22 +10589,13 @@
               <a:t>mtype</a:t>
             </a:r>
             <a:r>
-              <a:rPr lang="en-US" sz="1200" dirty="0" smtClean="0">
-                <a:solidFill>
-                  <a:srgbClr val="000000"/>
-                </a:solidFill>
-                <a:latin typeface="Consolas" panose="020B0609020204030204" pitchFamily="49" charset="0"/>
-              </a:rPr>
-              <a:t> </a:t>
-            </a:r>
-            <a:r>
               <a:rPr lang="en-US" sz="1200" dirty="0">
                 <a:solidFill>
                   <a:srgbClr val="000000"/>
                 </a:solidFill>
                 <a:latin typeface="Consolas" panose="020B0609020204030204" pitchFamily="49" charset="0"/>
               </a:rPr>
-              <a:t>= DATA_MSG, person = _person, seconds = _seconds, </a:t>
+              <a:t> = DATA_MSG, person = _person, seconds = _seconds, </a:t>
             </a:r>
             <a:r>
               <a:rPr lang="en-US" sz="1200" dirty="0" err="1">
@@ -11412,26 +10688,9 @@
           <a:lstStyle/>
           <a:p>
             <a:r>
-              <a:rPr lang="en-US" dirty="0" smtClean="0"/>
-              <a:t>The </a:t>
-            </a:r>
-            <a:r>
               <a:rPr lang="en-US" dirty="0"/>
-              <a:t>server </a:t>
-            </a:r>
-            <a:r>
-              <a:rPr lang="en-US" dirty="0" smtClean="0"/>
-              <a:t>is in a </a:t>
-            </a:r>
-            <a:r>
-              <a:rPr lang="en-US" dirty="0"/>
-              <a:t>“infinite" </a:t>
-            </a:r>
-            <a:r>
-              <a:rPr lang="en-US" dirty="0" smtClean="0"/>
-              <a:t>loop</a:t>
-            </a:r>
-            <a:endParaRPr lang="en-US" dirty="0"/>
+              <a:t>The server is in a “infinite" loop</a:t>
+            </a:r>
           </a:p>
         </p:txBody>
       </p:sp>
@@ -11521,10 +10780,9 @@
           <a:lstStyle/>
           <a:p>
             <a:r>
-              <a:rPr lang="en-US" dirty="0" smtClean="0"/>
+              <a:rPr lang="en-US" dirty="0"/>
               <a:t>data point</a:t>
             </a:r>
-            <a:endParaRPr lang="en-US" dirty="0"/>
           </a:p>
         </p:txBody>
       </p:sp>
@@ -11581,71 +10839,15 @@
           <a:lstStyle/>
           <a:p>
             <a:r>
-              <a:rPr lang="en-US" sz="2000" dirty="0" smtClean="0"/>
+              <a:rPr lang="en-US" sz="2000" dirty="0"/>
               <a:t>Communication 1:</a:t>
             </a:r>
           </a:p>
           <a:p>
             <a:pPr lvl="1"/>
             <a:r>
-              <a:rPr lang="en-US" sz="1600" dirty="0" smtClean="0"/>
+              <a:rPr lang="en-US" sz="1600" dirty="0"/>
               <a:t>Send a request message (i.e. </a:t>
-            </a:r>
-            <a:r>
-              <a:rPr lang="en-US" sz="1600" dirty="0" err="1" smtClean="0"/>
-              <a:t>filemsg</a:t>
-            </a:r>
-            <a:r>
-              <a:rPr lang="en-US" sz="1600" dirty="0" smtClean="0"/>
-              <a:t>) including message </a:t>
-            </a:r>
-            <a:r>
-              <a:rPr lang="en-US" sz="1600" dirty="0"/>
-              <a:t>type </a:t>
-            </a:r>
-            <a:r>
-              <a:rPr lang="en-US" sz="1600" dirty="0" smtClean="0"/>
-              <a:t>(e.g. FILE_MSG), </a:t>
-            </a:r>
-            <a:r>
-              <a:rPr lang="en-US" sz="1600" b="1" dirty="0" smtClean="0"/>
-              <a:t>offset (0), length (0)</a:t>
-            </a:r>
-          </a:p>
-          <a:p>
-            <a:pPr lvl="1"/>
-            <a:r>
-              <a:rPr lang="en-US" sz="1600" dirty="0" smtClean="0"/>
-              <a:t>Receive a file length from a server </a:t>
-            </a:r>
-            <a:r>
-              <a:rPr lang="en-US" sz="1600" dirty="0" smtClean="0">
-                <a:sym typeface="Wingdings" panose="05000000000000000000" pitchFamily="2" charset="2"/>
-              </a:rPr>
-              <a:t> determine # of subsequent requests to read a file</a:t>
-            </a:r>
-          </a:p>
-          <a:p>
-            <a:r>
-              <a:rPr lang="en-US" sz="2000" dirty="0" smtClean="0">
-                <a:sym typeface="Wingdings" panose="05000000000000000000" pitchFamily="2" charset="2"/>
-              </a:rPr>
-              <a:t>Communication 2:</a:t>
-            </a:r>
-          </a:p>
-          <a:p>
-            <a:pPr lvl="1"/>
-            <a:r>
-              <a:rPr lang="en-US" sz="1600" dirty="0"/>
-              <a:t>Send a </a:t>
-            </a:r>
-            <a:r>
-              <a:rPr lang="en-US" sz="1600" dirty="0" smtClean="0"/>
-              <a:t>request </a:t>
-            </a:r>
-            <a:r>
-              <a:rPr lang="en-US" sz="1600" dirty="0"/>
-              <a:t>message (i.e. </a:t>
             </a:r>
             <a:r>
               <a:rPr lang="en-US" sz="1600" dirty="0" err="1"/>
@@ -11653,41 +10855,61 @@
             </a:r>
             <a:r>
               <a:rPr lang="en-US" sz="1600" dirty="0"/>
-              <a:t>) including message type (e.g. FILE_MSG), offset </a:t>
-            </a:r>
-            <a:r>
-              <a:rPr lang="en-US" sz="1600" dirty="0" smtClean="0"/>
-              <a:t>(#), </a:t>
-            </a:r>
+              <a:t>) including message type (e.g. FILE_MSG), </a:t>
+            </a:r>
+            <a:r>
+              <a:rPr lang="en-US" sz="1600" b="1" dirty="0"/>
+              <a:t>offset (0), length (0)</a:t>
+            </a:r>
+          </a:p>
+          <a:p>
+            <a:pPr lvl="1"/>
             <a:r>
               <a:rPr lang="en-US" sz="1600" dirty="0"/>
-              <a:t>length (e.g. MAX_MESSAGE</a:t>
-            </a:r>
-            <a:r>
-              <a:rPr lang="en-US" sz="1600" dirty="0" smtClean="0"/>
-              <a:t>)</a:t>
+              <a:t>Receive a file length from a server </a:t>
+            </a:r>
+            <a:r>
+              <a:rPr lang="en-US" sz="1600" dirty="0">
+                <a:sym typeface="Wingdings" panose="05000000000000000000" pitchFamily="2" charset="2"/>
+              </a:rPr>
+              <a:t> determine # of subsequent requests to read a file</a:t>
+            </a:r>
+          </a:p>
+          <a:p>
+            <a:r>
+              <a:rPr lang="en-US" sz="2000" dirty="0">
+                <a:sym typeface="Wingdings" panose="05000000000000000000" pitchFamily="2" charset="2"/>
+              </a:rPr>
+              <a:t>Communication 2:</a:t>
             </a:r>
           </a:p>
           <a:p>
             <a:pPr lvl="1"/>
             <a:r>
-              <a:rPr lang="en-US" sz="1600" dirty="0" smtClean="0"/>
+              <a:rPr lang="en-US" sz="1600" dirty="0"/>
+              <a:t>Send a request message (i.e. </a:t>
+            </a:r>
+            <a:r>
+              <a:rPr lang="en-US" sz="1600" dirty="0" err="1"/>
+              <a:t>filemsg</a:t>
+            </a:r>
+            <a:r>
+              <a:rPr lang="en-US" sz="1600" dirty="0"/>
+              <a:t>) including message type (e.g. FILE_MSG), offset (#), length (e.g. MAX_MESSAGE)</a:t>
+            </a:r>
+          </a:p>
+          <a:p>
+            <a:pPr lvl="1"/>
+            <a:r>
+              <a:rPr lang="en-US" sz="1600" dirty="0"/>
               <a:t>Receive a partitioned data of a file from a server</a:t>
             </a:r>
           </a:p>
           <a:p>
             <a:pPr lvl="1"/>
             <a:r>
-              <a:rPr lang="en-US" sz="1600" dirty="0" smtClean="0"/>
-              <a:t>Recreate a file by storing every partitioned data at the right </a:t>
-            </a:r>
-            <a:r>
               <a:rPr lang="en-US" sz="1600" dirty="0"/>
-              <a:t>position (The file should be same as the original file kept by a server</a:t>
-            </a:r>
-            <a:r>
-              <a:rPr lang="en-US" sz="1600" dirty="0" smtClean="0"/>
-              <a:t>)     </a:t>
+              <a:t>Recreate a file by storing every partitioned data at the right position (The file should be same as the original file kept by a server)     </a:t>
             </a:r>
             <a:endParaRPr lang="en-US" dirty="0"/>
           </a:p>
@@ -11712,15 +10934,7 @@
           <a:p>
             <a:r>
               <a:rPr lang="en-US" dirty="0"/>
-              <a:t>PA2 (Revisited</a:t>
-            </a:r>
-            <a:r>
-              <a:rPr lang="en-US" dirty="0" smtClean="0"/>
-              <a:t>) : (2) Requesting </a:t>
-            </a:r>
-            <a:r>
-              <a:rPr lang="en-US" dirty="0"/>
-              <a:t>Files</a:t>
+              <a:t>PA2 (Revisited) : (2) Requesting Files</a:t>
             </a:r>
           </a:p>
         </p:txBody>
@@ -11773,18 +10987,13 @@
           <a:p>
             <a:pPr algn="ctr"/>
             <a:r>
-              <a:rPr lang="en-US" dirty="0" smtClean="0">
+              <a:rPr lang="en-US" dirty="0">
                 <a:solidFill>
                   <a:schemeClr val="tx1"/>
                 </a:solidFill>
               </a:rPr>
               <a:t>Data server</a:t>
             </a:r>
-            <a:endParaRPr lang="en-US" dirty="0">
-              <a:solidFill>
-                <a:schemeClr val="tx1"/>
-              </a:solidFill>
-            </a:endParaRPr>
           </a:p>
         </p:txBody>
       </p:sp>
@@ -11836,18 +11045,13 @@
           <a:p>
             <a:pPr algn="ctr"/>
             <a:r>
-              <a:rPr lang="en-US" b="1" dirty="0" smtClean="0">
+              <a:rPr lang="en-US" b="1" dirty="0">
                 <a:solidFill>
                   <a:schemeClr val="tx1"/>
                 </a:solidFill>
               </a:rPr>
               <a:t>Client</a:t>
             </a:r>
-            <a:endParaRPr lang="en-US" b="1" dirty="0">
-              <a:solidFill>
-                <a:schemeClr val="tx1"/>
-              </a:solidFill>
-            </a:endParaRPr>
           </a:p>
         </p:txBody>
       </p:sp>
@@ -11903,18 +11107,13 @@
               </a:lnSpc>
             </a:pPr>
             <a:r>
-              <a:rPr lang="en-US" dirty="0" smtClean="0">
+              <a:rPr lang="en-US" dirty="0">
                 <a:solidFill>
                   <a:schemeClr val="tx1"/>
                 </a:solidFill>
               </a:rPr>
               <a:t>Control Channel</a:t>
             </a:r>
-            <a:endParaRPr lang="en-US" dirty="0">
-              <a:solidFill>
-                <a:schemeClr val="tx1"/>
-              </a:solidFill>
-            </a:endParaRPr>
           </a:p>
         </p:txBody>
       </p:sp>
@@ -12084,26 +11283,9 @@
           <a:lstStyle/>
           <a:p>
             <a:r>
-              <a:rPr lang="en-US" dirty="0" smtClean="0"/>
-              <a:t>The </a:t>
-            </a:r>
-            <a:r>
               <a:rPr lang="en-US" dirty="0"/>
-              <a:t>server </a:t>
-            </a:r>
-            <a:r>
-              <a:rPr lang="en-US" dirty="0" smtClean="0"/>
-              <a:t>is in a </a:t>
-            </a:r>
-            <a:r>
-              <a:rPr lang="en-US" dirty="0"/>
-              <a:t>“infinite" </a:t>
-            </a:r>
-            <a:r>
-              <a:rPr lang="en-US" dirty="0" smtClean="0"/>
-              <a:t>loop</a:t>
-            </a:r>
-            <a:endParaRPr lang="en-US" dirty="0"/>
+              <a:t>The server is in a “infinite" loop</a:t>
+            </a:r>
           </a:p>
         </p:txBody>
       </p:sp>
@@ -12164,7 +11346,7 @@
           <a:lstStyle/>
           <a:p>
             <a:r>
-              <a:rPr lang="en-US" dirty="0" err="1" smtClean="0"/>
+              <a:rPr lang="en-US" dirty="0" err="1"/>
               <a:t>filemsg</a:t>
             </a:r>
             <a:endParaRPr lang="en-US" dirty="0"/>
@@ -12193,10 +11375,9 @@
           <a:lstStyle/>
           <a:p>
             <a:r>
-              <a:rPr lang="en-US" dirty="0" smtClean="0"/>
+              <a:rPr lang="en-US" dirty="0"/>
               <a:t>File length / partitioned file data</a:t>
             </a:r>
-            <a:endParaRPr lang="en-US" dirty="0"/>
           </a:p>
         </p:txBody>
       </p:sp>
@@ -12288,22 +11469,13 @@
           </a:p>
           <a:p>
             <a:r>
-              <a:rPr lang="en-US" sz="1200" dirty="0" smtClean="0">
+              <a:rPr lang="en-US" sz="1200" dirty="0">
                 <a:solidFill>
                   <a:srgbClr val="008000"/>
                 </a:solidFill>
                 <a:latin typeface="Consolas" panose="020B0609020204030204" pitchFamily="49" charset="0"/>
               </a:rPr>
-              <a:t>// </a:t>
-            </a:r>
-            <a:r>
-              <a:rPr lang="en-US" sz="1200" dirty="0">
-                <a:solidFill>
-                  <a:srgbClr val="008000"/>
-                </a:solidFill>
-                <a:latin typeface="Consolas" panose="020B0609020204030204" pitchFamily="49" charset="0"/>
-              </a:rPr>
-              <a:t>message requesting a file</a:t>
+              <a:t>// message requesting a file</a:t>
             </a:r>
             <a:endParaRPr lang="en-US" sz="1200" dirty="0">
               <a:solidFill>
@@ -12369,7 +11541,7 @@
           </a:p>
           <a:p>
             <a:r>
-              <a:rPr lang="en-US" sz="1200" dirty="0" smtClean="0">
+              <a:rPr lang="en-US" sz="1200" dirty="0">
                 <a:solidFill>
                   <a:srgbClr val="000000"/>
                 </a:solidFill>
@@ -12398,22 +11570,100 @@
           </a:p>
           <a:p>
             <a:r>
-              <a:rPr lang="en-US" sz="1200" dirty="0" smtClean="0">
+              <a:rPr lang="en-US" sz="1200" dirty="0">
                 <a:solidFill>
                   <a:srgbClr val="267F99"/>
                 </a:solidFill>
                 <a:latin typeface="Consolas" panose="020B0609020204030204" pitchFamily="49" charset="0"/>
               </a:rPr>
-              <a:t>	__</a:t>
+              <a:t>	__int64_t</a:t>
             </a:r>
             <a:r>
               <a:rPr lang="en-US" sz="1200" dirty="0">
                 <a:solidFill>
+                  <a:srgbClr val="000000"/>
+                </a:solidFill>
+                <a:latin typeface="Consolas" panose="020B0609020204030204" pitchFamily="49" charset="0"/>
+              </a:rPr>
+              <a:t> offset;</a:t>
+            </a:r>
+          </a:p>
+          <a:p>
+            <a:r>
+              <a:rPr lang="en-US" sz="1200" dirty="0">
+                <a:solidFill>
+                  <a:srgbClr val="0000FF"/>
+                </a:solidFill>
+                <a:latin typeface="Consolas" panose="020B0609020204030204" pitchFamily="49" charset="0"/>
+              </a:rPr>
+              <a:t>	</a:t>
+            </a:r>
+            <a:r>
+              <a:rPr lang="en-US" sz="1200" dirty="0" err="1">
+                <a:solidFill>
+                  <a:srgbClr val="0000FF"/>
+                </a:solidFill>
+                <a:latin typeface="Consolas" panose="020B0609020204030204" pitchFamily="49" charset="0"/>
+              </a:rPr>
+              <a:t>int</a:t>
+            </a:r>
+            <a:r>
+              <a:rPr lang="en-US" sz="1200" dirty="0">
+                <a:solidFill>
+                  <a:srgbClr val="000000"/>
+                </a:solidFill>
+                <a:latin typeface="Consolas" panose="020B0609020204030204" pitchFamily="49" charset="0"/>
+              </a:rPr>
+              <a:t> length;</a:t>
+            </a:r>
+          </a:p>
+          <a:p>
+            <a:r>
+              <a:rPr lang="en-US" sz="1200" dirty="0">
+                <a:solidFill>
+                  <a:srgbClr val="000000"/>
+                </a:solidFill>
+                <a:latin typeface="Consolas" panose="020B0609020204030204" pitchFamily="49" charset="0"/>
+              </a:rPr>
+              <a:t>     </a:t>
+            </a:r>
+          </a:p>
+          <a:p>
+            <a:r>
+              <a:rPr lang="en-US" sz="1200" dirty="0">
+                <a:solidFill>
+                  <a:srgbClr val="795E26"/>
+                </a:solidFill>
+                <a:latin typeface="Consolas" panose="020B0609020204030204" pitchFamily="49" charset="0"/>
+              </a:rPr>
+              <a:t>	</a:t>
+            </a:r>
+            <a:r>
+              <a:rPr lang="en-US" sz="1200" dirty="0" err="1">
+                <a:solidFill>
+                  <a:srgbClr val="795E26"/>
+                </a:solidFill>
+                <a:latin typeface="Consolas" panose="020B0609020204030204" pitchFamily="49" charset="0"/>
+              </a:rPr>
+              <a:t>filemsg</a:t>
+            </a:r>
+            <a:r>
+              <a:rPr lang="en-US" sz="1200" dirty="0">
+                <a:solidFill>
+                  <a:srgbClr val="000000"/>
+                </a:solidFill>
+                <a:latin typeface="Consolas" panose="020B0609020204030204" pitchFamily="49" charset="0"/>
+              </a:rPr>
+              <a:t> (</a:t>
+            </a:r>
+            <a:r>
+              <a:rPr lang="en-US" sz="1200" dirty="0">
+                <a:solidFill>
                   <a:srgbClr val="267F99"/>
                 </a:solidFill>
                 <a:latin typeface="Consolas" panose="020B0609020204030204" pitchFamily="49" charset="0"/>
               </a:rPr>
-              <a:t>int64_t</a:t>
+              <a:t>__int64_t</a:t>
             </a:r>
             <a:r>
               <a:rPr lang="en-US" sz="1200" dirty="0">
@@ -12422,45 +11672,25 @@
                 </a:solidFill>
                 <a:latin typeface="Consolas" panose="020B0609020204030204" pitchFamily="49" charset="0"/>
               </a:rPr>
-              <a:t> offset;</a:t>
-            </a:r>
-          </a:p>
-          <a:p>
-            <a:r>
-              <a:rPr lang="en-US" sz="1200" dirty="0" smtClean="0">
+              <a:t> _offset, </a:t>
+            </a:r>
+            <a:r>
+              <a:rPr lang="en-US" sz="1200" dirty="0" err="1">
                 <a:solidFill>
                   <a:srgbClr val="0000FF"/>
                 </a:solidFill>
                 <a:latin typeface="Consolas" panose="020B0609020204030204" pitchFamily="49" charset="0"/>
               </a:rPr>
-              <a:t>	</a:t>
-            </a:r>
-            <a:r>
-              <a:rPr lang="en-US" sz="1200" dirty="0" err="1" smtClean="0">
-                <a:solidFill>
-                  <a:srgbClr val="0000FF"/>
-                </a:solidFill>
-                <a:latin typeface="Consolas" panose="020B0609020204030204" pitchFamily="49" charset="0"/>
-              </a:rPr>
               <a:t>int</a:t>
             </a:r>
             <a:r>
-              <a:rPr lang="en-US" sz="1200" dirty="0" smtClean="0">
-                <a:solidFill>
-                  <a:srgbClr val="000000"/>
-                </a:solidFill>
-                <a:latin typeface="Consolas" panose="020B0609020204030204" pitchFamily="49" charset="0"/>
-              </a:rPr>
-              <a:t> </a:t>
-            </a:r>
-            <a:r>
               <a:rPr lang="en-US" sz="1200" dirty="0">
                 <a:solidFill>
                   <a:srgbClr val="000000"/>
                 </a:solidFill>
                 <a:latin typeface="Consolas" panose="020B0609020204030204" pitchFamily="49" charset="0"/>
               </a:rPr>
-              <a:t>length;</a:t>
+              <a:t> _length){</a:t>
             </a:r>
           </a:p>
           <a:p>
@@ -12471,36 +11701,16 @@
                 </a:solidFill>
                 <a:latin typeface="Consolas" panose="020B0609020204030204" pitchFamily="49" charset="0"/>
               </a:rPr>
-              <a:t>     </a:t>
-            </a:r>
-          </a:p>
-          <a:p>
-            <a:r>
-              <a:rPr lang="en-US" sz="1200" dirty="0" smtClean="0">
-                <a:solidFill>
-                  <a:srgbClr val="795E26"/>
-                </a:solidFill>
-                <a:latin typeface="Consolas" panose="020B0609020204030204" pitchFamily="49" charset="0"/>
-              </a:rPr>
-              <a:t>	</a:t>
-            </a:r>
-            <a:r>
-              <a:rPr lang="en-US" sz="1200" dirty="0" err="1" smtClean="0">
-                <a:solidFill>
-                  <a:srgbClr val="795E26"/>
-                </a:solidFill>
-                <a:latin typeface="Consolas" panose="020B0609020204030204" pitchFamily="49" charset="0"/>
-              </a:rPr>
-              <a:t>filemsg</a:t>
-            </a:r>
-            <a:r>
-              <a:rPr lang="en-US" sz="1200" dirty="0" smtClean="0">
-                <a:solidFill>
-                  <a:srgbClr val="000000"/>
-                </a:solidFill>
-                <a:latin typeface="Consolas" panose="020B0609020204030204" pitchFamily="49" charset="0"/>
-              </a:rPr>
-              <a:t> </a:t>
+              <a:t>		</a:t>
+            </a:r>
+            <a:r>
+              <a:rPr lang="en-US" sz="1200" dirty="0" err="1">
+                <a:solidFill>
+                  <a:srgbClr val="000000"/>
+                </a:solidFill>
+                <a:latin typeface="Consolas" panose="020B0609020204030204" pitchFamily="49" charset="0"/>
+              </a:rPr>
+              <a:t>mtype</a:t>
             </a:r>
             <a:r>
               <a:rPr lang="en-US" sz="1200" dirty="0">
@@ -12509,99 +11719,19 @@
                 </a:solidFill>
                 <a:latin typeface="Consolas" panose="020B0609020204030204" pitchFamily="49" charset="0"/>
               </a:rPr>
-              <a:t>(</a:t>
-            </a:r>
+              <a:t> = FILE_MSG, offset = _offset, length = _length;</a:t>
+            </a:r>
+          </a:p>
+          <a:p>
             <a:r>
               <a:rPr lang="en-US" sz="1200" dirty="0">
                 <a:solidFill>
-                  <a:srgbClr val="267F99"/>
-                </a:solidFill>
-                <a:latin typeface="Consolas" panose="020B0609020204030204" pitchFamily="49" charset="0"/>
-              </a:rPr>
-              <a:t>__int64_t</a:t>
-            </a:r>
-            <a:r>
-              <a:rPr lang="en-US" sz="1200" dirty="0">
-                <a:solidFill>
-                  <a:srgbClr val="000000"/>
-                </a:solidFill>
-                <a:latin typeface="Consolas" panose="020B0609020204030204" pitchFamily="49" charset="0"/>
-              </a:rPr>
-              <a:t> _offset, </a:t>
-            </a:r>
-            <a:r>
-              <a:rPr lang="en-US" sz="1200" dirty="0" err="1">
-                <a:solidFill>
-                  <a:srgbClr val="0000FF"/>
-                </a:solidFill>
-                <a:latin typeface="Consolas" panose="020B0609020204030204" pitchFamily="49" charset="0"/>
-              </a:rPr>
-              <a:t>int</a:t>
-            </a:r>
-            <a:r>
-              <a:rPr lang="en-US" sz="1200" dirty="0">
-                <a:solidFill>
-                  <a:srgbClr val="000000"/>
-                </a:solidFill>
-                <a:latin typeface="Consolas" panose="020B0609020204030204" pitchFamily="49" charset="0"/>
-              </a:rPr>
-              <a:t> _length){</a:t>
-            </a:r>
-          </a:p>
-          <a:p>
-            <a:r>
-              <a:rPr lang="en-US" sz="1200" dirty="0" smtClean="0">
-                <a:solidFill>
-                  <a:srgbClr val="000000"/>
-                </a:solidFill>
-                <a:latin typeface="Consolas" panose="020B0609020204030204" pitchFamily="49" charset="0"/>
-              </a:rPr>
-              <a:t>		</a:t>
-            </a:r>
-            <a:r>
-              <a:rPr lang="en-US" sz="1200" dirty="0" err="1" smtClean="0">
-                <a:solidFill>
-                  <a:srgbClr val="000000"/>
-                </a:solidFill>
-                <a:latin typeface="Consolas" panose="020B0609020204030204" pitchFamily="49" charset="0"/>
-              </a:rPr>
-              <a:t>mtype</a:t>
-            </a:r>
-            <a:r>
-              <a:rPr lang="en-US" sz="1200" dirty="0" smtClean="0">
-                <a:solidFill>
-                  <a:srgbClr val="000000"/>
-                </a:solidFill>
-                <a:latin typeface="Consolas" panose="020B0609020204030204" pitchFamily="49" charset="0"/>
-              </a:rPr>
-              <a:t> </a:t>
-            </a:r>
-            <a:r>
-              <a:rPr lang="en-US" sz="1200" dirty="0">
-                <a:solidFill>
-                  <a:srgbClr val="000000"/>
-                </a:solidFill>
-                <a:latin typeface="Consolas" panose="020B0609020204030204" pitchFamily="49" charset="0"/>
-              </a:rPr>
-              <a:t>= FILE_MSG, offset = _offset, length = _length;</a:t>
-            </a:r>
-          </a:p>
-          <a:p>
-            <a:r>
-              <a:rPr lang="en-US" sz="1200" dirty="0" smtClean="0">
-                <a:solidFill>
                   <a:srgbClr val="000000"/>
                 </a:solidFill>
                 <a:latin typeface="Consolas" panose="020B0609020204030204" pitchFamily="49" charset="0"/>
               </a:rPr>
               <a:t>	}</a:t>
             </a:r>
-            <a:endParaRPr lang="en-US" sz="1200" dirty="0">
-              <a:solidFill>
-                <a:srgbClr val="000000"/>
-              </a:solidFill>
-              <a:latin typeface="Consolas" panose="020B0609020204030204" pitchFamily="49" charset="0"/>
-            </a:endParaRPr>
           </a:p>
           <a:p>
             <a:r>
@@ -12676,75 +11806,50 @@
           <a:lstStyle/>
           <a:p>
             <a:r>
-              <a:rPr lang="en-US" sz="2000" dirty="0" smtClean="0"/>
-              <a:t>Send </a:t>
-            </a:r>
-            <a:r>
               <a:rPr lang="en-US" sz="2000" dirty="0"/>
-              <a:t>a </a:t>
-            </a:r>
-            <a:r>
-              <a:rPr lang="en-US" sz="2000" dirty="0" smtClean="0"/>
-              <a:t>request </a:t>
-            </a:r>
+              <a:t>Send a request message including message type (e.g. NEWCHANNEL_MSG) only</a:t>
+            </a:r>
+          </a:p>
+          <a:p>
+            <a:pPr lvl="1"/>
+            <a:r>
+              <a:rPr lang="en-US" sz="1800" dirty="0"/>
+              <a:t>We do not need any class for this message since the request message needs the message type only</a:t>
+            </a:r>
+          </a:p>
+          <a:p>
             <a:r>
               <a:rPr lang="en-US" sz="2000" dirty="0"/>
-              <a:t>message </a:t>
-            </a:r>
-            <a:r>
-              <a:rPr lang="en-US" sz="2000" dirty="0" smtClean="0"/>
-              <a:t>including </a:t>
-            </a:r>
-            <a:r>
-              <a:rPr lang="en-US" sz="2000" dirty="0"/>
-              <a:t>message type (e.g. NEWCHANNEL_MSG</a:t>
-            </a:r>
-            <a:r>
-              <a:rPr lang="en-US" sz="2000" dirty="0" smtClean="0"/>
-              <a:t>) only</a:t>
+              <a:t>Receive a new channel name from a server</a:t>
             </a:r>
           </a:p>
           <a:p>
             <a:pPr lvl="1"/>
             <a:r>
-              <a:rPr lang="en-US" sz="1800" dirty="0" smtClean="0"/>
-              <a:t>We do not need any class for this message since the request message needs the message type only</a:t>
-            </a:r>
-          </a:p>
-          <a:p>
-            <a:r>
-              <a:rPr lang="en-US" sz="2000" dirty="0" smtClean="0"/>
-              <a:t>Receive a new channel name from a server</a:t>
+              <a:rPr lang="en-US" sz="1800" dirty="0"/>
+              <a:t>Do you remember that a client create a channel instance by using the channel name, “control” to join the control channel created by a server?</a:t>
             </a:r>
           </a:p>
           <a:p>
             <a:pPr lvl="1"/>
             <a:r>
-              <a:rPr lang="en-US" sz="1800" dirty="0" smtClean="0"/>
-              <a:t>Do you remember that a client create a channel instance by using the channel name, “control” to join the control channel created by a server?</a:t>
+              <a:rPr lang="en-US" sz="1800" dirty="0"/>
+              <a:t>Likewise, a server creates a new channel and send the channel name to a client. </a:t>
             </a:r>
           </a:p>
           <a:p>
             <a:pPr lvl="1"/>
             <a:r>
-              <a:rPr lang="en-US" sz="1800" dirty="0" smtClean="0"/>
-              <a:t>Likewise, a server creates a new channel and send the channel name to a client. </a:t>
+              <a:rPr lang="en-US" sz="1800" dirty="0"/>
+              <a:t>A client will instantiate the channel by using the channel name to join the channel created by a server.</a:t>
             </a:r>
           </a:p>
           <a:p>
             <a:pPr lvl="1"/>
             <a:r>
-              <a:rPr lang="en-US" sz="1800" dirty="0" smtClean="0"/>
-              <a:t>A client will instantiate the channel by using the channel name to join the channel created by a server.</a:t>
-            </a:r>
-          </a:p>
-          <a:p>
-            <a:pPr lvl="1"/>
-            <a:r>
-              <a:rPr lang="en-US" sz="1800" dirty="0" smtClean="0"/>
+              <a:rPr lang="en-US" sz="1800" dirty="0"/>
               <a:t>A client won’t use the new channel in PA2 but will use them in the later PAs studying multi-threads.</a:t>
             </a:r>
-            <a:endParaRPr lang="en-US" sz="1800" dirty="0"/>
           </a:p>
         </p:txBody>
       </p:sp>
@@ -12772,15 +11877,7 @@
           <a:p>
             <a:r>
               <a:rPr lang="en-US" dirty="0"/>
-              <a:t>PA2 (Revisited) </a:t>
-            </a:r>
-            <a:r>
-              <a:rPr lang="en-US" dirty="0" smtClean="0"/>
-              <a:t>: (3) New </a:t>
-            </a:r>
-            <a:r>
-              <a:rPr lang="en-US" dirty="0"/>
-              <a:t>Channel Creation</a:t>
+              <a:t>PA2 (Revisited) : (3) New Channel Creation</a:t>
             </a:r>
           </a:p>
         </p:txBody>
@@ -12833,18 +11930,13 @@
           <a:p>
             <a:pPr algn="ctr"/>
             <a:r>
-              <a:rPr lang="en-US" dirty="0" smtClean="0">
+              <a:rPr lang="en-US" dirty="0">
                 <a:solidFill>
                   <a:schemeClr val="tx1"/>
                 </a:solidFill>
               </a:rPr>
               <a:t>Data server</a:t>
             </a:r>
-            <a:endParaRPr lang="en-US" dirty="0">
-              <a:solidFill>
-                <a:schemeClr val="tx1"/>
-              </a:solidFill>
-            </a:endParaRPr>
           </a:p>
         </p:txBody>
       </p:sp>
@@ -12896,18 +11988,13 @@
           <a:p>
             <a:pPr algn="ctr"/>
             <a:r>
-              <a:rPr lang="en-US" b="1" dirty="0" smtClean="0">
+              <a:rPr lang="en-US" b="1" dirty="0">
                 <a:solidFill>
                   <a:schemeClr val="tx1"/>
                 </a:solidFill>
               </a:rPr>
               <a:t>Client</a:t>
             </a:r>
-            <a:endParaRPr lang="en-US" b="1" dirty="0">
-              <a:solidFill>
-                <a:schemeClr val="tx1"/>
-              </a:solidFill>
-            </a:endParaRPr>
           </a:p>
         </p:txBody>
       </p:sp>
@@ -12963,18 +12050,13 @@
               </a:lnSpc>
             </a:pPr>
             <a:r>
-              <a:rPr lang="en-US" dirty="0" smtClean="0">
+              <a:rPr lang="en-US" dirty="0">
                 <a:solidFill>
                   <a:schemeClr val="tx1"/>
                 </a:solidFill>
               </a:rPr>
               <a:t>Control Channel</a:t>
             </a:r>
-            <a:endParaRPr lang="en-US" dirty="0">
-              <a:solidFill>
-                <a:schemeClr val="tx1"/>
-              </a:solidFill>
-            </a:endParaRPr>
           </a:p>
         </p:txBody>
       </p:sp>
@@ -13144,26 +12226,9 @@
           <a:lstStyle/>
           <a:p>
             <a:r>
-              <a:rPr lang="en-US" dirty="0" smtClean="0"/>
-              <a:t>The </a:t>
-            </a:r>
-            <a:r>
               <a:rPr lang="en-US" dirty="0"/>
-              <a:t>server </a:t>
-            </a:r>
-            <a:r>
-              <a:rPr lang="en-US" dirty="0" smtClean="0"/>
-              <a:t>is in a </a:t>
-            </a:r>
-            <a:r>
-              <a:rPr lang="en-US" dirty="0"/>
-              <a:t>“infinite" </a:t>
-            </a:r>
-            <a:r>
-              <a:rPr lang="en-US" dirty="0" smtClean="0"/>
-              <a:t>loop</a:t>
-            </a:r>
-            <a:endParaRPr lang="en-US" dirty="0"/>
+              <a:t>The server is in a “infinite" loop</a:t>
+            </a:r>
           </a:p>
         </p:txBody>
       </p:sp>
@@ -13224,10 +12289,9 @@
           <a:lstStyle/>
           <a:p>
             <a:r>
-              <a:rPr lang="en-US" dirty="0" smtClean="0"/>
+              <a:rPr lang="en-US" dirty="0"/>
               <a:t>NEWCHANNEL_MSG</a:t>
             </a:r>
-            <a:endParaRPr lang="en-US" dirty="0"/>
           </a:p>
         </p:txBody>
       </p:sp>
@@ -13405,98 +12469,25 @@
                   <a:srgbClr val="C00000"/>
                 </a:solidFill>
               </a:rPr>
-              <a:t>All these threads </a:t>
-            </a:r>
-            <a:r>
-              <a:rPr lang="en-US" b="1" dirty="0" smtClean="0">
-                <a:solidFill>
-                  <a:srgbClr val="C00000"/>
-                </a:solidFill>
-              </a:rPr>
-              <a:t>such as patient threads and worker threads must </a:t>
-            </a:r>
-            <a:r>
-              <a:rPr lang="en-US" b="1" dirty="0">
-                <a:solidFill>
-                  <a:srgbClr val="C00000"/>
-                </a:solidFill>
-              </a:rPr>
-              <a:t>be running </a:t>
-            </a:r>
-            <a:r>
-              <a:rPr lang="en-US" b="1" dirty="0" smtClean="0">
-                <a:solidFill>
-                  <a:srgbClr val="C00000"/>
-                </a:solidFill>
-              </a:rPr>
-              <a:t>simultaneously.</a:t>
-            </a:r>
-          </a:p>
-          <a:p>
-            <a:r>
-              <a:rPr lang="en-US" dirty="0" smtClean="0"/>
-              <a:t>The patient </a:t>
-            </a:r>
+              <a:t>All these threads such as patient threads and worker threads must be running simultaneously.</a:t>
+            </a:r>
+          </a:p>
+          <a:p>
             <a:r>
               <a:rPr lang="en-US" dirty="0"/>
-              <a:t>threads generate requests to the </a:t>
-            </a:r>
-            <a:r>
-              <a:rPr lang="en-US" dirty="0" smtClean="0"/>
-              <a:t>request buffer.</a:t>
-            </a:r>
-            <a:endParaRPr lang="en-US" dirty="0"/>
-          </a:p>
-          <a:p>
-            <a:r>
-              <a:rPr lang="en-US" dirty="0" smtClean="0"/>
-              <a:t>Each </a:t>
-            </a:r>
+              <a:t>The patient threads generate requests to the request buffer.</a:t>
+            </a:r>
+          </a:p>
+          <a:p>
             <a:r>
               <a:rPr lang="en-US" dirty="0"/>
-              <a:t>worker thread </a:t>
-            </a:r>
-            <a:r>
-              <a:rPr lang="en-US" dirty="0" smtClean="0"/>
-              <a:t>pops </a:t>
-            </a:r>
+              <a:t>Each worker thread pops a request from the request buffer, sends it to the server, collects the response.</a:t>
+            </a:r>
+          </a:p>
+          <a:p>
             <a:r>
               <a:rPr lang="en-US" dirty="0"/>
-              <a:t>a request </a:t>
-            </a:r>
-            <a:r>
-              <a:rPr lang="en-US" dirty="0" smtClean="0"/>
-              <a:t>from the </a:t>
-            </a:r>
-            <a:r>
-              <a:rPr lang="en-US" dirty="0"/>
-              <a:t>request </a:t>
-            </a:r>
-            <a:r>
-              <a:rPr lang="en-US" dirty="0" smtClean="0"/>
-              <a:t>buffer, </a:t>
-            </a:r>
-            <a:r>
-              <a:rPr lang="en-US" dirty="0"/>
-              <a:t>sends it to the server, collects the </a:t>
-            </a:r>
-            <a:r>
-              <a:rPr lang="en-US" dirty="0" smtClean="0"/>
-              <a:t>response.</a:t>
-            </a:r>
-          </a:p>
-          <a:p>
-            <a:r>
-              <a:rPr lang="en-US" dirty="0" smtClean="0"/>
-              <a:t>A thread in the </a:t>
-            </a:r>
-            <a:r>
-              <a:rPr lang="en-US" dirty="0"/>
-              <a:t>server </a:t>
-            </a:r>
-            <a:r>
-              <a:rPr lang="en-US" dirty="0" smtClean="0"/>
-              <a:t>side communicates with a worker thread via each data channel.</a:t>
+              <a:t>A thread in the server side communicates with a worker thread via each data channel.</a:t>
             </a:r>
           </a:p>
           <a:p>
@@ -13529,20 +12520,15 @@
             </a:r>
             <a:r>
               <a:rPr lang="en-US" dirty="0"/>
-              <a:t>, BoundedBuffer.cpp, </a:t>
-            </a:r>
-            <a:r>
-              <a:rPr lang="en-US" dirty="0" smtClean="0"/>
-              <a:t>Histogram.cpp and client.cpp</a:t>
+              <a:t>, BoundedBuffer.cpp, Histogram.cpp and client.cpp</a:t>
             </a:r>
           </a:p>
           <a:p>
             <a:pPr lvl="1"/>
             <a:r>
-              <a:rPr lang="en-US" dirty="0" smtClean="0"/>
+              <a:rPr lang="en-US" dirty="0"/>
               <a:t>The server side implementation is already complete, meaning that you do not need to change it.</a:t>
             </a:r>
-            <a:endParaRPr lang="en-US" dirty="0"/>
           </a:p>
         </p:txBody>
       </p:sp>
@@ -13562,10 +12548,9 @@
           <a:lstStyle/>
           <a:p>
             <a:r>
-              <a:rPr lang="en-US" dirty="0" smtClean="0"/>
+              <a:rPr lang="en-US" dirty="0"/>
               <a:t>Overview</a:t>
             </a:r>
-            <a:endParaRPr lang="en-US" dirty="0"/>
           </a:p>
         </p:txBody>
       </p:sp>
@@ -13603,13 +12588,6 @@
   <p:clrMapOvr>
     <a:masterClrMapping/>
   </p:clrMapOvr>
-  <p:timing>
-    <p:tnLst>
-      <p:par>
-        <p:cTn id="1" dur="indefinite" restart="never" nodeType="tmRoot"/>
-      </p:par>
-    </p:tnLst>
-  </p:timing>
 </p:sld>
 </file>
 
@@ -13653,7 +12631,7 @@
           <a:lstStyle/>
           <a:p>
             <a:r>
-              <a:rPr lang="en-US" b="1" dirty="0" smtClean="0">
+              <a:rPr lang="en-US" b="1" dirty="0">
                 <a:solidFill>
                   <a:srgbClr val="C00000"/>
                 </a:solidFill>
@@ -13664,72 +12642,39 @@
           <a:p>
             <a:pPr lvl="1"/>
             <a:r>
-              <a:rPr lang="en-US" dirty="0" smtClean="0"/>
-              <a:t> Simultaneous </a:t>
-            </a:r>
-            <a:r>
               <a:rPr lang="en-US" dirty="0"/>
-              <a:t>access from the producers (i.e., patient threads) and consumers (i.e., </a:t>
-            </a:r>
-            <a:r>
-              <a:rPr lang="en-US" dirty="0" smtClean="0"/>
-              <a:t>worker threads</a:t>
-            </a:r>
+              <a:t> Simultaneous access from the producers (i.e., patient threads) and consumers (i.e., worker threads) would lead to race condition.</a:t>
+            </a:r>
+          </a:p>
+          <a:p>
+            <a:r>
+              <a:rPr lang="en-US" b="1" dirty="0">
+                <a:solidFill>
+                  <a:srgbClr val="C00000"/>
+                </a:solidFill>
+              </a:rPr>
+              <a:t>Support “bounded” buffer</a:t>
+            </a:r>
+          </a:p>
+          <a:p>
+            <a:pPr lvl="1"/>
             <a:r>
               <a:rPr lang="en-US" dirty="0"/>
-              <a:t>) would lead to race condition</a:t>
-            </a:r>
-            <a:r>
-              <a:rPr lang="en-US" dirty="0" smtClean="0"/>
-              <a:t>.</a:t>
-            </a:r>
-          </a:p>
-          <a:p>
-            <a:r>
-              <a:rPr lang="en-US" b="1" dirty="0" smtClean="0">
-                <a:solidFill>
-                  <a:srgbClr val="C00000"/>
-                </a:solidFill>
-              </a:rPr>
-              <a:t>Support “bounded” buffer</a:t>
+              <a:t>“overflow” happens when the patient threads are much faster than the worker threads.</a:t>
             </a:r>
           </a:p>
           <a:p>
             <a:pPr lvl="1"/>
             <a:r>
               <a:rPr lang="en-US" dirty="0"/>
-              <a:t>“overflow</a:t>
-            </a:r>
-            <a:r>
-              <a:rPr lang="en-US" dirty="0" smtClean="0"/>
-              <a:t>” happens </a:t>
-            </a:r>
-            <a:r>
-              <a:rPr lang="en-US" dirty="0"/>
-              <a:t>when the patient threads are much faster than the worker </a:t>
-            </a:r>
-            <a:r>
-              <a:rPr lang="en-US" dirty="0" smtClean="0"/>
-              <a:t>threads.</a:t>
-            </a:r>
-          </a:p>
-          <a:p>
-            <a:pPr lvl="1"/>
-            <a:r>
-              <a:rPr lang="en-US" dirty="0" smtClean="0"/>
-              <a:t>“underflow” </a:t>
-            </a:r>
-            <a:r>
-              <a:rPr lang="en-US" dirty="0"/>
-              <a:t>can happen under the opposite case.</a:t>
-            </a:r>
-            <a:endParaRPr lang="en-US" dirty="0" smtClean="0"/>
-          </a:p>
-          <a:p>
-            <a:endParaRPr lang="en-US" dirty="0" smtClean="0"/>
-          </a:p>
-          <a:p>
-            <a:endParaRPr lang="en-US" dirty="0" smtClean="0"/>
+              <a:t>“underflow” can happen under the opposite case.</a:t>
+            </a:r>
+          </a:p>
+          <a:p>
+            <a:endParaRPr lang="en-US" dirty="0"/>
+          </a:p>
+          <a:p>
+            <a:endParaRPr lang="en-US" dirty="0"/>
           </a:p>
           <a:p>
             <a:endParaRPr lang="en-US" dirty="0"/>
@@ -13758,10 +12703,9 @@
           <a:lstStyle/>
           <a:p>
             <a:r>
-              <a:rPr lang="en-US" dirty="0" smtClean="0"/>
+              <a:rPr lang="en-US" dirty="0"/>
               <a:t>Key Challenges (Buffer)</a:t>
             </a:r>
-            <a:endParaRPr lang="en-US" dirty="0"/>
           </a:p>
         </p:txBody>
       </p:sp>
@@ -14063,61 +13007,61 @@
           <a:lstStyle/>
           <a:p>
             <a:r>
-              <a:rPr lang="en-US" dirty="0" smtClean="0"/>
+              <a:rPr lang="en-US" dirty="0"/>
               <a:t>A patient thread performs two tasks;</a:t>
             </a:r>
           </a:p>
           <a:p>
             <a:pPr lvl="1"/>
             <a:r>
-              <a:rPr lang="en-US" dirty="0" smtClean="0"/>
+              <a:rPr lang="en-US" dirty="0"/>
               <a:t>generates </a:t>
             </a:r>
             <a:r>
-              <a:rPr lang="en-US" dirty="0" err="1" smtClean="0"/>
+              <a:rPr lang="en-US" dirty="0" err="1"/>
               <a:t>datamsgs</a:t>
             </a:r>
             <a:r>
-              <a:rPr lang="en-US" dirty="0" smtClean="0"/>
+              <a:rPr lang="en-US" dirty="0"/>
               <a:t> based on the number of requests specified by a user (See -n flag)</a:t>
             </a:r>
           </a:p>
           <a:p>
             <a:pPr lvl="1"/>
             <a:r>
-              <a:rPr lang="en-US" dirty="0" smtClean="0"/>
+              <a:rPr lang="en-US" dirty="0"/>
               <a:t>stores them in the request buffer</a:t>
             </a:r>
           </a:p>
           <a:p>
             <a:r>
-              <a:rPr lang="en-US" dirty="0" smtClean="0"/>
+              <a:rPr lang="en-US" dirty="0"/>
               <a:t>The worker thread performs four tasks;</a:t>
             </a:r>
           </a:p>
           <a:p>
             <a:pPr lvl="1"/>
             <a:r>
-              <a:rPr lang="en-US" dirty="0" smtClean="0"/>
+              <a:rPr lang="en-US" dirty="0"/>
               <a:t>reads a </a:t>
             </a:r>
             <a:r>
-              <a:rPr lang="en-US" dirty="0" err="1" smtClean="0"/>
+              <a:rPr lang="en-US" dirty="0" err="1"/>
               <a:t>datamsg</a:t>
             </a:r>
             <a:r>
-              <a:rPr lang="en-US" dirty="0" smtClean="0"/>
+              <a:rPr lang="en-US" dirty="0"/>
               <a:t> from the request buffer.</a:t>
             </a:r>
           </a:p>
           <a:p>
             <a:pPr lvl="1"/>
             <a:r>
-              <a:rPr lang="en-US" dirty="0" smtClean="0"/>
+              <a:rPr lang="en-US" dirty="0"/>
               <a:t>sends it to a server over a </a:t>
             </a:r>
             <a:r>
-              <a:rPr lang="en-US" b="1" dirty="0" smtClean="0">
+              <a:rPr lang="en-US" b="1" dirty="0">
                 <a:solidFill>
                   <a:srgbClr val="C00000"/>
                 </a:solidFill>
@@ -14128,11 +13072,11 @@
           <a:p>
             <a:pPr lvl="1"/>
             <a:r>
-              <a:rPr lang="en-US" dirty="0" smtClean="0"/>
+              <a:rPr lang="en-US" dirty="0"/>
               <a:t>receives the response from sever through a </a:t>
             </a:r>
             <a:r>
-              <a:rPr lang="en-US" b="1" dirty="0" smtClean="0">
+              <a:rPr lang="en-US" b="1" dirty="0">
                 <a:solidFill>
                   <a:srgbClr val="C00000"/>
                 </a:solidFill>
@@ -14143,110 +13087,37 @@
           <a:p>
             <a:pPr lvl="1"/>
             <a:r>
-              <a:rPr lang="en-US" dirty="0" smtClean="0"/>
-              <a:t>puts </a:t>
-            </a:r>
-            <a:r>
               <a:rPr lang="en-US" dirty="0"/>
-              <a:t>the </a:t>
-            </a:r>
-            <a:r>
-              <a:rPr lang="en-US" dirty="0" smtClean="0"/>
-              <a:t>response in </a:t>
-            </a:r>
+              <a:t>puts the response in the patient’s histogram.</a:t>
+            </a:r>
+          </a:p>
+          <a:p>
             <a:r>
               <a:rPr lang="en-US" dirty="0"/>
-              <a:t>the patient’s </a:t>
-            </a:r>
-            <a:r>
-              <a:rPr lang="en-US" dirty="0" smtClean="0"/>
-              <a:t>histogram</a:t>
+              <a:t>There is </a:t>
+            </a:r>
+            <a:r>
+              <a:rPr lang="en-US" b="1" dirty="0">
+                <a:solidFill>
+                  <a:srgbClr val="C00000"/>
+                </a:solidFill>
+              </a:rPr>
+              <a:t>a histogram per patient</a:t>
             </a:r>
             <a:r>
               <a:rPr lang="en-US" dirty="0"/>
-              <a:t>.</a:t>
-            </a:r>
-          </a:p>
-          <a:p>
-            <a:r>
-              <a:rPr lang="en-US" dirty="0" smtClean="0"/>
-              <a:t>There is </a:t>
-            </a:r>
-            <a:r>
-              <a:rPr lang="en-US" b="1" dirty="0" smtClean="0">
+              <a:t> that keeps track of that patient’s statistics. </a:t>
+            </a:r>
+          </a:p>
+          <a:p>
+            <a:r>
+              <a:rPr lang="en-US" b="1" dirty="0">
                 <a:solidFill>
                   <a:srgbClr val="C00000"/>
                 </a:solidFill>
               </a:rPr>
-              <a:t>a histogram per patient</a:t>
-            </a:r>
-            <a:r>
-              <a:rPr lang="en-US" dirty="0" smtClean="0"/>
-              <a:t> that keeps track of that patient’s statistics. </a:t>
-            </a:r>
-          </a:p>
-          <a:p>
-            <a:r>
-              <a:rPr lang="en-US" b="1" dirty="0" smtClean="0">
-                <a:solidFill>
-                  <a:srgbClr val="C00000"/>
-                </a:solidFill>
-              </a:rPr>
-              <a:t>Another Challenge: Note that multiple </a:t>
-            </a:r>
-            <a:r>
-              <a:rPr lang="en-US" b="1" dirty="0">
-                <a:solidFill>
-                  <a:srgbClr val="C00000"/>
-                </a:solidFill>
-              </a:rPr>
-              <a:t>worker threads would potentially update the same </a:t>
-            </a:r>
-            <a:r>
-              <a:rPr lang="en-US" b="1" dirty="0" smtClean="0">
-                <a:solidFill>
-                  <a:srgbClr val="C00000"/>
-                </a:solidFill>
-              </a:rPr>
-              <a:t>histogram at the same time </a:t>
-            </a:r>
-            <a:r>
-              <a:rPr lang="en-US" b="1" dirty="0">
-                <a:solidFill>
-                  <a:srgbClr val="C00000"/>
-                </a:solidFill>
-              </a:rPr>
-              <a:t>leading to </a:t>
-            </a:r>
-            <a:r>
-              <a:rPr lang="en-US" b="1" dirty="0" smtClean="0">
-                <a:solidFill>
-                  <a:srgbClr val="C00000"/>
-                </a:solidFill>
-              </a:rPr>
-              <a:t>another race </a:t>
-            </a:r>
-            <a:r>
-              <a:rPr lang="en-US" b="1" dirty="0">
-                <a:solidFill>
-                  <a:srgbClr val="C00000"/>
-                </a:solidFill>
-              </a:rPr>
-              <a:t>condition, which must be avoided by using mutual exclusion</a:t>
-            </a:r>
-            <a:r>
-              <a:rPr lang="en-US" b="1" dirty="0" smtClean="0">
-                <a:solidFill>
-                  <a:srgbClr val="C00000"/>
-                </a:solidFill>
-              </a:rPr>
-              <a:t>. That is, you need to modify a given histogram class</a:t>
-            </a:r>
-            <a:endParaRPr lang="en-US" b="1" dirty="0">
-              <a:solidFill>
-                <a:srgbClr val="C00000"/>
-              </a:solidFill>
-            </a:endParaRPr>
+              <a:t>Another Challenge: Note that multiple worker threads would potentially update the same histogram at the same time leading to another race condition, which must be avoided by using mutual exclusion. That is, you need to modify a given histogram class</a:t>
+            </a:r>
           </a:p>
         </p:txBody>
       </p:sp>
@@ -14330,13 +13201,6 @@
   <p:clrMapOvr>
     <a:masterClrMapping/>
   </p:clrMapOvr>
-  <p:timing>
-    <p:tnLst>
-      <p:par>
-        <p:cTn id="1" dur="indefinite" restart="never" nodeType="tmRoot"/>
-      </p:par>
-    </p:tnLst>
-  </p:timing>
 </p:sld>
 </file>
 
@@ -14380,11 +13244,11 @@
           <a:lstStyle/>
           <a:p>
             <a:r>
-              <a:rPr lang="en-US" dirty="0" smtClean="0"/>
+              <a:rPr lang="en-US" dirty="0"/>
               <a:t>A </a:t>
             </a:r>
             <a:r>
-              <a:rPr lang="en-US" b="1" dirty="0" smtClean="0">
+              <a:rPr lang="en-US" b="1" dirty="0">
                 <a:solidFill>
                   <a:srgbClr val="C00000"/>
                 </a:solidFill>
@@ -14392,11 +13256,11 @@
               <a:t>file request thread </a:t>
             </a:r>
             <a:r>
-              <a:rPr lang="en-US" dirty="0" smtClean="0"/>
+              <a:rPr lang="en-US" dirty="0"/>
               <a:t>performs three tasks</a:t>
             </a:r>
             <a:r>
-              <a:rPr lang="en-US" b="1" dirty="0" smtClean="0">
+              <a:rPr lang="en-US" b="1" dirty="0">
                 <a:solidFill>
                   <a:srgbClr val="C00000"/>
                 </a:solidFill>
@@ -14407,220 +13271,113 @@
           <a:p>
             <a:pPr lvl="1"/>
             <a:r>
-              <a:rPr lang="en-US" dirty="0" smtClean="0"/>
-              <a:t>requests </a:t>
-            </a:r>
-            <a:r>
               <a:rPr lang="en-US" dirty="0"/>
-              <a:t>the size of the file </a:t>
-            </a:r>
-            <a:r>
-              <a:rPr lang="en-US" dirty="0" smtClean="0"/>
-              <a:t>using a </a:t>
+              <a:t>requests the size of the file using a special </a:t>
+            </a:r>
+            <a:r>
+              <a:rPr lang="en-US" dirty="0" err="1"/>
+              <a:t>filemsg</a:t>
             </a:r>
             <a:r>
               <a:rPr lang="en-US" dirty="0"/>
-              <a:t>special </a:t>
-            </a:r>
-            <a:r>
-              <a:rPr lang="en-US" dirty="0" err="1" smtClean="0"/>
-              <a:t>filemsg</a:t>
+              <a:t> through</a:t>
+            </a:r>
+            <a:r>
+              <a:rPr lang="en-US" b="1" dirty="0">
+                <a:solidFill>
+                  <a:srgbClr val="C00000"/>
+                </a:solidFill>
+              </a:rPr>
+              <a:t> a control channel</a:t>
+            </a:r>
+            <a:r>
+              <a:rPr lang="en-US" b="1" dirty="0"/>
+              <a:t> </a:t>
             </a:r>
             <a:r>
               <a:rPr lang="en-US" dirty="0"/>
-              <a:t> </a:t>
-            </a:r>
-            <a:r>
-              <a:rPr lang="en-US" dirty="0" smtClean="0"/>
-              <a:t>through</a:t>
-            </a:r>
-            <a:r>
-              <a:rPr lang="en-US" b="1" dirty="0" smtClean="0">
+              <a:t>like PA2.</a:t>
+            </a:r>
+          </a:p>
+          <a:p>
+            <a:pPr lvl="1"/>
+            <a:r>
+              <a:rPr lang="en-US" dirty="0"/>
+              <a:t>generates all request messages (</a:t>
+            </a:r>
+            <a:r>
+              <a:rPr lang="en-US" dirty="0" err="1"/>
+              <a:t>filemsgs</a:t>
+            </a:r>
+            <a:r>
+              <a:rPr lang="en-US" dirty="0"/>
+              <a:t>) for requesting different chunks of the file </a:t>
+            </a:r>
+          </a:p>
+          <a:p>
+            <a:pPr lvl="1"/>
+            <a:r>
+              <a:rPr lang="en-US" dirty="0"/>
+              <a:t>pushes them to the request buffer unlike PA2</a:t>
+            </a:r>
+          </a:p>
+          <a:p>
+            <a:r>
+              <a:rPr lang="en-US" dirty="0"/>
+              <a:t>Each worker thread performs three tasks;</a:t>
+            </a:r>
+          </a:p>
+          <a:p>
+            <a:pPr lvl="1"/>
+            <a:r>
+              <a:rPr lang="en-US" dirty="0"/>
+              <a:t>sends the request message through</a:t>
+            </a:r>
+            <a:r>
+              <a:rPr lang="en-US" b="1" dirty="0">
                 <a:solidFill>
                   <a:srgbClr val="C00000"/>
                 </a:solidFill>
               </a:rPr>
-              <a:t> a control channel</a:t>
-            </a:r>
-            <a:r>
-              <a:rPr lang="en-US" b="1" dirty="0" smtClean="0"/>
-              <a:t> </a:t>
-            </a:r>
-            <a:r>
-              <a:rPr lang="en-US" dirty="0" smtClean="0"/>
-              <a:t>like PA2.</a:t>
+              <a:t> a data channel </a:t>
             </a:r>
           </a:p>
           <a:p>
             <a:pPr lvl="1"/>
             <a:r>
-              <a:rPr lang="en-US" dirty="0" smtClean="0"/>
-              <a:t>generates all request messages (</a:t>
-            </a:r>
-            <a:r>
-              <a:rPr lang="en-US" dirty="0" err="1" smtClean="0"/>
-              <a:t>filemsgs</a:t>
-            </a:r>
-            <a:r>
-              <a:rPr lang="en-US" dirty="0" smtClean="0"/>
-              <a:t>) for requesting different chunks of the </a:t>
-            </a:r>
-            <a:r>
               <a:rPr lang="en-US" dirty="0"/>
-              <a:t>file </a:t>
-            </a:r>
-            <a:endParaRPr lang="en-US" dirty="0" smtClean="0"/>
+              <a:t>receives a chunk of the file through</a:t>
+            </a:r>
+            <a:r>
+              <a:rPr lang="en-US" b="1" dirty="0">
+                <a:solidFill>
+                  <a:srgbClr val="C00000"/>
+                </a:solidFill>
+              </a:rPr>
+              <a:t> a data channel</a:t>
+            </a:r>
           </a:p>
           <a:p>
             <a:pPr lvl="1"/>
             <a:r>
-              <a:rPr lang="en-US" dirty="0" smtClean="0"/>
-              <a:t>pushes them </a:t>
-            </a:r>
-            <a:r>
               <a:rPr lang="en-US" dirty="0"/>
-              <a:t>to the request </a:t>
-            </a:r>
-            <a:r>
-              <a:rPr lang="en-US" dirty="0" smtClean="0"/>
-              <a:t>buffer</a:t>
-            </a:r>
-            <a:r>
-              <a:rPr lang="en-US" dirty="0"/>
-              <a:t> </a:t>
-            </a:r>
-            <a:r>
-              <a:rPr lang="en-US" dirty="0" smtClean="0"/>
-              <a:t>unlike PA2</a:t>
-            </a:r>
-          </a:p>
-          <a:p>
-            <a:r>
-              <a:rPr lang="en-US" dirty="0" smtClean="0"/>
-              <a:t>Each worker thread performs three tasks;</a:t>
-            </a:r>
-          </a:p>
-          <a:p>
-            <a:pPr lvl="1"/>
-            <a:r>
-              <a:rPr lang="en-US" dirty="0" smtClean="0"/>
-              <a:t>sends the request </a:t>
-            </a:r>
-            <a:r>
-              <a:rPr lang="en-US" dirty="0"/>
-              <a:t>message through</a:t>
-            </a:r>
-            <a:r>
-              <a:rPr lang="en-US" b="1" dirty="0" smtClean="0">
-                <a:solidFill>
-                  <a:srgbClr val="C00000"/>
-                </a:solidFill>
-              </a:rPr>
-              <a:t> </a:t>
-            </a:r>
-            <a:r>
-              <a:rPr lang="en-US" b="1" dirty="0">
-                <a:solidFill>
-                  <a:srgbClr val="C00000"/>
-                </a:solidFill>
-              </a:rPr>
-              <a:t>a data channel </a:t>
-            </a:r>
-            <a:endParaRPr lang="en-US" b="1" dirty="0" smtClean="0">
-              <a:solidFill>
-                <a:srgbClr val="C00000"/>
-              </a:solidFill>
-            </a:endParaRPr>
-          </a:p>
-          <a:p>
-            <a:pPr lvl="1"/>
-            <a:r>
-              <a:rPr lang="en-US" dirty="0"/>
-              <a:t>receives a chunk </a:t>
-            </a:r>
-            <a:r>
-              <a:rPr lang="en-US" dirty="0" smtClean="0"/>
-              <a:t>of the file </a:t>
-            </a:r>
-            <a:r>
-              <a:rPr lang="en-US" dirty="0"/>
-              <a:t>through</a:t>
-            </a:r>
-            <a:r>
-              <a:rPr lang="en-US" b="1" dirty="0" smtClean="0">
-                <a:solidFill>
-                  <a:srgbClr val="C00000"/>
-                </a:solidFill>
-              </a:rPr>
-              <a:t> a data channel</a:t>
-            </a:r>
-          </a:p>
-          <a:p>
-            <a:pPr lvl="1"/>
-            <a:r>
-              <a:rPr lang="en-US" dirty="0" smtClean="0"/>
               <a:t>writes the received chunk to a file</a:t>
-            </a:r>
-            <a:endParaRPr lang="en-US" b="1" dirty="0" smtClean="0">
-              <a:solidFill>
-                <a:srgbClr val="C00000"/>
-              </a:solidFill>
-            </a:endParaRPr>
-          </a:p>
-          <a:p>
-            <a:r>
-              <a:rPr lang="en-US" b="1" dirty="0">
-                <a:solidFill>
-                  <a:srgbClr val="C00000"/>
-                </a:solidFill>
-              </a:rPr>
-              <a:t>Another Challenge: </a:t>
-            </a:r>
-            <a:r>
-              <a:rPr lang="en-US" b="1" dirty="0" smtClean="0">
-                <a:solidFill>
-                  <a:srgbClr val="C00000"/>
-                </a:solidFill>
-              </a:rPr>
-              <a:t>Note that you </a:t>
-            </a:r>
-            <a:r>
-              <a:rPr lang="en-US" b="1" dirty="0">
-                <a:solidFill>
-                  <a:srgbClr val="C00000"/>
-                </a:solidFill>
-              </a:rPr>
-              <a:t>must make your worker threads robust enough so that they </a:t>
-            </a:r>
-            <a:r>
-              <a:rPr lang="en-US" b="1" dirty="0" smtClean="0">
-                <a:solidFill>
-                  <a:srgbClr val="C00000"/>
-                </a:solidFill>
-              </a:rPr>
-              <a:t>do not </a:t>
-            </a:r>
-            <a:r>
-              <a:rPr lang="en-US" b="1" dirty="0">
-                <a:solidFill>
-                  <a:srgbClr val="C00000"/>
-                </a:solidFill>
-              </a:rPr>
-              <a:t>corrupt the file when they are writing to it simultaneously</a:t>
-            </a:r>
-            <a:r>
-              <a:rPr lang="en-US" b="1" dirty="0" smtClean="0">
-                <a:solidFill>
-                  <a:srgbClr val="C00000"/>
-                </a:solidFill>
-              </a:rPr>
-              <a:t>. How?</a:t>
             </a:r>
             <a:endParaRPr lang="en-US" b="1" dirty="0">
               <a:solidFill>
                 <a:srgbClr val="C00000"/>
               </a:solidFill>
             </a:endParaRPr>
+          </a:p>
+          <a:p>
+            <a:r>
+              <a:rPr lang="en-US" b="1" dirty="0">
+                <a:solidFill>
+                  <a:srgbClr val="C00000"/>
+                </a:solidFill>
+              </a:rPr>
+              <a:t>Another Challenge: Note that you must make your worker threads robust enough so that they do not corrupt the file when they are writing to it simultaneously. How?</a:t>
+            </a:r>
           </a:p>
         </p:txBody>
       </p:sp>
@@ -14680,13 +13437,6 @@
   <p:clrMapOvr>
     <a:masterClrMapping/>
   </p:clrMapOvr>
-  <p:timing>
-    <p:tnLst>
-      <p:par>
-        <p:cTn id="1" dur="indefinite" restart="never" nodeType="tmRoot"/>
-      </p:par>
-    </p:tnLst>
-  </p:timing>
 </p:sld>
 </file>
 
